--- a/Research/Previous/EndOfTermPresentation.pptx
+++ b/Research/Previous/EndOfTermPresentation.pptx
@@ -2,8 +2,11 @@
 <file path=ppt/presentation.xml><?xml version="1.0" encoding="utf-8"?>
 <p:presentation xmlns:a="http://schemas.openxmlformats.org/drawingml/2006/main" xmlns:r="http://schemas.openxmlformats.org/officeDocument/2006/relationships" xmlns:p="http://schemas.openxmlformats.org/presentationml/2006/main" autoCompressPictures="0">
   <p:sldMasterIdLst>
-    <p:sldMasterId id="2147483648" r:id="rId1"/>
+    <p:sldMasterId id="2147483660" r:id="rId1"/>
   </p:sldMasterIdLst>
+  <p:handoutMasterIdLst>
+    <p:handoutMasterId r:id="rId13"/>
+  </p:handoutMasterIdLst>
   <p:sldIdLst>
     <p:sldId id="256" r:id="rId2"/>
     <p:sldId id="258" r:id="rId3"/>
@@ -114,11 +117,209 @@
       </a:defRPr>
     </a:lvl9pPr>
   </p:defaultTextStyle>
+  <p:extLst>
+    <p:ext uri="{EFAFB233-063F-42B5-8137-9DF3F51BA10A}">
+      <p15:sldGuideLst xmlns:p15="http://schemas.microsoft.com/office/powerpoint/2012/main"/>
+    </p:ext>
+  </p:extLst>
 </p:presentation>
 </file>
 
+<file path=ppt/revisionInfo.xml><?xml version="1.0" encoding="utf-8"?>
+<p1510:revInfo xmlns:a="http://schemas.openxmlformats.org/drawingml/2006/main" xmlns:r="http://schemas.openxmlformats.org/officeDocument/2006/relationships" xmlns:p1510="http://schemas.microsoft.com/office/powerpoint/2015/10/main"/>
+</file>
+
+<file path=ppt/handoutMasters/handoutMaster1.xml><?xml version="1.0" encoding="utf-8"?>
+<p:handoutMaster xmlns:a="http://schemas.openxmlformats.org/drawingml/2006/main" xmlns:r="http://schemas.openxmlformats.org/officeDocument/2006/relationships" xmlns:p="http://schemas.openxmlformats.org/presentationml/2006/main">
+  <p:cSld>
+    <p:bg>
+      <p:bgRef idx="1001">
+        <a:schemeClr val="bg1"/>
+      </p:bgRef>
+    </p:bg>
+    <p:spTree>
+      <p:nvGrpSpPr>
+        <p:cNvPr id="1" name=""/>
+        <p:cNvGrpSpPr/>
+        <p:nvPr/>
+      </p:nvGrpSpPr>
+      <p:grpSpPr>
+        <a:xfrm>
+          <a:off x="0" y="0"/>
+          <a:ext cx="0" cy="0"/>
+          <a:chOff x="0" y="0"/>
+          <a:chExt cx="0" cy="0"/>
+        </a:xfrm>
+      </p:grpSpPr>
+      <p:sp>
+        <p:nvSpPr>
+          <p:cNvPr id="2" name="Header Placeholder 1">
+            <a:extLst>
+              <a:ext uri="{FF2B5EF4-FFF2-40B4-BE49-F238E27FC236}">
+                <a16:creationId xmlns:a16="http://schemas.microsoft.com/office/drawing/2014/main" id="{374EC971-9431-4107-814D-8A61C6B7B63B}"/>
+              </a:ext>
+            </a:extLst>
+          </p:cNvPr>
+          <p:cNvSpPr>
+            <a:spLocks noGrp="1"/>
+          </p:cNvSpPr>
+          <p:nvPr>
+            <p:ph type="hdr" sz="quarter"/>
+          </p:nvPr>
+        </p:nvSpPr>
+        <p:spPr>
+          <a:xfrm>
+            <a:off x="0" y="0"/>
+            <a:ext cx="2971800" cy="458788"/>
+          </a:xfrm>
+          <a:prstGeom prst="rect">
+            <a:avLst/>
+          </a:prstGeom>
+        </p:spPr>
+        <p:txBody>
+          <a:bodyPr vert="horz" lIns="91440" tIns="45720" rIns="91440" bIns="45720" rtlCol="0"/>
+          <a:lstStyle>
+            <a:lvl1pPr algn="l">
+              <a:defRPr sz="1200"/>
+            </a:lvl1pPr>
+          </a:lstStyle>
+          <a:p>
+            <a:endParaRPr lang="en-GB"/>
+          </a:p>
+        </p:txBody>
+      </p:sp>
+      <p:sp>
+        <p:nvSpPr>
+          <p:cNvPr id="3" name="Date Placeholder 2">
+            <a:extLst>
+              <a:ext uri="{FF2B5EF4-FFF2-40B4-BE49-F238E27FC236}">
+                <a16:creationId xmlns:a16="http://schemas.microsoft.com/office/drawing/2014/main" id="{68427576-B47E-4E12-9FF3-22F93A8FB1EA}"/>
+              </a:ext>
+            </a:extLst>
+          </p:cNvPr>
+          <p:cNvSpPr>
+            <a:spLocks noGrp="1"/>
+          </p:cNvSpPr>
+          <p:nvPr>
+            <p:ph type="dt" sz="quarter" idx="1"/>
+          </p:nvPr>
+        </p:nvSpPr>
+        <p:spPr>
+          <a:xfrm>
+            <a:off x="3884613" y="0"/>
+            <a:ext cx="2971800" cy="458788"/>
+          </a:xfrm>
+          <a:prstGeom prst="rect">
+            <a:avLst/>
+          </a:prstGeom>
+        </p:spPr>
+        <p:txBody>
+          <a:bodyPr vert="horz" lIns="91440" tIns="45720" rIns="91440" bIns="45720" rtlCol="0"/>
+          <a:lstStyle>
+            <a:lvl1pPr algn="r">
+              <a:defRPr sz="1200"/>
+            </a:lvl1pPr>
+          </a:lstStyle>
+          <a:p>
+            <a:fld id="{7453DEC1-E557-4F79-B677-CB524376533A}" type="datetimeFigureOut">
+              <a:rPr lang="en-GB" smtClean="0"/>
+              <a:t>30/04/18</a:t>
+            </a:fld>
+            <a:endParaRPr lang="en-GB"/>
+          </a:p>
+        </p:txBody>
+      </p:sp>
+      <p:sp>
+        <p:nvSpPr>
+          <p:cNvPr id="4" name="Footer Placeholder 3">
+            <a:extLst>
+              <a:ext uri="{FF2B5EF4-FFF2-40B4-BE49-F238E27FC236}">
+                <a16:creationId xmlns:a16="http://schemas.microsoft.com/office/drawing/2014/main" id="{6DA70053-215F-43CC-8A07-973A9D241DAE}"/>
+              </a:ext>
+            </a:extLst>
+          </p:cNvPr>
+          <p:cNvSpPr>
+            <a:spLocks noGrp="1"/>
+          </p:cNvSpPr>
+          <p:nvPr>
+            <p:ph type="ftr" sz="quarter" idx="2"/>
+          </p:nvPr>
+        </p:nvSpPr>
+        <p:spPr>
+          <a:xfrm>
+            <a:off x="0" y="8685213"/>
+            <a:ext cx="2971800" cy="458787"/>
+          </a:xfrm>
+          <a:prstGeom prst="rect">
+            <a:avLst/>
+          </a:prstGeom>
+        </p:spPr>
+        <p:txBody>
+          <a:bodyPr vert="horz" lIns="91440" tIns="45720" rIns="91440" bIns="45720" rtlCol="0" anchor="b"/>
+          <a:lstStyle>
+            <a:lvl1pPr algn="l">
+              <a:defRPr sz="1200"/>
+            </a:lvl1pPr>
+          </a:lstStyle>
+          <a:p>
+            <a:endParaRPr lang="en-GB"/>
+          </a:p>
+        </p:txBody>
+      </p:sp>
+      <p:sp>
+        <p:nvSpPr>
+          <p:cNvPr id="5" name="Slide Number Placeholder 4">
+            <a:extLst>
+              <a:ext uri="{FF2B5EF4-FFF2-40B4-BE49-F238E27FC236}">
+                <a16:creationId xmlns:a16="http://schemas.microsoft.com/office/drawing/2014/main" id="{A12400C8-789E-4947-8FE4-50CDB068415E}"/>
+              </a:ext>
+            </a:extLst>
+          </p:cNvPr>
+          <p:cNvSpPr>
+            <a:spLocks noGrp="1"/>
+          </p:cNvSpPr>
+          <p:nvPr>
+            <p:ph type="sldNum" sz="quarter" idx="3"/>
+          </p:nvPr>
+        </p:nvSpPr>
+        <p:spPr>
+          <a:xfrm>
+            <a:off x="3884613" y="8685213"/>
+            <a:ext cx="2971800" cy="458787"/>
+          </a:xfrm>
+          <a:prstGeom prst="rect">
+            <a:avLst/>
+          </a:prstGeom>
+        </p:spPr>
+        <p:txBody>
+          <a:bodyPr vert="horz" lIns="91440" tIns="45720" rIns="91440" bIns="45720" rtlCol="0" anchor="b"/>
+          <a:lstStyle>
+            <a:lvl1pPr algn="r">
+              <a:defRPr sz="1200"/>
+            </a:lvl1pPr>
+          </a:lstStyle>
+          <a:p>
+            <a:fld id="{5EBD7F18-708F-40BB-BDA7-704FD6A5244C}" type="slidenum">
+              <a:rPr lang="en-GB" smtClean="0"/>
+              <a:t>‹#›</a:t>
+            </a:fld>
+            <a:endParaRPr lang="en-GB"/>
+          </a:p>
+        </p:txBody>
+      </p:sp>
+    </p:spTree>
+    <p:extLst>
+      <p:ext uri="{BB962C8B-B14F-4D97-AF65-F5344CB8AC3E}">
+        <p14:creationId xmlns:p14="http://schemas.microsoft.com/office/powerpoint/2010/main" val="3496023941"/>
+      </p:ext>
+    </p:extLst>
+  </p:cSld>
+  <p:clrMap bg1="lt1" tx1="dk1" bg2="lt2" tx2="dk2" accent1="accent1" accent2="accent2" accent3="accent3" accent4="accent4" accent5="accent5" accent6="accent6" hlink="hlink" folHlink="folHlink"/>
+</p:handoutMaster>
+</file>
+
 <file path=ppt/slideLayouts/slideLayout1.xml><?xml version="1.0" encoding="utf-8"?>
-<p:sldLayout xmlns:a="http://schemas.openxmlformats.org/drawingml/2006/main" xmlns:r="http://schemas.openxmlformats.org/officeDocument/2006/relationships" xmlns:p="http://schemas.openxmlformats.org/presentationml/2006/main" type="title" preserve="1">
+<p:sldLayout xmlns:a="http://schemas.openxmlformats.org/drawingml/2006/main" xmlns:r="http://schemas.openxmlformats.org/officeDocument/2006/relationships" xmlns:p="http://schemas.openxmlformats.org/presentationml/2006/main" showMasterSp="0" type="title" preserve="1">
   <p:cSld name="Title Slide">
     <p:spTree>
       <p:nvGrpSpPr>
@@ -134,23 +335,541 @@
           <a:chExt cx="0" cy="0"/>
         </a:xfrm>
       </p:grpSpPr>
-      <p:sp>
-        <p:nvSpPr>
-          <p:cNvPr id="7" name="Rectangle 6"/>
-          <p:cNvSpPr/>
+      <p:pic>
+        <p:nvPicPr>
+          <p:cNvPr id="7" name="Picture 6" descr="Brickwork-HD-R1a.jpg"/>
+          <p:cNvPicPr>
+            <a:picLocks noChangeAspect="1"/>
+          </p:cNvPicPr>
           <p:nvPr/>
-        </p:nvSpPr>
+        </p:nvPicPr>
+        <p:blipFill>
+          <a:blip r:embed="rId2">
+            <a:extLst>
+              <a:ext uri="{28A0092B-C50C-407E-A947-70E740481C1C}">
+                <a14:useLocalDpi xmlns:a14="http://schemas.microsoft.com/office/drawing/2010/main" val="0"/>
+              </a:ext>
+            </a:extLst>
+          </a:blip>
+          <a:stretch>
+            <a:fillRect/>
+          </a:stretch>
+        </p:blipFill>
         <p:spPr>
           <a:xfrm>
-            <a:off x="1007533" y="0"/>
-            <a:ext cx="7934348" cy="6858000"/>
+            <a:off x="0" y="0"/>
+            <a:ext cx="12192000" cy="6858000"/>
           </a:xfrm>
           <a:prstGeom prst="rect">
             <a:avLst/>
           </a:prstGeom>
+        </p:spPr>
+      </p:pic>
+      <p:sp useBgFill="1">
+        <p:nvSpPr>
+          <p:cNvPr id="12" name="Freeform 11"/>
+          <p:cNvSpPr/>
+          <p:nvPr/>
+        </p:nvSpPr>
+        <p:spPr>
+          <a:xfrm>
+            <a:off x="-15875" y="0"/>
+            <a:ext cx="11683810" cy="6588125"/>
+          </a:xfrm>
+          <a:custGeom>
+            <a:avLst/>
+            <a:gdLst/>
+            <a:ahLst/>
+            <a:cxnLst/>
+            <a:rect l="l" t="t" r="r" b="b"/>
+            <a:pathLst>
+              <a:path w="11683810" h="6588125">
+                <a:moveTo>
+                  <a:pt x="0" y="0"/>
+                </a:moveTo>
+                <a:lnTo>
+                  <a:pt x="11318691" y="0"/>
+                </a:lnTo>
+                <a:lnTo>
+                  <a:pt x="11683810" y="5976938"/>
+                </a:lnTo>
+                <a:lnTo>
+                  <a:pt x="15875" y="6588125"/>
+                </a:lnTo>
+                <a:cubicBezTo>
+                  <a:pt x="10583" y="4386792"/>
+                  <a:pt x="5292" y="2185458"/>
+                  <a:pt x="0" y="0"/>
+                </a:cubicBezTo>
+                <a:close/>
+              </a:path>
+            </a:pathLst>
+          </a:custGeom>
+          <a:ln>
+            <a:noFill/>
+          </a:ln>
+          <a:effectLst>
+            <a:outerShdw blurRad="101600" dist="152400" dir="4380000" algn="tl" rotWithShape="0">
+              <a:srgbClr val="000000">
+                <a:alpha val="43000"/>
+              </a:srgbClr>
+            </a:outerShdw>
+          </a:effectLst>
+        </p:spPr>
+        <p:style>
+          <a:lnRef idx="1">
+            <a:schemeClr val="accent1"/>
+          </a:lnRef>
+          <a:fillRef idx="3">
+            <a:schemeClr val="accent1"/>
+          </a:fillRef>
+          <a:effectRef idx="2">
+            <a:schemeClr val="accent1"/>
+          </a:effectRef>
+          <a:fontRef idx="minor">
+            <a:schemeClr val="lt1"/>
+          </a:fontRef>
+        </p:style>
+      </p:sp>
+      <p:sp>
+        <p:nvSpPr>
+          <p:cNvPr id="14" name="Freeform 13"/>
+          <p:cNvSpPr/>
+          <p:nvPr/>
+        </p:nvSpPr>
+        <p:spPr>
+          <a:xfrm>
+            <a:off x="0" y="4282257"/>
+            <a:ext cx="11329257" cy="2028845"/>
+          </a:xfrm>
+          <a:custGeom>
+            <a:avLst/>
+            <a:gdLst/>
+            <a:ahLst/>
+            <a:cxnLst/>
+            <a:rect l="l" t="t" r="r" b="b"/>
+            <a:pathLst>
+              <a:path w="11329257" h="2028845">
+                <a:moveTo>
+                  <a:pt x="0" y="588520"/>
+                </a:moveTo>
+                <a:lnTo>
+                  <a:pt x="11244075" y="0"/>
+                </a:lnTo>
+                <a:lnTo>
+                  <a:pt x="11329257" y="1424838"/>
+                </a:lnTo>
+                <a:lnTo>
+                  <a:pt x="0" y="2028845"/>
+                </a:lnTo>
+                <a:lnTo>
+                  <a:pt x="0" y="588520"/>
+                </a:lnTo>
+                <a:close/>
+              </a:path>
+            </a:pathLst>
+          </a:custGeom>
+          <a:gradFill flip="none" rotWithShape="1">
+            <a:gsLst>
+              <a:gs pos="34000">
+                <a:schemeClr val="accent1"/>
+              </a:gs>
+              <a:gs pos="100000">
+                <a:schemeClr val="accent1">
+                  <a:lumMod val="50000"/>
+                </a:schemeClr>
+              </a:gs>
+            </a:gsLst>
+            <a:path path="circle">
+              <a:fillToRect l="50000" t="50000" r="50000" b="50000"/>
+            </a:path>
+            <a:tileRect/>
+          </a:gradFill>
+          <a:ln>
+            <a:noFill/>
+          </a:ln>
+        </p:spPr>
+        <p:style>
+          <a:lnRef idx="1">
+            <a:schemeClr val="accent1"/>
+          </a:lnRef>
+          <a:fillRef idx="3">
+            <a:schemeClr val="accent1"/>
+          </a:fillRef>
+          <a:effectRef idx="2">
+            <a:schemeClr val="accent1"/>
+          </a:effectRef>
+          <a:fontRef idx="minor">
+            <a:schemeClr val="lt1"/>
+          </a:fontRef>
+        </p:style>
+      </p:sp>
+      <p:sp>
+        <p:nvSpPr>
+          <p:cNvPr id="26" name="Freeform 25"/>
+          <p:cNvSpPr/>
+          <p:nvPr/>
+        </p:nvSpPr>
+        <p:spPr>
+          <a:xfrm>
+            <a:off x="0" y="0"/>
+            <a:ext cx="8719579" cy="456877"/>
+          </a:xfrm>
+          <a:custGeom>
+            <a:avLst/>
+            <a:gdLst/>
+            <a:ahLst/>
+            <a:cxnLst/>
+            <a:rect l="l" t="t" r="r" b="b"/>
+            <a:pathLst>
+              <a:path w="8719579" h="456877">
+                <a:moveTo>
+                  <a:pt x="0" y="0"/>
+                </a:moveTo>
+                <a:lnTo>
+                  <a:pt x="8719579" y="0"/>
+                </a:lnTo>
+                <a:lnTo>
+                  <a:pt x="0" y="456877"/>
+                </a:lnTo>
+                <a:lnTo>
+                  <a:pt x="0" y="0"/>
+                </a:lnTo>
+                <a:close/>
+              </a:path>
+            </a:pathLst>
+          </a:custGeom>
+          <a:gradFill flip="none" rotWithShape="1">
+            <a:gsLst>
+              <a:gs pos="34000">
+                <a:schemeClr val="accent1"/>
+              </a:gs>
+              <a:gs pos="100000">
+                <a:schemeClr val="accent1">
+                  <a:lumMod val="50000"/>
+                </a:schemeClr>
+              </a:gs>
+            </a:gsLst>
+            <a:path path="circle">
+              <a:fillToRect l="50000" t="50000" r="50000" b="50000"/>
+            </a:path>
+            <a:tileRect/>
+          </a:gradFill>
+          <a:ln>
+            <a:noFill/>
+          </a:ln>
+        </p:spPr>
+        <p:style>
+          <a:lnRef idx="1">
+            <a:schemeClr val="accent1"/>
+          </a:lnRef>
+          <a:fillRef idx="3">
+            <a:schemeClr val="accent1"/>
+          </a:fillRef>
+          <a:effectRef idx="2">
+            <a:schemeClr val="accent1"/>
+          </a:effectRef>
+          <a:fontRef idx="minor">
+            <a:schemeClr val="lt1"/>
+          </a:fontRef>
+        </p:style>
+      </p:sp>
+      <p:sp>
+        <p:nvSpPr>
+          <p:cNvPr id="15" name="Freeform 14"/>
+          <p:cNvSpPr/>
+          <p:nvPr/>
+        </p:nvSpPr>
+        <p:spPr>
+          <a:xfrm rot="21420000">
+            <a:off x="-161800" y="293317"/>
+            <a:ext cx="11367116" cy="5751804"/>
+          </a:xfrm>
+          <a:custGeom>
+            <a:avLst/>
+            <a:gdLst/>
+            <a:ahLst/>
+            <a:cxnLst/>
+            <a:rect l="l" t="t" r="r" b="b"/>
+            <a:pathLst>
+              <a:path w="11367116" h="5751804">
+                <a:moveTo>
+                  <a:pt x="11346705" y="0"/>
+                </a:moveTo>
+                <a:cubicBezTo>
+                  <a:pt x="11353509" y="1915114"/>
+                  <a:pt x="11360312" y="3830229"/>
+                  <a:pt x="11367116" y="5745343"/>
+                </a:cubicBezTo>
+                <a:lnTo>
+                  <a:pt x="0" y="5751804"/>
+                </a:lnTo>
+              </a:path>
+            </a:pathLst>
+          </a:custGeom>
+          <a:ln w="82550">
+            <a:solidFill>
+              <a:schemeClr val="tx1">
+                <a:lumMod val="50000"/>
+                <a:lumOff val="50000"/>
+              </a:schemeClr>
+            </a:solidFill>
+            <a:miter lim="800000"/>
+          </a:ln>
+        </p:spPr>
+        <p:style>
+          <a:lnRef idx="2">
+            <a:schemeClr val="accent1"/>
+          </a:lnRef>
+          <a:fillRef idx="0">
+            <a:schemeClr val="accent1"/>
+          </a:fillRef>
+          <a:effectRef idx="1">
+            <a:schemeClr val="accent1"/>
+          </a:effectRef>
+          <a:fontRef idx="minor">
+            <a:schemeClr val="tx1"/>
+          </a:fontRef>
+        </p:style>
+      </p:sp>
+      <p:sp>
+        <p:nvSpPr>
+          <p:cNvPr id="2" name="Title 1"/>
+          <p:cNvSpPr>
+            <a:spLocks noGrp="1"/>
+          </p:cNvSpPr>
+          <p:nvPr>
+            <p:ph type="ctrTitle"/>
+          </p:nvPr>
+        </p:nvSpPr>
+        <p:spPr>
+          <a:xfrm rot="21420000">
+            <a:off x="891201" y="662656"/>
+            <a:ext cx="9755187" cy="2766528"/>
+          </a:xfrm>
+        </p:spPr>
+        <p:txBody>
+          <a:bodyPr anchor="b">
+            <a:normAutofit/>
+          </a:bodyPr>
+          <a:lstStyle>
+            <a:lvl1pPr algn="r">
+              <a:defRPr sz="8000"/>
+            </a:lvl1pPr>
+          </a:lstStyle>
+          <a:p>
+            <a:r>
+              <a:rPr lang="en-US"/>
+              <a:t>Click to edit Master title style</a:t>
+            </a:r>
+            <a:endParaRPr lang="en-US" dirty="0"/>
+          </a:p>
+        </p:txBody>
+      </p:sp>
+      <p:sp>
+        <p:nvSpPr>
+          <p:cNvPr id="3" name="Subtitle 2"/>
+          <p:cNvSpPr>
+            <a:spLocks noGrp="1"/>
+          </p:cNvSpPr>
+          <p:nvPr>
+            <p:ph type="subTitle" idx="1"/>
+          </p:nvPr>
+        </p:nvSpPr>
+        <p:spPr>
+          <a:xfrm rot="21420000">
+            <a:off x="983062" y="3505209"/>
+            <a:ext cx="9755187" cy="550333"/>
+          </a:xfrm>
+        </p:spPr>
+        <p:txBody>
+          <a:bodyPr anchor="t">
+            <a:noAutofit/>
+          </a:bodyPr>
+          <a:lstStyle>
+            <a:lvl1pPr marL="0" indent="0" algn="r">
+              <a:buNone/>
+              <a:defRPr sz="2800">
+                <a:solidFill>
+                  <a:schemeClr val="bg1">
+                    <a:lumMod val="50000"/>
+                  </a:schemeClr>
+                </a:solidFill>
+              </a:defRPr>
+            </a:lvl1pPr>
+            <a:lvl2pPr marL="457200" indent="0" algn="ctr">
+              <a:buNone/>
+              <a:defRPr sz="2000"/>
+            </a:lvl2pPr>
+            <a:lvl3pPr marL="914400" indent="0" algn="ctr">
+              <a:buNone/>
+              <a:defRPr sz="1800"/>
+            </a:lvl3pPr>
+            <a:lvl4pPr marL="1371600" indent="0" algn="ctr">
+              <a:buNone/>
+              <a:defRPr sz="1600"/>
+            </a:lvl4pPr>
+            <a:lvl5pPr marL="1828800" indent="0" algn="ctr">
+              <a:buNone/>
+              <a:defRPr sz="1600"/>
+            </a:lvl5pPr>
+            <a:lvl6pPr marL="2286000" indent="0" algn="ctr">
+              <a:buNone/>
+              <a:defRPr sz="1600"/>
+            </a:lvl6pPr>
+            <a:lvl7pPr marL="2743200" indent="0" algn="ctr">
+              <a:buNone/>
+              <a:defRPr sz="1600"/>
+            </a:lvl7pPr>
+            <a:lvl8pPr marL="3200400" indent="0" algn="ctr">
+              <a:buNone/>
+              <a:defRPr sz="1600"/>
+            </a:lvl8pPr>
+            <a:lvl9pPr marL="3657600" indent="0" algn="ctr">
+              <a:buNone/>
+              <a:defRPr sz="1600"/>
+            </a:lvl9pPr>
+          </a:lstStyle>
+          <a:p>
+            <a:r>
+              <a:rPr lang="en-US"/>
+              <a:t>Click to edit Master subtitle style</a:t>
+            </a:r>
+            <a:endParaRPr lang="en-US" dirty="0"/>
+          </a:p>
+        </p:txBody>
+      </p:sp>
+      <p:sp>
+        <p:nvSpPr>
+          <p:cNvPr id="4" name="Date Placeholder 3"/>
+          <p:cNvSpPr>
+            <a:spLocks noGrp="1"/>
+          </p:cNvSpPr>
+          <p:nvPr>
+            <p:ph type="dt" sz="half" idx="10"/>
+          </p:nvPr>
+        </p:nvSpPr>
+        <p:spPr>
+          <a:xfrm rot="21420000">
+            <a:off x="4948541" y="4578463"/>
+            <a:ext cx="6143653" cy="1163112"/>
+          </a:xfrm>
+        </p:spPr>
+        <p:txBody>
+          <a:bodyPr/>
+          <a:lstStyle>
+            <a:lvl1pPr algn="ctr">
+              <a:defRPr sz="5400">
+                <a:solidFill>
+                  <a:schemeClr val="accent1">
+                    <a:lumMod val="50000"/>
+                  </a:schemeClr>
+                </a:solidFill>
+              </a:defRPr>
+            </a:lvl1pPr>
+          </a:lstStyle>
+          <a:p>
+            <a:fld id="{9AB3A824-1A51-4B26-AD58-A6D8E14F6C04}" type="datetimeFigureOut">
+              <a:rPr lang="en-US" smtClean="0"/>
+              <a:t>4/30/2018</a:t>
+            </a:fld>
+            <a:endParaRPr lang="en-US" dirty="0"/>
+          </a:p>
+        </p:txBody>
+      </p:sp>
+      <p:sp>
+        <p:nvSpPr>
+          <p:cNvPr id="5" name="Footer Placeholder 4"/>
+          <p:cNvSpPr>
+            <a:spLocks noGrp="1"/>
+          </p:cNvSpPr>
+          <p:nvPr>
+            <p:ph type="ftr" sz="quarter" idx="11"/>
+          </p:nvPr>
+        </p:nvSpPr>
+        <p:spPr>
+          <a:xfrm rot="21420000">
+            <a:off x="-5560" y="4883024"/>
+            <a:ext cx="4047239" cy="1195538"/>
+          </a:xfrm>
+        </p:spPr>
+        <p:txBody>
+          <a:bodyPr vert="horz" lIns="91440" tIns="45720" rIns="91440" bIns="45720" rtlCol="0" anchor="ctr"/>
+          <a:lstStyle>
+            <a:lvl1pPr algn="r">
+              <a:defRPr lang="en-US" sz="5400" dirty="0"/>
+            </a:lvl1pPr>
+          </a:lstStyle>
+          <a:p>
+            <a:r>
+              <a:rPr lang="en-US"/>
+              <a:t>
+              </a:t>
+            </a:r>
+            <a:endParaRPr lang="en-US" dirty="0"/>
+          </a:p>
+        </p:txBody>
+      </p:sp>
+      <p:sp>
+        <p:nvSpPr>
+          <p:cNvPr id="6" name="Slide Number Placeholder 5"/>
+          <p:cNvSpPr>
+            <a:spLocks noGrp="1"/>
+          </p:cNvSpPr>
+          <p:nvPr>
+            <p:ph type="sldNum" sz="quarter" idx="12"/>
+          </p:nvPr>
+        </p:nvSpPr>
+        <p:spPr>
+          <a:xfrm rot="21420000">
+            <a:off x="9851758" y="3832648"/>
+            <a:ext cx="907186" cy="498470"/>
+          </a:xfrm>
+        </p:spPr>
+        <p:txBody>
+          <a:bodyPr/>
+          <a:lstStyle>
+            <a:lvl1pPr>
+              <a:defRPr sz="2400">
+                <a:solidFill>
+                  <a:schemeClr val="tx1">
+                    <a:lumMod val="75000"/>
+                    <a:lumOff val="25000"/>
+                  </a:schemeClr>
+                </a:solidFill>
+              </a:defRPr>
+            </a:lvl1pPr>
+          </a:lstStyle>
+          <a:p>
+            <a:fld id="{6D22F896-40B5-4ADD-8801-0D06FADFA095}" type="slidenum">
+              <a:rPr lang="en-US" smtClean="0"/>
+              <a:t>‹#›</a:t>
+            </a:fld>
+            <a:endParaRPr lang="en-US" dirty="0"/>
+          </a:p>
+        </p:txBody>
+      </p:sp>
+      <p:sp>
+        <p:nvSpPr>
+          <p:cNvPr id="25" name="5-Point Star 24"/>
+          <p:cNvSpPr/>
+          <p:nvPr/>
+        </p:nvSpPr>
+        <p:spPr>
+          <a:xfrm rot="21420000">
+            <a:off x="4221385" y="5111356"/>
+            <a:ext cx="515386" cy="515386"/>
+          </a:xfrm>
+          <a:prstGeom prst="star5">
+            <a:avLst>
+              <a:gd name="adj" fmla="val 26693"/>
+              <a:gd name="hf" fmla="val 105146"/>
+              <a:gd name="vf" fmla="val 110557"/>
+            </a:avLst>
+          </a:prstGeom>
           <a:solidFill>
-            <a:schemeClr val="bg2">
-              <a:alpha val="92000"/>
+            <a:schemeClr val="tx1">
+              <a:alpha val="40000"/>
             </a:schemeClr>
           </a:solidFill>
           <a:ln>
@@ -158,15 +877,13 @@
           </a:ln>
         </p:spPr>
         <p:style>
-          <a:lnRef idx="2">
-            <a:schemeClr val="accent1">
-              <a:shade val="50000"/>
-            </a:schemeClr>
+          <a:lnRef idx="1">
+            <a:schemeClr val="accent1"/>
           </a:lnRef>
-          <a:fillRef idx="1">
+          <a:fillRef idx="3">
             <a:schemeClr val="accent1"/>
           </a:fillRef>
-          <a:effectRef idx="0">
+          <a:effectRef idx="2">
             <a:schemeClr val="accent1"/>
           </a:effectRef>
           <a:fontRef idx="minor">
@@ -174,260 +891,12 @@
           </a:fontRef>
         </p:style>
       </p:sp>
-      <p:sp>
-        <p:nvSpPr>
-          <p:cNvPr id="8" name="Rectangle 7"/>
-          <p:cNvSpPr/>
-          <p:nvPr/>
-        </p:nvSpPr>
-        <p:spPr>
-          <a:xfrm>
-            <a:off x="8941881" y="0"/>
-            <a:ext cx="27432" cy="6858000"/>
-          </a:xfrm>
-          <a:prstGeom prst="rect">
-            <a:avLst/>
-          </a:prstGeom>
-          <a:solidFill>
-            <a:schemeClr val="accent6"/>
-          </a:solidFill>
-          <a:ln>
-            <a:noFill/>
-          </a:ln>
-        </p:spPr>
-        <p:style>
-          <a:lnRef idx="2">
-            <a:schemeClr val="accent1">
-              <a:shade val="50000"/>
-            </a:schemeClr>
-          </a:lnRef>
-          <a:fillRef idx="1">
-            <a:schemeClr val="accent1"/>
-          </a:fillRef>
-          <a:effectRef idx="0">
-            <a:schemeClr val="accent1"/>
-          </a:effectRef>
-          <a:fontRef idx="minor">
-            <a:schemeClr val="lt1"/>
-          </a:fontRef>
-        </p:style>
-      </p:sp>
-      <p:sp>
-        <p:nvSpPr>
-          <p:cNvPr id="2" name="Title 1"/>
-          <p:cNvSpPr>
-            <a:spLocks noGrp="1"/>
-          </p:cNvSpPr>
-          <p:nvPr>
-            <p:ph type="ctrTitle"/>
-          </p:nvPr>
-        </p:nvSpPr>
-        <p:spPr>
-          <a:xfrm>
-            <a:off x="2611808" y="3428998"/>
-            <a:ext cx="5518066" cy="2268559"/>
-          </a:xfrm>
-        </p:spPr>
-        <p:txBody>
-          <a:bodyPr anchor="t">
-            <a:normAutofit/>
-          </a:bodyPr>
-          <a:lstStyle>
-            <a:lvl1pPr algn="r">
-              <a:defRPr sz="6000"/>
-            </a:lvl1pPr>
-          </a:lstStyle>
-          <a:p>
-            <a:r>
-              <a:rPr lang="en-US"/>
-              <a:t>Click to edit Master title style</a:t>
-            </a:r>
-            <a:endParaRPr lang="en-US" dirty="0"/>
-          </a:p>
-        </p:txBody>
-      </p:sp>
-      <p:sp>
-        <p:nvSpPr>
-          <p:cNvPr id="3" name="Subtitle 2"/>
-          <p:cNvSpPr>
-            <a:spLocks noGrp="1"/>
-          </p:cNvSpPr>
-          <p:nvPr>
-            <p:ph type="subTitle" idx="1"/>
-          </p:nvPr>
-        </p:nvSpPr>
-        <p:spPr>
-          <a:xfrm>
-            <a:off x="2772274" y="2268786"/>
-            <a:ext cx="5357600" cy="1160213"/>
-          </a:xfrm>
-        </p:spPr>
-        <p:txBody>
-          <a:bodyPr tIns="0" anchor="b">
-            <a:normAutofit/>
-          </a:bodyPr>
-          <a:lstStyle>
-            <a:lvl1pPr marL="0" indent="0" algn="r">
-              <a:buNone/>
-              <a:defRPr sz="1800" b="0">
-                <a:solidFill>
-                  <a:schemeClr val="tx1"/>
-                </a:solidFill>
-              </a:defRPr>
-            </a:lvl1pPr>
-            <a:lvl2pPr marL="457200" indent="0" algn="ctr">
-              <a:buNone/>
-              <a:defRPr sz="1800"/>
-            </a:lvl2pPr>
-            <a:lvl3pPr marL="914400" indent="0" algn="ctr">
-              <a:buNone/>
-              <a:defRPr sz="1800"/>
-            </a:lvl3pPr>
-            <a:lvl4pPr marL="1371600" indent="0" algn="ctr">
-              <a:buNone/>
-              <a:defRPr sz="1600"/>
-            </a:lvl4pPr>
-            <a:lvl5pPr marL="1828800" indent="0" algn="ctr">
-              <a:buNone/>
-              <a:defRPr sz="1600"/>
-            </a:lvl5pPr>
-            <a:lvl6pPr marL="2286000" indent="0" algn="ctr">
-              <a:buNone/>
-              <a:defRPr sz="1600"/>
-            </a:lvl6pPr>
-            <a:lvl7pPr marL="2743200" indent="0" algn="ctr">
-              <a:buNone/>
-              <a:defRPr sz="1600"/>
-            </a:lvl7pPr>
-            <a:lvl8pPr marL="3200400" indent="0" algn="ctr">
-              <a:buNone/>
-              <a:defRPr sz="1600"/>
-            </a:lvl8pPr>
-            <a:lvl9pPr marL="3657600" indent="0" algn="ctr">
-              <a:buNone/>
-              <a:defRPr sz="1600"/>
-            </a:lvl9pPr>
-          </a:lstStyle>
-          <a:p>
-            <a:r>
-              <a:rPr lang="en-US"/>
-              <a:t>Click to edit Master subtitle style</a:t>
-            </a:r>
-            <a:endParaRPr lang="en-US" dirty="0"/>
-          </a:p>
-        </p:txBody>
-      </p:sp>
-      <p:sp>
-        <p:nvSpPr>
-          <p:cNvPr id="4" name="Date Placeholder 3"/>
-          <p:cNvSpPr>
-            <a:spLocks noGrp="1"/>
-          </p:cNvSpPr>
-          <p:nvPr>
-            <p:ph type="dt" sz="half" idx="10"/>
-          </p:nvPr>
-        </p:nvSpPr>
-        <p:spPr/>
-        <p:txBody>
-          <a:bodyPr/>
-          <a:lstStyle/>
-          <a:p>
-            <a:fld id="{9AB3A824-1A51-4B26-AD58-A6D8E14F6C04}" type="datetimeFigureOut">
-              <a:rPr lang="en-US" dirty="0"/>
-              <a:t>3/28/2018</a:t>
-            </a:fld>
-            <a:endParaRPr lang="en-US" dirty="0"/>
-          </a:p>
-        </p:txBody>
-      </p:sp>
-      <p:sp>
-        <p:nvSpPr>
-          <p:cNvPr id="5" name="Footer Placeholder 4"/>
-          <p:cNvSpPr>
-            <a:spLocks noGrp="1"/>
-          </p:cNvSpPr>
-          <p:nvPr>
-            <p:ph type="ftr" sz="quarter" idx="11"/>
-          </p:nvPr>
-        </p:nvSpPr>
-        <p:spPr/>
-        <p:txBody>
-          <a:bodyPr/>
-          <a:lstStyle/>
-          <a:p>
-            <a:r>
-              <a:rPr lang="en-US" dirty="0"/>
-              <a:t>
-              </a:t>
-            </a:r>
-          </a:p>
-        </p:txBody>
-      </p:sp>
-      <p:sp>
-        <p:nvSpPr>
-          <p:cNvPr id="6" name="Slide Number Placeholder 5"/>
-          <p:cNvSpPr>
-            <a:spLocks noGrp="1"/>
-          </p:cNvSpPr>
-          <p:nvPr>
-            <p:ph type="sldNum" sz="quarter" idx="12"/>
-          </p:nvPr>
-        </p:nvSpPr>
-        <p:spPr/>
-        <p:txBody>
-          <a:bodyPr rIns="45720"/>
-          <a:lstStyle/>
-          <a:p>
-            <a:fld id="{6D22F896-40B5-4ADD-8801-0D06FADFA095}" type="slidenum">
-              <a:rPr lang="en-US" dirty="0"/>
-              <a:t>‹#›</a:t>
-            </a:fld>
-            <a:endParaRPr lang="en-US" dirty="0"/>
-          </a:p>
-        </p:txBody>
-      </p:sp>
-      <p:sp>
-        <p:nvSpPr>
-          <p:cNvPr id="13" name="TextBox 12"/>
-          <p:cNvSpPr txBox="1"/>
-          <p:nvPr/>
-        </p:nvSpPr>
-        <p:spPr>
-          <a:xfrm>
-            <a:off x="2191282" y="3262852"/>
-            <a:ext cx="415636" cy="461665"/>
-          </a:xfrm>
-          <a:prstGeom prst="rect">
-            <a:avLst/>
-          </a:prstGeom>
-          <a:noFill/>
-        </p:spPr>
-        <p:txBody>
-          <a:bodyPr wrap="square" rtlCol="0">
-            <a:spAutoFit/>
-          </a:bodyPr>
-          <a:lstStyle/>
-          <a:p>
-            <a:pPr algn="r"/>
-            <a:r>
-              <a:rPr lang="en-US" sz="2400" dirty="0">
-                <a:solidFill>
-                  <a:schemeClr val="accent6"/>
-                </a:solidFill>
-                <a:latin typeface="Wingdings 3" panose="05040102010807070707" pitchFamily="18" charset="2"/>
-              </a:rPr>
-              <a:t>z</a:t>
-            </a:r>
-            <a:endParaRPr lang="en-US" sz="2400" dirty="0">
-              <a:solidFill>
-                <a:schemeClr val="accent6"/>
-              </a:solidFill>
-              <a:latin typeface="MS Shell Dlg 2" panose="020B0604030504040204" pitchFamily="34" charset="0"/>
-            </a:endParaRPr>
-          </a:p>
-        </p:txBody>
-      </p:sp>
     </p:spTree>
+    <p:extLst>
+      <p:ext uri="{BB962C8B-B14F-4D97-AF65-F5344CB8AC3E}">
+        <p14:creationId xmlns:p14="http://schemas.microsoft.com/office/powerpoint/2010/main" val="1184105816"/>
+      </p:ext>
+    </p:extLst>
   </p:cSld>
   <p:clrMapOvr>
     <a:masterClrMapping/>
@@ -436,6 +905,2547 @@
 </file>
 
 <file path=ppt/slideLayouts/slideLayout10.xml><?xml version="1.0" encoding="utf-8"?>
+<p:sldLayout xmlns:a="http://schemas.openxmlformats.org/drawingml/2006/main" xmlns:r="http://schemas.openxmlformats.org/officeDocument/2006/relationships" xmlns:p="http://schemas.openxmlformats.org/presentationml/2006/main" preserve="1">
+  <p:cSld name="Panoramic Picture with Caption">
+    <p:spTree>
+      <p:nvGrpSpPr>
+        <p:cNvPr id="1" name=""/>
+        <p:cNvGrpSpPr/>
+        <p:nvPr/>
+      </p:nvGrpSpPr>
+      <p:grpSpPr>
+        <a:xfrm>
+          <a:off x="0" y="0"/>
+          <a:ext cx="0" cy="0"/>
+          <a:chOff x="0" y="0"/>
+          <a:chExt cx="0" cy="0"/>
+        </a:xfrm>
+      </p:grpSpPr>
+      <p:sp>
+        <p:nvSpPr>
+          <p:cNvPr id="2" name="Title 1"/>
+          <p:cNvSpPr>
+            <a:spLocks noGrp="1"/>
+          </p:cNvSpPr>
+          <p:nvPr>
+            <p:ph type="title"/>
+          </p:nvPr>
+        </p:nvSpPr>
+        <p:spPr>
+          <a:xfrm>
+            <a:off x="685800" y="4106333"/>
+            <a:ext cx="10394708" cy="588846"/>
+          </a:xfrm>
+        </p:spPr>
+        <p:txBody>
+          <a:bodyPr anchor="b"/>
+          <a:lstStyle>
+            <a:lvl1pPr>
+              <a:defRPr sz="3200"/>
+            </a:lvl1pPr>
+          </a:lstStyle>
+          <a:p>
+            <a:r>
+              <a:rPr lang="en-US"/>
+              <a:t>Click to edit Master title style</a:t>
+            </a:r>
+            <a:endParaRPr lang="en-US" dirty="0"/>
+          </a:p>
+        </p:txBody>
+      </p:sp>
+      <p:sp>
+        <p:nvSpPr>
+          <p:cNvPr id="3" name="Picture Placeholder 2"/>
+          <p:cNvSpPr>
+            <a:spLocks noGrp="1" noChangeAspect="1"/>
+          </p:cNvSpPr>
+          <p:nvPr>
+            <p:ph type="pic" idx="1"/>
+          </p:nvPr>
+        </p:nvSpPr>
+        <p:spPr>
+          <a:xfrm>
+            <a:off x="685801" y="685799"/>
+            <a:ext cx="10392513" cy="3194903"/>
+          </a:xfrm>
+          <a:ln w="57150" cmpd="thinThick">
+            <a:solidFill>
+              <a:schemeClr val="bg1">
+                <a:lumMod val="50000"/>
+              </a:schemeClr>
+            </a:solidFill>
+            <a:miter lim="800000"/>
+          </a:ln>
+        </p:spPr>
+        <p:txBody>
+          <a:bodyPr anchor="t"/>
+          <a:lstStyle>
+            <a:lvl1pPr marL="0" indent="0" algn="ctr">
+              <a:buNone/>
+              <a:defRPr sz="3200"/>
+            </a:lvl1pPr>
+            <a:lvl2pPr marL="457200" indent="0">
+              <a:buNone/>
+              <a:defRPr sz="2800"/>
+            </a:lvl2pPr>
+            <a:lvl3pPr marL="914400" indent="0">
+              <a:buNone/>
+              <a:defRPr sz="2400"/>
+            </a:lvl3pPr>
+            <a:lvl4pPr marL="1371600" indent="0">
+              <a:buNone/>
+              <a:defRPr sz="2000"/>
+            </a:lvl4pPr>
+            <a:lvl5pPr marL="1828800" indent="0">
+              <a:buNone/>
+              <a:defRPr sz="2000"/>
+            </a:lvl5pPr>
+            <a:lvl6pPr marL="2286000" indent="0">
+              <a:buNone/>
+              <a:defRPr sz="2000"/>
+            </a:lvl6pPr>
+            <a:lvl7pPr marL="2743200" indent="0">
+              <a:buNone/>
+              <a:defRPr sz="2000"/>
+            </a:lvl7pPr>
+            <a:lvl8pPr marL="3200400" indent="0">
+              <a:buNone/>
+              <a:defRPr sz="2000"/>
+            </a:lvl8pPr>
+            <a:lvl9pPr marL="3657600" indent="0">
+              <a:buNone/>
+              <a:defRPr sz="2000"/>
+            </a:lvl9pPr>
+          </a:lstStyle>
+          <a:p>
+            <a:r>
+              <a:rPr lang="en-US"/>
+              <a:t>Click icon to add picture</a:t>
+            </a:r>
+            <a:endParaRPr lang="en-US" dirty="0"/>
+          </a:p>
+        </p:txBody>
+      </p:sp>
+      <p:sp>
+        <p:nvSpPr>
+          <p:cNvPr id="4" name="Text Placeholder 3"/>
+          <p:cNvSpPr>
+            <a:spLocks noGrp="1"/>
+          </p:cNvSpPr>
+          <p:nvPr>
+            <p:ph type="body" sz="half" idx="2"/>
+          </p:nvPr>
+        </p:nvSpPr>
+        <p:spPr>
+          <a:xfrm>
+            <a:off x="685780" y="4702923"/>
+            <a:ext cx="10394728" cy="682472"/>
+          </a:xfrm>
+        </p:spPr>
+        <p:txBody>
+          <a:bodyPr anchor="t"/>
+          <a:lstStyle>
+            <a:lvl1pPr marL="0" indent="0" algn="l">
+              <a:buNone/>
+              <a:defRPr sz="1600"/>
+            </a:lvl1pPr>
+            <a:lvl2pPr marL="457200" indent="0">
+              <a:buNone/>
+              <a:defRPr sz="1400"/>
+            </a:lvl2pPr>
+            <a:lvl3pPr marL="914400" indent="0">
+              <a:buNone/>
+              <a:defRPr sz="1200"/>
+            </a:lvl3pPr>
+            <a:lvl4pPr marL="1371600" indent="0">
+              <a:buNone/>
+              <a:defRPr sz="1000"/>
+            </a:lvl4pPr>
+            <a:lvl5pPr marL="1828800" indent="0">
+              <a:buNone/>
+              <a:defRPr sz="1000"/>
+            </a:lvl5pPr>
+            <a:lvl6pPr marL="2286000" indent="0">
+              <a:buNone/>
+              <a:defRPr sz="1000"/>
+            </a:lvl6pPr>
+            <a:lvl7pPr marL="2743200" indent="0">
+              <a:buNone/>
+              <a:defRPr sz="1000"/>
+            </a:lvl7pPr>
+            <a:lvl8pPr marL="3200400" indent="0">
+              <a:buNone/>
+              <a:defRPr sz="1000"/>
+            </a:lvl8pPr>
+            <a:lvl9pPr marL="3657600" indent="0">
+              <a:buNone/>
+              <a:defRPr sz="1000"/>
+            </a:lvl9pPr>
+          </a:lstStyle>
+          <a:p>
+            <a:pPr lvl="0"/>
+            <a:r>
+              <a:rPr lang="en-US"/>
+              <a:t>Edit Master text styles</a:t>
+            </a:r>
+          </a:p>
+        </p:txBody>
+      </p:sp>
+      <p:sp>
+        <p:nvSpPr>
+          <p:cNvPr id="5" name="Date Placeholder 4"/>
+          <p:cNvSpPr>
+            <a:spLocks noGrp="1"/>
+          </p:cNvSpPr>
+          <p:nvPr>
+            <p:ph type="dt" sz="half" idx="10"/>
+          </p:nvPr>
+        </p:nvSpPr>
+        <p:spPr/>
+        <p:txBody>
+          <a:bodyPr/>
+          <a:lstStyle/>
+          <a:p>
+            <a:fld id="{3CBC1C18-307B-4F68-A007-B5B542270E8D}" type="datetimeFigureOut">
+              <a:rPr lang="en-US" smtClean="0"/>
+              <a:t>4/30/2018</a:t>
+            </a:fld>
+            <a:endParaRPr lang="en-US" dirty="0"/>
+          </a:p>
+        </p:txBody>
+      </p:sp>
+      <p:sp>
+        <p:nvSpPr>
+          <p:cNvPr id="6" name="Footer Placeholder 5"/>
+          <p:cNvSpPr>
+            <a:spLocks noGrp="1"/>
+          </p:cNvSpPr>
+          <p:nvPr>
+            <p:ph type="ftr" sz="quarter" idx="11"/>
+          </p:nvPr>
+        </p:nvSpPr>
+        <p:spPr/>
+        <p:txBody>
+          <a:bodyPr/>
+          <a:lstStyle/>
+          <a:p>
+            <a:r>
+              <a:rPr lang="en-US"/>
+              <a:t>
+              </a:t>
+            </a:r>
+            <a:endParaRPr lang="en-US" dirty="0"/>
+          </a:p>
+        </p:txBody>
+      </p:sp>
+      <p:sp>
+        <p:nvSpPr>
+          <p:cNvPr id="7" name="Slide Number Placeholder 6"/>
+          <p:cNvSpPr>
+            <a:spLocks noGrp="1"/>
+          </p:cNvSpPr>
+          <p:nvPr>
+            <p:ph type="sldNum" sz="quarter" idx="12"/>
+          </p:nvPr>
+        </p:nvSpPr>
+        <p:spPr/>
+        <p:txBody>
+          <a:bodyPr/>
+          <a:lstStyle/>
+          <a:p>
+            <a:fld id="{6D22F896-40B5-4ADD-8801-0D06FADFA095}" type="slidenum">
+              <a:rPr lang="en-US" smtClean="0"/>
+              <a:pPr/>
+              <a:t>‹#›</a:t>
+            </a:fld>
+            <a:endParaRPr lang="en-US" dirty="0"/>
+          </a:p>
+        </p:txBody>
+      </p:sp>
+    </p:spTree>
+    <p:extLst>
+      <p:ext uri="{BB962C8B-B14F-4D97-AF65-F5344CB8AC3E}">
+        <p14:creationId xmlns:p14="http://schemas.microsoft.com/office/powerpoint/2010/main" val="1923112587"/>
+      </p:ext>
+    </p:extLst>
+  </p:cSld>
+  <p:clrMapOvr>
+    <a:masterClrMapping/>
+  </p:clrMapOvr>
+  <p:hf sldNum="0" hdr="0" ftr="0" dt="0"/>
+</p:sldLayout>
+</file>
+
+<file path=ppt/slideLayouts/slideLayout11.xml><?xml version="1.0" encoding="utf-8"?>
+<p:sldLayout xmlns:a="http://schemas.openxmlformats.org/drawingml/2006/main" xmlns:r="http://schemas.openxmlformats.org/officeDocument/2006/relationships" xmlns:p="http://schemas.openxmlformats.org/presentationml/2006/main" preserve="1">
+  <p:cSld name="Title and Caption">
+    <p:spTree>
+      <p:nvGrpSpPr>
+        <p:cNvPr id="1" name=""/>
+        <p:cNvGrpSpPr/>
+        <p:nvPr/>
+      </p:nvGrpSpPr>
+      <p:grpSpPr>
+        <a:xfrm>
+          <a:off x="0" y="0"/>
+          <a:ext cx="0" cy="0"/>
+          <a:chOff x="0" y="0"/>
+          <a:chExt cx="0" cy="0"/>
+        </a:xfrm>
+      </p:grpSpPr>
+      <p:sp>
+        <p:nvSpPr>
+          <p:cNvPr id="2" name="Title 1"/>
+          <p:cNvSpPr>
+            <a:spLocks noGrp="1"/>
+          </p:cNvSpPr>
+          <p:nvPr>
+            <p:ph type="title"/>
+          </p:nvPr>
+        </p:nvSpPr>
+        <p:spPr>
+          <a:xfrm>
+            <a:off x="685801" y="685800"/>
+            <a:ext cx="10396902" cy="3194903"/>
+          </a:xfrm>
+        </p:spPr>
+        <p:txBody>
+          <a:bodyPr anchor="ctr">
+            <a:normAutofit/>
+          </a:bodyPr>
+          <a:lstStyle>
+            <a:lvl1pPr algn="ctr">
+              <a:defRPr sz="4800"/>
+            </a:lvl1pPr>
+          </a:lstStyle>
+          <a:p>
+            <a:r>
+              <a:rPr lang="en-US"/>
+              <a:t>Click to edit Master title style</a:t>
+            </a:r>
+            <a:endParaRPr lang="en-US" dirty="0"/>
+          </a:p>
+        </p:txBody>
+      </p:sp>
+      <p:sp>
+        <p:nvSpPr>
+          <p:cNvPr id="4" name="Text Placeholder 3"/>
+          <p:cNvSpPr>
+            <a:spLocks noGrp="1"/>
+          </p:cNvSpPr>
+          <p:nvPr>
+            <p:ph type="body" sz="half" idx="2"/>
+          </p:nvPr>
+        </p:nvSpPr>
+        <p:spPr>
+          <a:xfrm>
+            <a:off x="685779" y="4106333"/>
+            <a:ext cx="10394729" cy="1273606"/>
+          </a:xfrm>
+        </p:spPr>
+        <p:txBody>
+          <a:bodyPr anchor="ctr">
+            <a:normAutofit/>
+          </a:bodyPr>
+          <a:lstStyle>
+            <a:lvl1pPr marL="0" indent="0" algn="ctr">
+              <a:buNone/>
+              <a:defRPr sz="1800"/>
+            </a:lvl1pPr>
+            <a:lvl2pPr marL="457200" indent="0">
+              <a:buNone/>
+              <a:defRPr sz="1400"/>
+            </a:lvl2pPr>
+            <a:lvl3pPr marL="914400" indent="0">
+              <a:buNone/>
+              <a:defRPr sz="1200"/>
+            </a:lvl3pPr>
+            <a:lvl4pPr marL="1371600" indent="0">
+              <a:buNone/>
+              <a:defRPr sz="1000"/>
+            </a:lvl4pPr>
+            <a:lvl5pPr marL="1828800" indent="0">
+              <a:buNone/>
+              <a:defRPr sz="1000"/>
+            </a:lvl5pPr>
+            <a:lvl6pPr marL="2286000" indent="0">
+              <a:buNone/>
+              <a:defRPr sz="1000"/>
+            </a:lvl6pPr>
+            <a:lvl7pPr marL="2743200" indent="0">
+              <a:buNone/>
+              <a:defRPr sz="1000"/>
+            </a:lvl7pPr>
+            <a:lvl8pPr marL="3200400" indent="0">
+              <a:buNone/>
+              <a:defRPr sz="1000"/>
+            </a:lvl8pPr>
+            <a:lvl9pPr marL="3657600" indent="0">
+              <a:buNone/>
+              <a:defRPr sz="1000"/>
+            </a:lvl9pPr>
+          </a:lstStyle>
+          <a:p>
+            <a:pPr lvl="0"/>
+            <a:r>
+              <a:rPr lang="en-US"/>
+              <a:t>Edit Master text styles</a:t>
+            </a:r>
+          </a:p>
+        </p:txBody>
+      </p:sp>
+      <p:sp>
+        <p:nvSpPr>
+          <p:cNvPr id="5" name="Date Placeholder 4"/>
+          <p:cNvSpPr>
+            <a:spLocks noGrp="1"/>
+          </p:cNvSpPr>
+          <p:nvPr>
+            <p:ph type="dt" sz="half" idx="10"/>
+          </p:nvPr>
+        </p:nvSpPr>
+        <p:spPr/>
+        <p:txBody>
+          <a:bodyPr/>
+          <a:lstStyle/>
+          <a:p>
+            <a:fld id="{3CBC1C18-307B-4F68-A007-B5B542270E8D}" type="datetimeFigureOut">
+              <a:rPr lang="en-US" smtClean="0"/>
+              <a:t>4/30/2018</a:t>
+            </a:fld>
+            <a:endParaRPr lang="en-US" dirty="0"/>
+          </a:p>
+        </p:txBody>
+      </p:sp>
+      <p:sp>
+        <p:nvSpPr>
+          <p:cNvPr id="6" name="Footer Placeholder 5"/>
+          <p:cNvSpPr>
+            <a:spLocks noGrp="1"/>
+          </p:cNvSpPr>
+          <p:nvPr>
+            <p:ph type="ftr" sz="quarter" idx="11"/>
+          </p:nvPr>
+        </p:nvSpPr>
+        <p:spPr/>
+        <p:txBody>
+          <a:bodyPr/>
+          <a:lstStyle/>
+          <a:p>
+            <a:r>
+              <a:rPr lang="en-US"/>
+              <a:t>
+              </a:t>
+            </a:r>
+            <a:endParaRPr lang="en-US" dirty="0"/>
+          </a:p>
+        </p:txBody>
+      </p:sp>
+      <p:sp>
+        <p:nvSpPr>
+          <p:cNvPr id="7" name="Slide Number Placeholder 6"/>
+          <p:cNvSpPr>
+            <a:spLocks noGrp="1"/>
+          </p:cNvSpPr>
+          <p:nvPr>
+            <p:ph type="sldNum" sz="quarter" idx="12"/>
+          </p:nvPr>
+        </p:nvSpPr>
+        <p:spPr/>
+        <p:txBody>
+          <a:bodyPr/>
+          <a:lstStyle/>
+          <a:p>
+            <a:fld id="{6D22F896-40B5-4ADD-8801-0D06FADFA095}" type="slidenum">
+              <a:rPr lang="en-US" smtClean="0"/>
+              <a:pPr/>
+              <a:t>‹#›</a:t>
+            </a:fld>
+            <a:endParaRPr lang="en-US" dirty="0"/>
+          </a:p>
+        </p:txBody>
+      </p:sp>
+    </p:spTree>
+    <p:extLst>
+      <p:ext uri="{BB962C8B-B14F-4D97-AF65-F5344CB8AC3E}">
+        <p14:creationId xmlns:p14="http://schemas.microsoft.com/office/powerpoint/2010/main" val="2304015308"/>
+      </p:ext>
+    </p:extLst>
+  </p:cSld>
+  <p:clrMapOvr>
+    <a:masterClrMapping/>
+  </p:clrMapOvr>
+  <p:hf sldNum="0" hdr="0" ftr="0" dt="0"/>
+</p:sldLayout>
+</file>
+
+<file path=ppt/slideLayouts/slideLayout12.xml><?xml version="1.0" encoding="utf-8"?>
+<p:sldLayout xmlns:a="http://schemas.openxmlformats.org/drawingml/2006/main" xmlns:r="http://schemas.openxmlformats.org/officeDocument/2006/relationships" xmlns:p="http://schemas.openxmlformats.org/presentationml/2006/main" preserve="1">
+  <p:cSld name="Quote with Caption">
+    <p:spTree>
+      <p:nvGrpSpPr>
+        <p:cNvPr id="1" name=""/>
+        <p:cNvGrpSpPr/>
+        <p:nvPr/>
+      </p:nvGrpSpPr>
+      <p:grpSpPr>
+        <a:xfrm>
+          <a:off x="0" y="0"/>
+          <a:ext cx="0" cy="0"/>
+          <a:chOff x="0" y="0"/>
+          <a:chExt cx="0" cy="0"/>
+        </a:xfrm>
+      </p:grpSpPr>
+      <p:sp>
+        <p:nvSpPr>
+          <p:cNvPr id="2" name="Title 1"/>
+          <p:cNvSpPr>
+            <a:spLocks noGrp="1"/>
+          </p:cNvSpPr>
+          <p:nvPr>
+            <p:ph type="title"/>
+          </p:nvPr>
+        </p:nvSpPr>
+        <p:spPr>
+          <a:xfrm>
+            <a:off x="1121732" y="685800"/>
+            <a:ext cx="9525020" cy="2916704"/>
+          </a:xfrm>
+        </p:spPr>
+        <p:txBody>
+          <a:bodyPr anchor="ctr">
+            <a:normAutofit/>
+          </a:bodyPr>
+          <a:lstStyle>
+            <a:lvl1pPr algn="ctr">
+              <a:defRPr sz="4800"/>
+            </a:lvl1pPr>
+          </a:lstStyle>
+          <a:p>
+            <a:r>
+              <a:rPr lang="en-US"/>
+              <a:t>Click to edit Master title style</a:t>
+            </a:r>
+            <a:endParaRPr lang="en-US" dirty="0"/>
+          </a:p>
+        </p:txBody>
+      </p:sp>
+      <p:sp>
+        <p:nvSpPr>
+          <p:cNvPr id="12" name="Text Placeholder 3"/>
+          <p:cNvSpPr>
+            <a:spLocks noGrp="1"/>
+          </p:cNvSpPr>
+          <p:nvPr>
+            <p:ph type="body" sz="half" idx="13"/>
+          </p:nvPr>
+        </p:nvSpPr>
+        <p:spPr>
+          <a:xfrm>
+            <a:off x="1550264" y="3610032"/>
+            <a:ext cx="8667956" cy="377768"/>
+          </a:xfrm>
+        </p:spPr>
+        <p:txBody>
+          <a:bodyPr anchor="t">
+            <a:normAutofit/>
+          </a:bodyPr>
+          <a:lstStyle>
+            <a:lvl1pPr marL="0" indent="0" algn="r">
+              <a:buNone/>
+              <a:defRPr sz="1400">
+                <a:solidFill>
+                  <a:schemeClr val="tx1">
+                    <a:lumMod val="50000"/>
+                    <a:lumOff val="50000"/>
+                  </a:schemeClr>
+                </a:solidFill>
+              </a:defRPr>
+            </a:lvl1pPr>
+            <a:lvl2pPr marL="457200" indent="0">
+              <a:buNone/>
+              <a:defRPr sz="1400"/>
+            </a:lvl2pPr>
+            <a:lvl3pPr marL="914400" indent="0">
+              <a:buNone/>
+              <a:defRPr sz="1200"/>
+            </a:lvl3pPr>
+            <a:lvl4pPr marL="1371600" indent="0">
+              <a:buNone/>
+              <a:defRPr sz="1000"/>
+            </a:lvl4pPr>
+            <a:lvl5pPr marL="1828800" indent="0">
+              <a:buNone/>
+              <a:defRPr sz="1000"/>
+            </a:lvl5pPr>
+            <a:lvl6pPr marL="2286000" indent="0">
+              <a:buNone/>
+              <a:defRPr sz="1000"/>
+            </a:lvl6pPr>
+            <a:lvl7pPr marL="2743200" indent="0">
+              <a:buNone/>
+              <a:defRPr sz="1000"/>
+            </a:lvl7pPr>
+            <a:lvl8pPr marL="3200400" indent="0">
+              <a:buNone/>
+              <a:defRPr sz="1000"/>
+            </a:lvl8pPr>
+            <a:lvl9pPr marL="3657600" indent="0">
+              <a:buNone/>
+              <a:defRPr sz="1000"/>
+            </a:lvl9pPr>
+          </a:lstStyle>
+          <a:p>
+            <a:pPr lvl="0"/>
+            <a:r>
+              <a:rPr lang="en-US"/>
+              <a:t>Edit Master text styles</a:t>
+            </a:r>
+          </a:p>
+        </p:txBody>
+      </p:sp>
+      <p:sp>
+        <p:nvSpPr>
+          <p:cNvPr id="4" name="Text Placeholder 3"/>
+          <p:cNvSpPr>
+            <a:spLocks noGrp="1"/>
+          </p:cNvSpPr>
+          <p:nvPr>
+            <p:ph type="body" sz="half" idx="2"/>
+          </p:nvPr>
+        </p:nvSpPr>
+        <p:spPr>
+          <a:xfrm>
+            <a:off x="685801" y="4106334"/>
+            <a:ext cx="10396882" cy="1268252"/>
+          </a:xfrm>
+        </p:spPr>
+        <p:txBody>
+          <a:bodyPr anchor="ctr">
+            <a:normAutofit/>
+          </a:bodyPr>
+          <a:lstStyle>
+            <a:lvl1pPr marL="0" indent="0" algn="ctr">
+              <a:buNone/>
+              <a:defRPr sz="1800"/>
+            </a:lvl1pPr>
+            <a:lvl2pPr marL="457200" indent="0">
+              <a:buNone/>
+              <a:defRPr sz="1400"/>
+            </a:lvl2pPr>
+            <a:lvl3pPr marL="914400" indent="0">
+              <a:buNone/>
+              <a:defRPr sz="1200"/>
+            </a:lvl3pPr>
+            <a:lvl4pPr marL="1371600" indent="0">
+              <a:buNone/>
+              <a:defRPr sz="1000"/>
+            </a:lvl4pPr>
+            <a:lvl5pPr marL="1828800" indent="0">
+              <a:buNone/>
+              <a:defRPr sz="1000"/>
+            </a:lvl5pPr>
+            <a:lvl6pPr marL="2286000" indent="0">
+              <a:buNone/>
+              <a:defRPr sz="1000"/>
+            </a:lvl6pPr>
+            <a:lvl7pPr marL="2743200" indent="0">
+              <a:buNone/>
+              <a:defRPr sz="1000"/>
+            </a:lvl7pPr>
+            <a:lvl8pPr marL="3200400" indent="0">
+              <a:buNone/>
+              <a:defRPr sz="1000"/>
+            </a:lvl8pPr>
+            <a:lvl9pPr marL="3657600" indent="0">
+              <a:buNone/>
+              <a:defRPr sz="1000"/>
+            </a:lvl9pPr>
+          </a:lstStyle>
+          <a:p>
+            <a:pPr lvl="0"/>
+            <a:r>
+              <a:rPr lang="en-US"/>
+              <a:t>Edit Master text styles</a:t>
+            </a:r>
+          </a:p>
+        </p:txBody>
+      </p:sp>
+      <p:sp>
+        <p:nvSpPr>
+          <p:cNvPr id="5" name="Date Placeholder 4"/>
+          <p:cNvSpPr>
+            <a:spLocks noGrp="1"/>
+          </p:cNvSpPr>
+          <p:nvPr>
+            <p:ph type="dt" sz="half" idx="10"/>
+          </p:nvPr>
+        </p:nvSpPr>
+        <p:spPr/>
+        <p:txBody>
+          <a:bodyPr/>
+          <a:lstStyle/>
+          <a:p>
+            <a:fld id="{3CBC1C18-307B-4F68-A007-B5B542270E8D}" type="datetimeFigureOut">
+              <a:rPr lang="en-US" smtClean="0"/>
+              <a:t>4/30/2018</a:t>
+            </a:fld>
+            <a:endParaRPr lang="en-US" dirty="0"/>
+          </a:p>
+        </p:txBody>
+      </p:sp>
+      <p:sp>
+        <p:nvSpPr>
+          <p:cNvPr id="6" name="Footer Placeholder 5"/>
+          <p:cNvSpPr>
+            <a:spLocks noGrp="1"/>
+          </p:cNvSpPr>
+          <p:nvPr>
+            <p:ph type="ftr" sz="quarter" idx="11"/>
+          </p:nvPr>
+        </p:nvSpPr>
+        <p:spPr/>
+        <p:txBody>
+          <a:bodyPr/>
+          <a:lstStyle/>
+          <a:p>
+            <a:r>
+              <a:rPr lang="en-US"/>
+              <a:t>
+              </a:t>
+            </a:r>
+            <a:endParaRPr lang="en-US" dirty="0"/>
+          </a:p>
+        </p:txBody>
+      </p:sp>
+      <p:sp>
+        <p:nvSpPr>
+          <p:cNvPr id="7" name="Slide Number Placeholder 6"/>
+          <p:cNvSpPr>
+            <a:spLocks noGrp="1"/>
+          </p:cNvSpPr>
+          <p:nvPr>
+            <p:ph type="sldNum" sz="quarter" idx="12"/>
+          </p:nvPr>
+        </p:nvSpPr>
+        <p:spPr/>
+        <p:txBody>
+          <a:bodyPr/>
+          <a:lstStyle/>
+          <a:p>
+            <a:fld id="{6D22F896-40B5-4ADD-8801-0D06FADFA095}" type="slidenum">
+              <a:rPr lang="en-US" smtClean="0"/>
+              <a:pPr/>
+              <a:t>‹#›</a:t>
+            </a:fld>
+            <a:endParaRPr lang="en-US" dirty="0"/>
+          </a:p>
+        </p:txBody>
+      </p:sp>
+      <p:sp>
+        <p:nvSpPr>
+          <p:cNvPr id="13" name="TextBox 12"/>
+          <p:cNvSpPr txBox="1"/>
+          <p:nvPr/>
+        </p:nvSpPr>
+        <p:spPr>
+          <a:xfrm>
+            <a:off x="685801" y="892628"/>
+            <a:ext cx="609600" cy="584776"/>
+          </a:xfrm>
+          <a:prstGeom prst="rect">
+            <a:avLst/>
+          </a:prstGeom>
+        </p:spPr>
+        <p:txBody>
+          <a:bodyPr vert="horz" lIns="91440" tIns="45720" rIns="91440" bIns="45720" rtlCol="0" anchor="ctr">
+            <a:noAutofit/>
+          </a:bodyPr>
+          <a:lstStyle>
+            <a:lvl1pPr>
+              <a:spcBef>
+                <a:spcPct val="0"/>
+              </a:spcBef>
+              <a:buNone/>
+              <a:defRPr sz="3200" b="0" cap="all">
+                <a:ln w="3175" cmpd="sng">
+                  <a:noFill/>
+                </a:ln>
+                <a:effectLst>
+                  <a:glow rad="38100">
+                    <a:schemeClr val="bg1">
+                      <a:lumMod val="65000"/>
+                      <a:lumOff val="35000"/>
+                      <a:alpha val="40000"/>
+                    </a:schemeClr>
+                  </a:glow>
+                  <a:outerShdw blurRad="28575" dist="38100" dir="14040000" algn="tl" rotWithShape="0">
+                    <a:srgbClr val="000000">
+                      <a:alpha val="25000"/>
+                    </a:srgbClr>
+                  </a:outerShdw>
+                </a:effectLst>
+              </a:defRPr>
+            </a:lvl1pPr>
+            <a:lvl2pPr>
+              <a:defRPr>
+                <a:solidFill>
+                  <a:schemeClr val="tx2"/>
+                </a:solidFill>
+              </a:defRPr>
+            </a:lvl2pPr>
+            <a:lvl3pPr>
+              <a:defRPr>
+                <a:solidFill>
+                  <a:schemeClr val="tx2"/>
+                </a:solidFill>
+              </a:defRPr>
+            </a:lvl3pPr>
+            <a:lvl4pPr>
+              <a:defRPr>
+                <a:solidFill>
+                  <a:schemeClr val="tx2"/>
+                </a:solidFill>
+              </a:defRPr>
+            </a:lvl4pPr>
+            <a:lvl5pPr>
+              <a:defRPr>
+                <a:solidFill>
+                  <a:schemeClr val="tx2"/>
+                </a:solidFill>
+              </a:defRPr>
+            </a:lvl5pPr>
+            <a:lvl6pPr>
+              <a:defRPr>
+                <a:solidFill>
+                  <a:schemeClr val="tx2"/>
+                </a:solidFill>
+              </a:defRPr>
+            </a:lvl6pPr>
+            <a:lvl7pPr>
+              <a:defRPr>
+                <a:solidFill>
+                  <a:schemeClr val="tx2"/>
+                </a:solidFill>
+              </a:defRPr>
+            </a:lvl7pPr>
+            <a:lvl8pPr>
+              <a:defRPr>
+                <a:solidFill>
+                  <a:schemeClr val="tx2"/>
+                </a:solidFill>
+              </a:defRPr>
+            </a:lvl8pPr>
+            <a:lvl9pPr>
+              <a:defRPr>
+                <a:solidFill>
+                  <a:schemeClr val="tx2"/>
+                </a:solidFill>
+              </a:defRPr>
+            </a:lvl9pPr>
+          </a:lstStyle>
+          <a:p>
+            <a:pPr lvl="0"/>
+            <a:r>
+              <a:rPr lang="en-US" sz="8000" dirty="0">
+                <a:solidFill>
+                  <a:schemeClr val="tx1"/>
+                </a:solidFill>
+                <a:effectLst/>
+              </a:rPr>
+              <a:t>“</a:t>
+            </a:r>
+          </a:p>
+        </p:txBody>
+      </p:sp>
+      <p:sp>
+        <p:nvSpPr>
+          <p:cNvPr id="14" name="TextBox 13"/>
+          <p:cNvSpPr txBox="1"/>
+          <p:nvPr/>
+        </p:nvSpPr>
+        <p:spPr>
+          <a:xfrm>
+            <a:off x="10473083" y="2922827"/>
+            <a:ext cx="609600" cy="584776"/>
+          </a:xfrm>
+          <a:prstGeom prst="rect">
+            <a:avLst/>
+          </a:prstGeom>
+        </p:spPr>
+        <p:txBody>
+          <a:bodyPr vert="horz" lIns="91440" tIns="45720" rIns="91440" bIns="45720" rtlCol="0" anchor="ctr">
+            <a:noAutofit/>
+          </a:bodyPr>
+          <a:lstStyle>
+            <a:lvl1pPr>
+              <a:spcBef>
+                <a:spcPct val="0"/>
+              </a:spcBef>
+              <a:buNone/>
+              <a:defRPr sz="3200" b="0" cap="all">
+                <a:ln w="3175" cmpd="sng">
+                  <a:noFill/>
+                </a:ln>
+                <a:effectLst>
+                  <a:glow rad="38100">
+                    <a:schemeClr val="bg1">
+                      <a:lumMod val="65000"/>
+                      <a:lumOff val="35000"/>
+                      <a:alpha val="40000"/>
+                    </a:schemeClr>
+                  </a:glow>
+                  <a:outerShdw blurRad="28575" dist="38100" dir="14040000" algn="tl" rotWithShape="0">
+                    <a:srgbClr val="000000">
+                      <a:alpha val="25000"/>
+                    </a:srgbClr>
+                  </a:outerShdw>
+                </a:effectLst>
+              </a:defRPr>
+            </a:lvl1pPr>
+            <a:lvl2pPr>
+              <a:defRPr>
+                <a:solidFill>
+                  <a:schemeClr val="tx2"/>
+                </a:solidFill>
+              </a:defRPr>
+            </a:lvl2pPr>
+            <a:lvl3pPr>
+              <a:defRPr>
+                <a:solidFill>
+                  <a:schemeClr val="tx2"/>
+                </a:solidFill>
+              </a:defRPr>
+            </a:lvl3pPr>
+            <a:lvl4pPr>
+              <a:defRPr>
+                <a:solidFill>
+                  <a:schemeClr val="tx2"/>
+                </a:solidFill>
+              </a:defRPr>
+            </a:lvl4pPr>
+            <a:lvl5pPr>
+              <a:defRPr>
+                <a:solidFill>
+                  <a:schemeClr val="tx2"/>
+                </a:solidFill>
+              </a:defRPr>
+            </a:lvl5pPr>
+            <a:lvl6pPr>
+              <a:defRPr>
+                <a:solidFill>
+                  <a:schemeClr val="tx2"/>
+                </a:solidFill>
+              </a:defRPr>
+            </a:lvl6pPr>
+            <a:lvl7pPr>
+              <a:defRPr>
+                <a:solidFill>
+                  <a:schemeClr val="tx2"/>
+                </a:solidFill>
+              </a:defRPr>
+            </a:lvl7pPr>
+            <a:lvl8pPr>
+              <a:defRPr>
+                <a:solidFill>
+                  <a:schemeClr val="tx2"/>
+                </a:solidFill>
+              </a:defRPr>
+            </a:lvl8pPr>
+            <a:lvl9pPr>
+              <a:defRPr>
+                <a:solidFill>
+                  <a:schemeClr val="tx2"/>
+                </a:solidFill>
+              </a:defRPr>
+            </a:lvl9pPr>
+          </a:lstStyle>
+          <a:p>
+            <a:pPr lvl="0" algn="r"/>
+            <a:r>
+              <a:rPr lang="en-US" sz="8000" dirty="0">
+                <a:solidFill>
+                  <a:schemeClr val="tx1"/>
+                </a:solidFill>
+                <a:effectLst/>
+              </a:rPr>
+              <a:t>”</a:t>
+            </a:r>
+          </a:p>
+        </p:txBody>
+      </p:sp>
+    </p:spTree>
+    <p:extLst>
+      <p:ext uri="{BB962C8B-B14F-4D97-AF65-F5344CB8AC3E}">
+        <p14:creationId xmlns:p14="http://schemas.microsoft.com/office/powerpoint/2010/main" val="1420850721"/>
+      </p:ext>
+    </p:extLst>
+  </p:cSld>
+  <p:clrMapOvr>
+    <a:masterClrMapping/>
+  </p:clrMapOvr>
+  <p:hf sldNum="0" hdr="0" ftr="0" dt="0"/>
+</p:sldLayout>
+</file>
+
+<file path=ppt/slideLayouts/slideLayout13.xml><?xml version="1.0" encoding="utf-8"?>
+<p:sldLayout xmlns:a="http://schemas.openxmlformats.org/drawingml/2006/main" xmlns:r="http://schemas.openxmlformats.org/officeDocument/2006/relationships" xmlns:p="http://schemas.openxmlformats.org/presentationml/2006/main" preserve="1">
+  <p:cSld name="Name Card">
+    <p:spTree>
+      <p:nvGrpSpPr>
+        <p:cNvPr id="1" name=""/>
+        <p:cNvGrpSpPr/>
+        <p:nvPr/>
+      </p:nvGrpSpPr>
+      <p:grpSpPr>
+        <a:xfrm>
+          <a:off x="0" y="0"/>
+          <a:ext cx="0" cy="0"/>
+          <a:chOff x="0" y="0"/>
+          <a:chExt cx="0" cy="0"/>
+        </a:xfrm>
+      </p:grpSpPr>
+      <p:sp>
+        <p:nvSpPr>
+          <p:cNvPr id="2" name="Title 1"/>
+          <p:cNvSpPr>
+            <a:spLocks noGrp="1"/>
+          </p:cNvSpPr>
+          <p:nvPr>
+            <p:ph type="title"/>
+          </p:nvPr>
+        </p:nvSpPr>
+        <p:spPr>
+          <a:xfrm>
+            <a:off x="685800" y="1723854"/>
+            <a:ext cx="10394707" cy="2511835"/>
+          </a:xfrm>
+        </p:spPr>
+        <p:txBody>
+          <a:bodyPr anchor="b">
+            <a:normAutofit/>
+          </a:bodyPr>
+          <a:lstStyle>
+            <a:lvl1pPr algn="l">
+              <a:defRPr sz="4800"/>
+            </a:lvl1pPr>
+          </a:lstStyle>
+          <a:p>
+            <a:r>
+              <a:rPr lang="en-US"/>
+              <a:t>Click to edit Master title style</a:t>
+            </a:r>
+            <a:endParaRPr lang="en-US" dirty="0"/>
+          </a:p>
+        </p:txBody>
+      </p:sp>
+      <p:sp>
+        <p:nvSpPr>
+          <p:cNvPr id="4" name="Text Placeholder 3"/>
+          <p:cNvSpPr>
+            <a:spLocks noGrp="1"/>
+          </p:cNvSpPr>
+          <p:nvPr>
+            <p:ph type="body" sz="half" idx="2"/>
+          </p:nvPr>
+        </p:nvSpPr>
+        <p:spPr>
+          <a:xfrm>
+            <a:off x="685800" y="4247468"/>
+            <a:ext cx="10394707" cy="1140644"/>
+          </a:xfrm>
+        </p:spPr>
+        <p:txBody>
+          <a:bodyPr anchor="t">
+            <a:normAutofit/>
+          </a:bodyPr>
+          <a:lstStyle>
+            <a:lvl1pPr marL="0" indent="0" algn="l">
+              <a:buNone/>
+              <a:defRPr sz="1800"/>
+            </a:lvl1pPr>
+            <a:lvl2pPr marL="457200" indent="0">
+              <a:buNone/>
+              <a:defRPr sz="1400"/>
+            </a:lvl2pPr>
+            <a:lvl3pPr marL="914400" indent="0">
+              <a:buNone/>
+              <a:defRPr sz="1200"/>
+            </a:lvl3pPr>
+            <a:lvl4pPr marL="1371600" indent="0">
+              <a:buNone/>
+              <a:defRPr sz="1000"/>
+            </a:lvl4pPr>
+            <a:lvl5pPr marL="1828800" indent="0">
+              <a:buNone/>
+              <a:defRPr sz="1000"/>
+            </a:lvl5pPr>
+            <a:lvl6pPr marL="2286000" indent="0">
+              <a:buNone/>
+              <a:defRPr sz="1000"/>
+            </a:lvl6pPr>
+            <a:lvl7pPr marL="2743200" indent="0">
+              <a:buNone/>
+              <a:defRPr sz="1000"/>
+            </a:lvl7pPr>
+            <a:lvl8pPr marL="3200400" indent="0">
+              <a:buNone/>
+              <a:defRPr sz="1000"/>
+            </a:lvl8pPr>
+            <a:lvl9pPr marL="3657600" indent="0">
+              <a:buNone/>
+              <a:defRPr sz="1000"/>
+            </a:lvl9pPr>
+          </a:lstStyle>
+          <a:p>
+            <a:pPr lvl="0"/>
+            <a:r>
+              <a:rPr lang="en-US"/>
+              <a:t>Edit Master text styles</a:t>
+            </a:r>
+          </a:p>
+        </p:txBody>
+      </p:sp>
+      <p:sp>
+        <p:nvSpPr>
+          <p:cNvPr id="5" name="Date Placeholder 4"/>
+          <p:cNvSpPr>
+            <a:spLocks noGrp="1"/>
+          </p:cNvSpPr>
+          <p:nvPr>
+            <p:ph type="dt" sz="half" idx="10"/>
+          </p:nvPr>
+        </p:nvSpPr>
+        <p:spPr/>
+        <p:txBody>
+          <a:bodyPr/>
+          <a:lstStyle/>
+          <a:p>
+            <a:fld id="{3CBC1C18-307B-4F68-A007-B5B542270E8D}" type="datetimeFigureOut">
+              <a:rPr lang="en-US" smtClean="0"/>
+              <a:t>4/30/2018</a:t>
+            </a:fld>
+            <a:endParaRPr lang="en-US" dirty="0"/>
+          </a:p>
+        </p:txBody>
+      </p:sp>
+      <p:sp>
+        <p:nvSpPr>
+          <p:cNvPr id="6" name="Footer Placeholder 5"/>
+          <p:cNvSpPr>
+            <a:spLocks noGrp="1"/>
+          </p:cNvSpPr>
+          <p:nvPr>
+            <p:ph type="ftr" sz="quarter" idx="11"/>
+          </p:nvPr>
+        </p:nvSpPr>
+        <p:spPr/>
+        <p:txBody>
+          <a:bodyPr/>
+          <a:lstStyle/>
+          <a:p>
+            <a:r>
+              <a:rPr lang="en-US"/>
+              <a:t>
+              </a:t>
+            </a:r>
+            <a:endParaRPr lang="en-US" dirty="0"/>
+          </a:p>
+        </p:txBody>
+      </p:sp>
+      <p:sp>
+        <p:nvSpPr>
+          <p:cNvPr id="7" name="Slide Number Placeholder 6"/>
+          <p:cNvSpPr>
+            <a:spLocks noGrp="1"/>
+          </p:cNvSpPr>
+          <p:nvPr>
+            <p:ph type="sldNum" sz="quarter" idx="12"/>
+          </p:nvPr>
+        </p:nvSpPr>
+        <p:spPr/>
+        <p:txBody>
+          <a:bodyPr/>
+          <a:lstStyle/>
+          <a:p>
+            <a:fld id="{6D22F896-40B5-4ADD-8801-0D06FADFA095}" type="slidenum">
+              <a:rPr lang="en-US" smtClean="0"/>
+              <a:pPr/>
+              <a:t>‹#›</a:t>
+            </a:fld>
+            <a:endParaRPr lang="en-US" dirty="0"/>
+          </a:p>
+        </p:txBody>
+      </p:sp>
+    </p:spTree>
+    <p:extLst>
+      <p:ext uri="{BB962C8B-B14F-4D97-AF65-F5344CB8AC3E}">
+        <p14:creationId xmlns:p14="http://schemas.microsoft.com/office/powerpoint/2010/main" val="3039039682"/>
+      </p:ext>
+    </p:extLst>
+  </p:cSld>
+  <p:clrMapOvr>
+    <a:masterClrMapping/>
+  </p:clrMapOvr>
+  <p:hf sldNum="0" hdr="0" ftr="0" dt="0"/>
+</p:sldLayout>
+</file>
+
+<file path=ppt/slideLayouts/slideLayout14.xml><?xml version="1.0" encoding="utf-8"?>
+<p:sldLayout xmlns:a="http://schemas.openxmlformats.org/drawingml/2006/main" xmlns:r="http://schemas.openxmlformats.org/officeDocument/2006/relationships" xmlns:p="http://schemas.openxmlformats.org/presentationml/2006/main" preserve="1">
+  <p:cSld name="3 Column">
+    <p:spTree>
+      <p:nvGrpSpPr>
+        <p:cNvPr id="1" name=""/>
+        <p:cNvGrpSpPr/>
+        <p:nvPr/>
+      </p:nvGrpSpPr>
+      <p:grpSpPr>
+        <a:xfrm>
+          <a:off x="0" y="0"/>
+          <a:ext cx="0" cy="0"/>
+          <a:chOff x="0" y="0"/>
+          <a:chExt cx="0" cy="0"/>
+        </a:xfrm>
+      </p:grpSpPr>
+      <p:sp>
+        <p:nvSpPr>
+          <p:cNvPr id="15" name="Title 1"/>
+          <p:cNvSpPr>
+            <a:spLocks noGrp="1"/>
+          </p:cNvSpPr>
+          <p:nvPr>
+            <p:ph type="title"/>
+          </p:nvPr>
+        </p:nvSpPr>
+        <p:spPr>
+          <a:xfrm>
+            <a:off x="685802" y="685800"/>
+            <a:ext cx="10394706" cy="1151965"/>
+          </a:xfrm>
+        </p:spPr>
+        <p:txBody>
+          <a:bodyPr/>
+          <a:lstStyle>
+            <a:lvl1pPr algn="ctr">
+              <a:defRPr/>
+            </a:lvl1pPr>
+          </a:lstStyle>
+          <a:p>
+            <a:r>
+              <a:rPr lang="en-US"/>
+              <a:t>Click to edit Master title style</a:t>
+            </a:r>
+            <a:endParaRPr lang="en-US" dirty="0"/>
+          </a:p>
+        </p:txBody>
+      </p:sp>
+      <p:sp>
+        <p:nvSpPr>
+          <p:cNvPr id="7" name="Text Placeholder 2"/>
+          <p:cNvSpPr>
+            <a:spLocks noGrp="1"/>
+          </p:cNvSpPr>
+          <p:nvPr>
+            <p:ph type="body" idx="1"/>
+          </p:nvPr>
+        </p:nvSpPr>
+        <p:spPr>
+          <a:xfrm>
+            <a:off x="685802" y="2063395"/>
+            <a:ext cx="3310128" cy="576262"/>
+          </a:xfrm>
+        </p:spPr>
+        <p:txBody>
+          <a:bodyPr anchor="b">
+            <a:noAutofit/>
+          </a:bodyPr>
+          <a:lstStyle>
+            <a:lvl1pPr marL="0" indent="0" algn="ctr">
+              <a:lnSpc>
+                <a:spcPct val="90000"/>
+              </a:lnSpc>
+              <a:buNone/>
+              <a:defRPr sz="2400" b="0">
+                <a:solidFill>
+                  <a:schemeClr val="accent1"/>
+                </a:solidFill>
+              </a:defRPr>
+            </a:lvl1pPr>
+            <a:lvl2pPr marL="457200" indent="0">
+              <a:buNone/>
+              <a:defRPr sz="2000" b="1"/>
+            </a:lvl2pPr>
+            <a:lvl3pPr marL="914400" indent="0">
+              <a:buNone/>
+              <a:defRPr sz="1800" b="1"/>
+            </a:lvl3pPr>
+            <a:lvl4pPr marL="1371600" indent="0">
+              <a:buNone/>
+              <a:defRPr sz="1600" b="1"/>
+            </a:lvl4pPr>
+            <a:lvl5pPr marL="1828800" indent="0">
+              <a:buNone/>
+              <a:defRPr sz="1600" b="1"/>
+            </a:lvl5pPr>
+            <a:lvl6pPr marL="2286000" indent="0">
+              <a:buNone/>
+              <a:defRPr sz="1600" b="1"/>
+            </a:lvl6pPr>
+            <a:lvl7pPr marL="2743200" indent="0">
+              <a:buNone/>
+              <a:defRPr sz="1600" b="1"/>
+            </a:lvl7pPr>
+            <a:lvl8pPr marL="3200400" indent="0">
+              <a:buNone/>
+              <a:defRPr sz="1600" b="1"/>
+            </a:lvl8pPr>
+            <a:lvl9pPr marL="3657600" indent="0">
+              <a:buNone/>
+              <a:defRPr sz="1600" b="1"/>
+            </a:lvl9pPr>
+          </a:lstStyle>
+          <a:p>
+            <a:pPr lvl="0"/>
+            <a:r>
+              <a:rPr lang="en-US"/>
+              <a:t>Edit Master text styles</a:t>
+            </a:r>
+          </a:p>
+        </p:txBody>
+      </p:sp>
+      <p:sp>
+        <p:nvSpPr>
+          <p:cNvPr id="8" name="Text Placeholder 3"/>
+          <p:cNvSpPr>
+            <a:spLocks noGrp="1"/>
+          </p:cNvSpPr>
+          <p:nvPr>
+            <p:ph type="body" sz="half" idx="15"/>
+          </p:nvPr>
+        </p:nvSpPr>
+        <p:spPr>
+          <a:xfrm>
+            <a:off x="685802" y="2639658"/>
+            <a:ext cx="3310128" cy="2734928"/>
+          </a:xfrm>
+        </p:spPr>
+        <p:txBody>
+          <a:bodyPr anchor="t">
+            <a:normAutofit/>
+          </a:bodyPr>
+          <a:lstStyle>
+            <a:lvl1pPr marL="0" indent="0" algn="ctr">
+              <a:buNone/>
+              <a:defRPr sz="1400"/>
+            </a:lvl1pPr>
+            <a:lvl2pPr marL="457200" indent="0">
+              <a:buNone/>
+              <a:defRPr sz="1200"/>
+            </a:lvl2pPr>
+            <a:lvl3pPr marL="914400" indent="0">
+              <a:buNone/>
+              <a:defRPr sz="1000"/>
+            </a:lvl3pPr>
+            <a:lvl4pPr marL="1371600" indent="0">
+              <a:buNone/>
+              <a:defRPr sz="900"/>
+            </a:lvl4pPr>
+            <a:lvl5pPr marL="1828800" indent="0">
+              <a:buNone/>
+              <a:defRPr sz="900"/>
+            </a:lvl5pPr>
+            <a:lvl6pPr marL="2286000" indent="0">
+              <a:buNone/>
+              <a:defRPr sz="900"/>
+            </a:lvl6pPr>
+            <a:lvl7pPr marL="2743200" indent="0">
+              <a:buNone/>
+              <a:defRPr sz="900"/>
+            </a:lvl7pPr>
+            <a:lvl8pPr marL="3200400" indent="0">
+              <a:buNone/>
+              <a:defRPr sz="900"/>
+            </a:lvl8pPr>
+            <a:lvl9pPr marL="3657600" indent="0">
+              <a:buNone/>
+              <a:defRPr sz="900"/>
+            </a:lvl9pPr>
+          </a:lstStyle>
+          <a:p>
+            <a:pPr lvl="0"/>
+            <a:r>
+              <a:rPr lang="en-US"/>
+              <a:t>Edit Master text styles</a:t>
+            </a:r>
+          </a:p>
+        </p:txBody>
+      </p:sp>
+      <p:sp>
+        <p:nvSpPr>
+          <p:cNvPr id="9" name="Text Placeholder 4"/>
+          <p:cNvSpPr>
+            <a:spLocks noGrp="1"/>
+          </p:cNvSpPr>
+          <p:nvPr>
+            <p:ph type="body" sz="quarter" idx="3"/>
+          </p:nvPr>
+        </p:nvSpPr>
+        <p:spPr>
+          <a:xfrm>
+            <a:off x="4234622" y="2063395"/>
+            <a:ext cx="3310128" cy="576262"/>
+          </a:xfrm>
+        </p:spPr>
+        <p:txBody>
+          <a:bodyPr anchor="b">
+            <a:noAutofit/>
+          </a:bodyPr>
+          <a:lstStyle>
+            <a:lvl1pPr marL="0" indent="0" algn="ctr">
+              <a:lnSpc>
+                <a:spcPct val="90000"/>
+              </a:lnSpc>
+              <a:buNone/>
+              <a:defRPr sz="2400" b="0">
+                <a:solidFill>
+                  <a:schemeClr val="accent1"/>
+                </a:solidFill>
+              </a:defRPr>
+            </a:lvl1pPr>
+            <a:lvl2pPr marL="457200" indent="0">
+              <a:buNone/>
+              <a:defRPr sz="2000" b="1"/>
+            </a:lvl2pPr>
+            <a:lvl3pPr marL="914400" indent="0">
+              <a:buNone/>
+              <a:defRPr sz="1800" b="1"/>
+            </a:lvl3pPr>
+            <a:lvl4pPr marL="1371600" indent="0">
+              <a:buNone/>
+              <a:defRPr sz="1600" b="1"/>
+            </a:lvl4pPr>
+            <a:lvl5pPr marL="1828800" indent="0">
+              <a:buNone/>
+              <a:defRPr sz="1600" b="1"/>
+            </a:lvl5pPr>
+            <a:lvl6pPr marL="2286000" indent="0">
+              <a:buNone/>
+              <a:defRPr sz="1600" b="1"/>
+            </a:lvl6pPr>
+            <a:lvl7pPr marL="2743200" indent="0">
+              <a:buNone/>
+              <a:defRPr sz="1600" b="1"/>
+            </a:lvl7pPr>
+            <a:lvl8pPr marL="3200400" indent="0">
+              <a:buNone/>
+              <a:defRPr sz="1600" b="1"/>
+            </a:lvl8pPr>
+            <a:lvl9pPr marL="3657600" indent="0">
+              <a:buNone/>
+              <a:defRPr sz="1600" b="1"/>
+            </a:lvl9pPr>
+          </a:lstStyle>
+          <a:p>
+            <a:pPr lvl="0"/>
+            <a:r>
+              <a:rPr lang="en-US"/>
+              <a:t>Edit Master text styles</a:t>
+            </a:r>
+          </a:p>
+        </p:txBody>
+      </p:sp>
+      <p:sp>
+        <p:nvSpPr>
+          <p:cNvPr id="10" name="Text Placeholder 3"/>
+          <p:cNvSpPr>
+            <a:spLocks noGrp="1"/>
+          </p:cNvSpPr>
+          <p:nvPr>
+            <p:ph type="body" sz="half" idx="16"/>
+          </p:nvPr>
+        </p:nvSpPr>
+        <p:spPr>
+          <a:xfrm>
+            <a:off x="4234621" y="2639658"/>
+            <a:ext cx="3310128" cy="2734928"/>
+          </a:xfrm>
+        </p:spPr>
+        <p:txBody>
+          <a:bodyPr anchor="t">
+            <a:normAutofit/>
+          </a:bodyPr>
+          <a:lstStyle>
+            <a:lvl1pPr marL="0" indent="0" algn="ctr">
+              <a:buNone/>
+              <a:defRPr sz="1400"/>
+            </a:lvl1pPr>
+            <a:lvl2pPr marL="457200" indent="0">
+              <a:buNone/>
+              <a:defRPr sz="1200"/>
+            </a:lvl2pPr>
+            <a:lvl3pPr marL="914400" indent="0">
+              <a:buNone/>
+              <a:defRPr sz="1000"/>
+            </a:lvl3pPr>
+            <a:lvl4pPr marL="1371600" indent="0">
+              <a:buNone/>
+              <a:defRPr sz="900"/>
+            </a:lvl4pPr>
+            <a:lvl5pPr marL="1828800" indent="0">
+              <a:buNone/>
+              <a:defRPr sz="900"/>
+            </a:lvl5pPr>
+            <a:lvl6pPr marL="2286000" indent="0">
+              <a:buNone/>
+              <a:defRPr sz="900"/>
+            </a:lvl6pPr>
+            <a:lvl7pPr marL="2743200" indent="0">
+              <a:buNone/>
+              <a:defRPr sz="900"/>
+            </a:lvl7pPr>
+            <a:lvl8pPr marL="3200400" indent="0">
+              <a:buNone/>
+              <a:defRPr sz="900"/>
+            </a:lvl8pPr>
+            <a:lvl9pPr marL="3657600" indent="0">
+              <a:buNone/>
+              <a:defRPr sz="900"/>
+            </a:lvl9pPr>
+          </a:lstStyle>
+          <a:p>
+            <a:pPr lvl="0"/>
+            <a:r>
+              <a:rPr lang="en-US"/>
+              <a:t>Edit Master text styles</a:t>
+            </a:r>
+          </a:p>
+        </p:txBody>
+      </p:sp>
+      <p:sp>
+        <p:nvSpPr>
+          <p:cNvPr id="11" name="Text Placeholder 4"/>
+          <p:cNvSpPr>
+            <a:spLocks noGrp="1"/>
+          </p:cNvSpPr>
+          <p:nvPr>
+            <p:ph type="body" sz="quarter" idx="13"/>
+          </p:nvPr>
+        </p:nvSpPr>
+        <p:spPr>
+          <a:xfrm>
+            <a:off x="7770380" y="2063395"/>
+            <a:ext cx="3310128" cy="576262"/>
+          </a:xfrm>
+        </p:spPr>
+        <p:txBody>
+          <a:bodyPr anchor="b">
+            <a:noAutofit/>
+          </a:bodyPr>
+          <a:lstStyle>
+            <a:lvl1pPr marL="0" indent="0" algn="ctr">
+              <a:lnSpc>
+                <a:spcPct val="90000"/>
+              </a:lnSpc>
+              <a:buNone/>
+              <a:defRPr sz="2400" b="0">
+                <a:solidFill>
+                  <a:schemeClr val="accent1"/>
+                </a:solidFill>
+              </a:defRPr>
+            </a:lvl1pPr>
+            <a:lvl2pPr marL="457200" indent="0">
+              <a:buNone/>
+              <a:defRPr sz="2000" b="1"/>
+            </a:lvl2pPr>
+            <a:lvl3pPr marL="914400" indent="0">
+              <a:buNone/>
+              <a:defRPr sz="1800" b="1"/>
+            </a:lvl3pPr>
+            <a:lvl4pPr marL="1371600" indent="0">
+              <a:buNone/>
+              <a:defRPr sz="1600" b="1"/>
+            </a:lvl4pPr>
+            <a:lvl5pPr marL="1828800" indent="0">
+              <a:buNone/>
+              <a:defRPr sz="1600" b="1"/>
+            </a:lvl5pPr>
+            <a:lvl6pPr marL="2286000" indent="0">
+              <a:buNone/>
+              <a:defRPr sz="1600" b="1"/>
+            </a:lvl6pPr>
+            <a:lvl7pPr marL="2743200" indent="0">
+              <a:buNone/>
+              <a:defRPr sz="1600" b="1"/>
+            </a:lvl7pPr>
+            <a:lvl8pPr marL="3200400" indent="0">
+              <a:buNone/>
+              <a:defRPr sz="1600" b="1"/>
+            </a:lvl8pPr>
+            <a:lvl9pPr marL="3657600" indent="0">
+              <a:buNone/>
+              <a:defRPr sz="1600" b="1"/>
+            </a:lvl9pPr>
+          </a:lstStyle>
+          <a:p>
+            <a:pPr lvl="0"/>
+            <a:r>
+              <a:rPr lang="en-US"/>
+              <a:t>Edit Master text styles</a:t>
+            </a:r>
+          </a:p>
+        </p:txBody>
+      </p:sp>
+      <p:sp>
+        <p:nvSpPr>
+          <p:cNvPr id="12" name="Text Placeholder 3"/>
+          <p:cNvSpPr>
+            <a:spLocks noGrp="1"/>
+          </p:cNvSpPr>
+          <p:nvPr>
+            <p:ph type="body" sz="half" idx="17"/>
+          </p:nvPr>
+        </p:nvSpPr>
+        <p:spPr>
+          <a:xfrm>
+            <a:off x="7770380" y="2639658"/>
+            <a:ext cx="3310128" cy="2734928"/>
+          </a:xfrm>
+        </p:spPr>
+        <p:txBody>
+          <a:bodyPr anchor="t">
+            <a:normAutofit/>
+          </a:bodyPr>
+          <a:lstStyle>
+            <a:lvl1pPr marL="0" indent="0" algn="ctr">
+              <a:buNone/>
+              <a:defRPr sz="1400"/>
+            </a:lvl1pPr>
+            <a:lvl2pPr marL="457200" indent="0">
+              <a:buNone/>
+              <a:defRPr sz="1200"/>
+            </a:lvl2pPr>
+            <a:lvl3pPr marL="914400" indent="0">
+              <a:buNone/>
+              <a:defRPr sz="1000"/>
+            </a:lvl3pPr>
+            <a:lvl4pPr marL="1371600" indent="0">
+              <a:buNone/>
+              <a:defRPr sz="900"/>
+            </a:lvl4pPr>
+            <a:lvl5pPr marL="1828800" indent="0">
+              <a:buNone/>
+              <a:defRPr sz="900"/>
+            </a:lvl5pPr>
+            <a:lvl6pPr marL="2286000" indent="0">
+              <a:buNone/>
+              <a:defRPr sz="900"/>
+            </a:lvl6pPr>
+            <a:lvl7pPr marL="2743200" indent="0">
+              <a:buNone/>
+              <a:defRPr sz="900"/>
+            </a:lvl7pPr>
+            <a:lvl8pPr marL="3200400" indent="0">
+              <a:buNone/>
+              <a:defRPr sz="900"/>
+            </a:lvl8pPr>
+            <a:lvl9pPr marL="3657600" indent="0">
+              <a:buNone/>
+              <a:defRPr sz="900"/>
+            </a:lvl9pPr>
+          </a:lstStyle>
+          <a:p>
+            <a:pPr lvl="0"/>
+            <a:r>
+              <a:rPr lang="en-US"/>
+              <a:t>Edit Master text styles</a:t>
+            </a:r>
+          </a:p>
+        </p:txBody>
+      </p:sp>
+      <p:sp>
+        <p:nvSpPr>
+          <p:cNvPr id="3" name="Date Placeholder 2"/>
+          <p:cNvSpPr>
+            <a:spLocks noGrp="1"/>
+          </p:cNvSpPr>
+          <p:nvPr>
+            <p:ph type="dt" sz="half" idx="10"/>
+          </p:nvPr>
+        </p:nvSpPr>
+        <p:spPr/>
+        <p:txBody>
+          <a:bodyPr/>
+          <a:lstStyle/>
+          <a:p>
+            <a:fld id="{3CBC1C18-307B-4F68-A007-B5B542270E8D}" type="datetimeFigureOut">
+              <a:rPr lang="en-US" smtClean="0"/>
+              <a:t>4/30/2018</a:t>
+            </a:fld>
+            <a:endParaRPr lang="en-US" dirty="0"/>
+          </a:p>
+        </p:txBody>
+      </p:sp>
+      <p:sp>
+        <p:nvSpPr>
+          <p:cNvPr id="4" name="Footer Placeholder 3"/>
+          <p:cNvSpPr>
+            <a:spLocks noGrp="1"/>
+          </p:cNvSpPr>
+          <p:nvPr>
+            <p:ph type="ftr" sz="quarter" idx="11"/>
+          </p:nvPr>
+        </p:nvSpPr>
+        <p:spPr/>
+        <p:txBody>
+          <a:bodyPr/>
+          <a:lstStyle/>
+          <a:p>
+            <a:r>
+              <a:rPr lang="en-US"/>
+              <a:t>
+              </a:t>
+            </a:r>
+            <a:endParaRPr lang="en-US" dirty="0"/>
+          </a:p>
+        </p:txBody>
+      </p:sp>
+      <p:sp>
+        <p:nvSpPr>
+          <p:cNvPr id="5" name="Slide Number Placeholder 4"/>
+          <p:cNvSpPr>
+            <a:spLocks noGrp="1"/>
+          </p:cNvSpPr>
+          <p:nvPr>
+            <p:ph type="sldNum" sz="quarter" idx="12"/>
+          </p:nvPr>
+        </p:nvSpPr>
+        <p:spPr/>
+        <p:txBody>
+          <a:bodyPr/>
+          <a:lstStyle/>
+          <a:p>
+            <a:fld id="{6D22F896-40B5-4ADD-8801-0D06FADFA095}" type="slidenum">
+              <a:rPr lang="en-US" smtClean="0"/>
+              <a:pPr/>
+              <a:t>‹#›</a:t>
+            </a:fld>
+            <a:endParaRPr lang="en-US" dirty="0"/>
+          </a:p>
+        </p:txBody>
+      </p:sp>
+    </p:spTree>
+    <p:extLst>
+      <p:ext uri="{BB962C8B-B14F-4D97-AF65-F5344CB8AC3E}">
+        <p14:creationId xmlns:p14="http://schemas.microsoft.com/office/powerpoint/2010/main" val="2696760693"/>
+      </p:ext>
+    </p:extLst>
+  </p:cSld>
+  <p:clrMapOvr>
+    <a:masterClrMapping/>
+  </p:clrMapOvr>
+  <p:hf sldNum="0" hdr="0" ftr="0" dt="0"/>
+</p:sldLayout>
+</file>
+
+<file path=ppt/slideLayouts/slideLayout15.xml><?xml version="1.0" encoding="utf-8"?>
+<p:sldLayout xmlns:a="http://schemas.openxmlformats.org/drawingml/2006/main" xmlns:r="http://schemas.openxmlformats.org/officeDocument/2006/relationships" xmlns:p="http://schemas.openxmlformats.org/presentationml/2006/main" preserve="1">
+  <p:cSld name="3 Picture Column">
+    <p:spTree>
+      <p:nvGrpSpPr>
+        <p:cNvPr id="1" name=""/>
+        <p:cNvGrpSpPr/>
+        <p:nvPr/>
+      </p:nvGrpSpPr>
+      <p:grpSpPr>
+        <a:xfrm>
+          <a:off x="0" y="0"/>
+          <a:ext cx="0" cy="0"/>
+          <a:chOff x="0" y="0"/>
+          <a:chExt cx="0" cy="0"/>
+        </a:xfrm>
+      </p:grpSpPr>
+      <p:sp>
+        <p:nvSpPr>
+          <p:cNvPr id="30" name="Title 1"/>
+          <p:cNvSpPr>
+            <a:spLocks noGrp="1"/>
+          </p:cNvSpPr>
+          <p:nvPr>
+            <p:ph type="title"/>
+          </p:nvPr>
+        </p:nvSpPr>
+        <p:spPr>
+          <a:xfrm>
+            <a:off x="685801" y="685800"/>
+            <a:ext cx="10396882" cy="1151965"/>
+          </a:xfrm>
+        </p:spPr>
+        <p:txBody>
+          <a:bodyPr/>
+          <a:lstStyle>
+            <a:lvl1pPr algn="ctr">
+              <a:defRPr/>
+            </a:lvl1pPr>
+          </a:lstStyle>
+          <a:p>
+            <a:r>
+              <a:rPr lang="en-US"/>
+              <a:t>Click to edit Master title style</a:t>
+            </a:r>
+            <a:endParaRPr lang="en-US" dirty="0"/>
+          </a:p>
+        </p:txBody>
+      </p:sp>
+      <p:sp>
+        <p:nvSpPr>
+          <p:cNvPr id="19" name="Text Placeholder 2"/>
+          <p:cNvSpPr>
+            <a:spLocks noGrp="1"/>
+          </p:cNvSpPr>
+          <p:nvPr>
+            <p:ph type="body" idx="1"/>
+          </p:nvPr>
+        </p:nvSpPr>
+        <p:spPr>
+          <a:xfrm>
+            <a:off x="691840" y="3813025"/>
+            <a:ext cx="3310128" cy="576262"/>
+          </a:xfrm>
+        </p:spPr>
+        <p:txBody>
+          <a:bodyPr anchor="b">
+            <a:noAutofit/>
+          </a:bodyPr>
+          <a:lstStyle>
+            <a:lvl1pPr marL="0" indent="0" algn="ctr">
+              <a:lnSpc>
+                <a:spcPct val="90000"/>
+              </a:lnSpc>
+              <a:buNone/>
+              <a:defRPr sz="2200" b="0">
+                <a:solidFill>
+                  <a:schemeClr val="accent1"/>
+                </a:solidFill>
+              </a:defRPr>
+            </a:lvl1pPr>
+            <a:lvl2pPr marL="457200" indent="0">
+              <a:buNone/>
+              <a:defRPr sz="2000" b="1"/>
+            </a:lvl2pPr>
+            <a:lvl3pPr marL="914400" indent="0">
+              <a:buNone/>
+              <a:defRPr sz="1800" b="1"/>
+            </a:lvl3pPr>
+            <a:lvl4pPr marL="1371600" indent="0">
+              <a:buNone/>
+              <a:defRPr sz="1600" b="1"/>
+            </a:lvl4pPr>
+            <a:lvl5pPr marL="1828800" indent="0">
+              <a:buNone/>
+              <a:defRPr sz="1600" b="1"/>
+            </a:lvl5pPr>
+            <a:lvl6pPr marL="2286000" indent="0">
+              <a:buNone/>
+              <a:defRPr sz="1600" b="1"/>
+            </a:lvl6pPr>
+            <a:lvl7pPr marL="2743200" indent="0">
+              <a:buNone/>
+              <a:defRPr sz="1600" b="1"/>
+            </a:lvl7pPr>
+            <a:lvl8pPr marL="3200400" indent="0">
+              <a:buNone/>
+              <a:defRPr sz="1600" b="1"/>
+            </a:lvl8pPr>
+            <a:lvl9pPr marL="3657600" indent="0">
+              <a:buNone/>
+              <a:defRPr sz="1600" b="1"/>
+            </a:lvl9pPr>
+          </a:lstStyle>
+          <a:p>
+            <a:pPr lvl="0"/>
+            <a:r>
+              <a:rPr lang="en-US"/>
+              <a:t>Edit Master text styles</a:t>
+            </a:r>
+          </a:p>
+        </p:txBody>
+      </p:sp>
+      <p:sp>
+        <p:nvSpPr>
+          <p:cNvPr id="20" name="Picture Placeholder 2"/>
+          <p:cNvSpPr>
+            <a:spLocks noGrp="1" noChangeAspect="1"/>
+          </p:cNvSpPr>
+          <p:nvPr>
+            <p:ph type="pic" idx="15"/>
+          </p:nvPr>
+        </p:nvSpPr>
+        <p:spPr>
+          <a:xfrm>
+            <a:off x="685780" y="2063395"/>
+            <a:ext cx="3310128" cy="1536725"/>
+          </a:xfrm>
+          <a:prstGeom prst="roundRect">
+            <a:avLst>
+              <a:gd name="adj" fmla="val 0"/>
+            </a:avLst>
+          </a:prstGeom>
+          <a:ln w="57150" cmpd="thinThick">
+            <a:solidFill>
+              <a:schemeClr val="bg1">
+                <a:lumMod val="50000"/>
+              </a:schemeClr>
+            </a:solidFill>
+            <a:miter lim="800000"/>
+          </a:ln>
+        </p:spPr>
+        <p:txBody>
+          <a:bodyPr anchor="t">
+            <a:normAutofit/>
+          </a:bodyPr>
+          <a:lstStyle>
+            <a:lvl1pPr marL="0" indent="0" algn="ctr">
+              <a:buNone/>
+              <a:defRPr sz="1600"/>
+            </a:lvl1pPr>
+            <a:lvl2pPr marL="457200" indent="0">
+              <a:buNone/>
+              <a:defRPr sz="1600"/>
+            </a:lvl2pPr>
+            <a:lvl3pPr marL="914400" indent="0">
+              <a:buNone/>
+              <a:defRPr sz="1600"/>
+            </a:lvl3pPr>
+            <a:lvl4pPr marL="1371600" indent="0">
+              <a:buNone/>
+              <a:defRPr sz="1600"/>
+            </a:lvl4pPr>
+            <a:lvl5pPr marL="1828800" indent="0">
+              <a:buNone/>
+              <a:defRPr sz="1600"/>
+            </a:lvl5pPr>
+            <a:lvl6pPr marL="2286000" indent="0">
+              <a:buNone/>
+              <a:defRPr sz="1600"/>
+            </a:lvl6pPr>
+            <a:lvl7pPr marL="2743200" indent="0">
+              <a:buNone/>
+              <a:defRPr sz="1600"/>
+            </a:lvl7pPr>
+            <a:lvl8pPr marL="3200400" indent="0">
+              <a:buNone/>
+              <a:defRPr sz="1600"/>
+            </a:lvl8pPr>
+            <a:lvl9pPr marL="3657600" indent="0">
+              <a:buNone/>
+              <a:defRPr sz="1600"/>
+            </a:lvl9pPr>
+          </a:lstStyle>
+          <a:p>
+            <a:r>
+              <a:rPr lang="en-US"/>
+              <a:t>Click icon to add picture</a:t>
+            </a:r>
+            <a:endParaRPr lang="en-US" dirty="0"/>
+          </a:p>
+        </p:txBody>
+      </p:sp>
+      <p:sp>
+        <p:nvSpPr>
+          <p:cNvPr id="21" name="Text Placeholder 3"/>
+          <p:cNvSpPr>
+            <a:spLocks noGrp="1"/>
+          </p:cNvSpPr>
+          <p:nvPr>
+            <p:ph type="body" sz="half" idx="18"/>
+          </p:nvPr>
+        </p:nvSpPr>
+        <p:spPr>
+          <a:xfrm>
+            <a:off x="691840" y="4389287"/>
+            <a:ext cx="3310128" cy="985299"/>
+          </a:xfrm>
+        </p:spPr>
+        <p:txBody>
+          <a:bodyPr anchor="t">
+            <a:normAutofit/>
+          </a:bodyPr>
+          <a:lstStyle>
+            <a:lvl1pPr marL="0" indent="0" algn="ctr">
+              <a:buNone/>
+              <a:defRPr sz="1400"/>
+            </a:lvl1pPr>
+            <a:lvl2pPr marL="457200" indent="0">
+              <a:buNone/>
+              <a:defRPr sz="1200"/>
+            </a:lvl2pPr>
+            <a:lvl3pPr marL="914400" indent="0">
+              <a:buNone/>
+              <a:defRPr sz="1000"/>
+            </a:lvl3pPr>
+            <a:lvl4pPr marL="1371600" indent="0">
+              <a:buNone/>
+              <a:defRPr sz="900"/>
+            </a:lvl4pPr>
+            <a:lvl5pPr marL="1828800" indent="0">
+              <a:buNone/>
+              <a:defRPr sz="900"/>
+            </a:lvl5pPr>
+            <a:lvl6pPr marL="2286000" indent="0">
+              <a:buNone/>
+              <a:defRPr sz="900"/>
+            </a:lvl6pPr>
+            <a:lvl7pPr marL="2743200" indent="0">
+              <a:buNone/>
+              <a:defRPr sz="900"/>
+            </a:lvl7pPr>
+            <a:lvl8pPr marL="3200400" indent="0">
+              <a:buNone/>
+              <a:defRPr sz="900"/>
+            </a:lvl8pPr>
+            <a:lvl9pPr marL="3657600" indent="0">
+              <a:buNone/>
+              <a:defRPr sz="900"/>
+            </a:lvl9pPr>
+          </a:lstStyle>
+          <a:p>
+            <a:pPr lvl="0"/>
+            <a:r>
+              <a:rPr lang="en-US"/>
+              <a:t>Edit Master text styles</a:t>
+            </a:r>
+          </a:p>
+        </p:txBody>
+      </p:sp>
+      <p:sp>
+        <p:nvSpPr>
+          <p:cNvPr id="22" name="Text Placeholder 4"/>
+          <p:cNvSpPr>
+            <a:spLocks noGrp="1"/>
+          </p:cNvSpPr>
+          <p:nvPr>
+            <p:ph type="body" sz="quarter" idx="3"/>
+          </p:nvPr>
+        </p:nvSpPr>
+        <p:spPr>
+          <a:xfrm>
+            <a:off x="4237410" y="3813025"/>
+            <a:ext cx="3310128" cy="576262"/>
+          </a:xfrm>
+        </p:spPr>
+        <p:txBody>
+          <a:bodyPr anchor="b">
+            <a:noAutofit/>
+          </a:bodyPr>
+          <a:lstStyle>
+            <a:lvl1pPr marL="0" indent="0" algn="ctr">
+              <a:lnSpc>
+                <a:spcPct val="90000"/>
+              </a:lnSpc>
+              <a:buNone/>
+              <a:defRPr sz="2200" b="0">
+                <a:solidFill>
+                  <a:schemeClr val="accent1"/>
+                </a:solidFill>
+              </a:defRPr>
+            </a:lvl1pPr>
+            <a:lvl2pPr marL="457200" indent="0">
+              <a:buNone/>
+              <a:defRPr sz="2000" b="1"/>
+            </a:lvl2pPr>
+            <a:lvl3pPr marL="914400" indent="0">
+              <a:buNone/>
+              <a:defRPr sz="1800" b="1"/>
+            </a:lvl3pPr>
+            <a:lvl4pPr marL="1371600" indent="0">
+              <a:buNone/>
+              <a:defRPr sz="1600" b="1"/>
+            </a:lvl4pPr>
+            <a:lvl5pPr marL="1828800" indent="0">
+              <a:buNone/>
+              <a:defRPr sz="1600" b="1"/>
+            </a:lvl5pPr>
+            <a:lvl6pPr marL="2286000" indent="0">
+              <a:buNone/>
+              <a:defRPr sz="1600" b="1"/>
+            </a:lvl6pPr>
+            <a:lvl7pPr marL="2743200" indent="0">
+              <a:buNone/>
+              <a:defRPr sz="1600" b="1"/>
+            </a:lvl7pPr>
+            <a:lvl8pPr marL="3200400" indent="0">
+              <a:buNone/>
+              <a:defRPr sz="1600" b="1"/>
+            </a:lvl8pPr>
+            <a:lvl9pPr marL="3657600" indent="0">
+              <a:buNone/>
+              <a:defRPr sz="1600" b="1"/>
+            </a:lvl9pPr>
+          </a:lstStyle>
+          <a:p>
+            <a:pPr lvl="0"/>
+            <a:r>
+              <a:rPr lang="en-US"/>
+              <a:t>Edit Master text styles</a:t>
+            </a:r>
+          </a:p>
+        </p:txBody>
+      </p:sp>
+      <p:sp>
+        <p:nvSpPr>
+          <p:cNvPr id="23" name="Picture Placeholder 2"/>
+          <p:cNvSpPr>
+            <a:spLocks noGrp="1" noChangeAspect="1"/>
+          </p:cNvSpPr>
+          <p:nvPr>
+            <p:ph type="pic" idx="21"/>
+          </p:nvPr>
+        </p:nvSpPr>
+        <p:spPr>
+          <a:xfrm>
+            <a:off x="4235999" y="2063395"/>
+            <a:ext cx="3310128" cy="1535237"/>
+          </a:xfrm>
+          <a:prstGeom prst="roundRect">
+            <a:avLst>
+              <a:gd name="adj" fmla="val 0"/>
+            </a:avLst>
+          </a:prstGeom>
+          <a:ln w="57150" cmpd="thinThick">
+            <a:solidFill>
+              <a:schemeClr val="bg1">
+                <a:lumMod val="50000"/>
+              </a:schemeClr>
+            </a:solidFill>
+            <a:miter lim="800000"/>
+          </a:ln>
+        </p:spPr>
+        <p:txBody>
+          <a:bodyPr anchor="t">
+            <a:normAutofit/>
+          </a:bodyPr>
+          <a:lstStyle>
+            <a:lvl1pPr marL="0" indent="0" algn="ctr">
+              <a:buNone/>
+              <a:defRPr sz="1600"/>
+            </a:lvl1pPr>
+            <a:lvl2pPr marL="457200" indent="0">
+              <a:buNone/>
+              <a:defRPr sz="1600"/>
+            </a:lvl2pPr>
+            <a:lvl3pPr marL="914400" indent="0">
+              <a:buNone/>
+              <a:defRPr sz="1600"/>
+            </a:lvl3pPr>
+            <a:lvl4pPr marL="1371600" indent="0">
+              <a:buNone/>
+              <a:defRPr sz="1600"/>
+            </a:lvl4pPr>
+            <a:lvl5pPr marL="1828800" indent="0">
+              <a:buNone/>
+              <a:defRPr sz="1600"/>
+            </a:lvl5pPr>
+            <a:lvl6pPr marL="2286000" indent="0">
+              <a:buNone/>
+              <a:defRPr sz="1600"/>
+            </a:lvl6pPr>
+            <a:lvl7pPr marL="2743200" indent="0">
+              <a:buNone/>
+              <a:defRPr sz="1600"/>
+            </a:lvl7pPr>
+            <a:lvl8pPr marL="3200400" indent="0">
+              <a:buNone/>
+              <a:defRPr sz="1600"/>
+            </a:lvl8pPr>
+            <a:lvl9pPr marL="3657600" indent="0">
+              <a:buNone/>
+              <a:defRPr sz="1600"/>
+            </a:lvl9pPr>
+          </a:lstStyle>
+          <a:p>
+            <a:r>
+              <a:rPr lang="en-US"/>
+              <a:t>Click icon to add picture</a:t>
+            </a:r>
+            <a:endParaRPr lang="en-US" dirty="0"/>
+          </a:p>
+        </p:txBody>
+      </p:sp>
+      <p:sp>
+        <p:nvSpPr>
+          <p:cNvPr id="24" name="Text Placeholder 3"/>
+          <p:cNvSpPr>
+            <a:spLocks noGrp="1"/>
+          </p:cNvSpPr>
+          <p:nvPr>
+            <p:ph type="body" sz="half" idx="19"/>
+          </p:nvPr>
+        </p:nvSpPr>
+        <p:spPr>
+          <a:xfrm>
+            <a:off x="4235999" y="4389286"/>
+            <a:ext cx="3310128" cy="985300"/>
+          </a:xfrm>
+        </p:spPr>
+        <p:txBody>
+          <a:bodyPr anchor="t">
+            <a:normAutofit/>
+          </a:bodyPr>
+          <a:lstStyle>
+            <a:lvl1pPr marL="0" indent="0" algn="ctr">
+              <a:buNone/>
+              <a:defRPr sz="1400"/>
+            </a:lvl1pPr>
+            <a:lvl2pPr marL="457200" indent="0">
+              <a:buNone/>
+              <a:defRPr sz="1200"/>
+            </a:lvl2pPr>
+            <a:lvl3pPr marL="914400" indent="0">
+              <a:buNone/>
+              <a:defRPr sz="1000"/>
+            </a:lvl3pPr>
+            <a:lvl4pPr marL="1371600" indent="0">
+              <a:buNone/>
+              <a:defRPr sz="900"/>
+            </a:lvl4pPr>
+            <a:lvl5pPr marL="1828800" indent="0">
+              <a:buNone/>
+              <a:defRPr sz="900"/>
+            </a:lvl5pPr>
+            <a:lvl6pPr marL="2286000" indent="0">
+              <a:buNone/>
+              <a:defRPr sz="900"/>
+            </a:lvl6pPr>
+            <a:lvl7pPr marL="2743200" indent="0">
+              <a:buNone/>
+              <a:defRPr sz="900"/>
+            </a:lvl7pPr>
+            <a:lvl8pPr marL="3200400" indent="0">
+              <a:buNone/>
+              <a:defRPr sz="900"/>
+            </a:lvl8pPr>
+            <a:lvl9pPr marL="3657600" indent="0">
+              <a:buNone/>
+              <a:defRPr sz="900"/>
+            </a:lvl9pPr>
+          </a:lstStyle>
+          <a:p>
+            <a:pPr lvl="0"/>
+            <a:r>
+              <a:rPr lang="en-US"/>
+              <a:t>Edit Master text styles</a:t>
+            </a:r>
+          </a:p>
+        </p:txBody>
+      </p:sp>
+      <p:sp>
+        <p:nvSpPr>
+          <p:cNvPr id="25" name="Text Placeholder 4"/>
+          <p:cNvSpPr>
+            <a:spLocks noGrp="1"/>
+          </p:cNvSpPr>
+          <p:nvPr>
+            <p:ph type="body" sz="quarter" idx="13"/>
+          </p:nvPr>
+        </p:nvSpPr>
+        <p:spPr>
+          <a:xfrm>
+            <a:off x="7768944" y="3813025"/>
+            <a:ext cx="3310128" cy="576262"/>
+          </a:xfrm>
+        </p:spPr>
+        <p:txBody>
+          <a:bodyPr anchor="b">
+            <a:noAutofit/>
+          </a:bodyPr>
+          <a:lstStyle>
+            <a:lvl1pPr marL="0" indent="0" algn="ctr">
+              <a:lnSpc>
+                <a:spcPct val="90000"/>
+              </a:lnSpc>
+              <a:buNone/>
+              <a:defRPr sz="2200" b="0">
+                <a:solidFill>
+                  <a:schemeClr val="accent1"/>
+                </a:solidFill>
+              </a:defRPr>
+            </a:lvl1pPr>
+            <a:lvl2pPr marL="457200" indent="0">
+              <a:buNone/>
+              <a:defRPr sz="2000" b="1"/>
+            </a:lvl2pPr>
+            <a:lvl3pPr marL="914400" indent="0">
+              <a:buNone/>
+              <a:defRPr sz="1800" b="1"/>
+            </a:lvl3pPr>
+            <a:lvl4pPr marL="1371600" indent="0">
+              <a:buNone/>
+              <a:defRPr sz="1600" b="1"/>
+            </a:lvl4pPr>
+            <a:lvl5pPr marL="1828800" indent="0">
+              <a:buNone/>
+              <a:defRPr sz="1600" b="1"/>
+            </a:lvl5pPr>
+            <a:lvl6pPr marL="2286000" indent="0">
+              <a:buNone/>
+              <a:defRPr sz="1600" b="1"/>
+            </a:lvl6pPr>
+            <a:lvl7pPr marL="2743200" indent="0">
+              <a:buNone/>
+              <a:defRPr sz="1600" b="1"/>
+            </a:lvl7pPr>
+            <a:lvl8pPr marL="3200400" indent="0">
+              <a:buNone/>
+              <a:defRPr sz="1600" b="1"/>
+            </a:lvl8pPr>
+            <a:lvl9pPr marL="3657600" indent="0">
+              <a:buNone/>
+              <a:defRPr sz="1600" b="1"/>
+            </a:lvl9pPr>
+          </a:lstStyle>
+          <a:p>
+            <a:pPr lvl="0"/>
+            <a:r>
+              <a:rPr lang="en-US"/>
+              <a:t>Edit Master text styles</a:t>
+            </a:r>
+          </a:p>
+        </p:txBody>
+      </p:sp>
+      <p:sp>
+        <p:nvSpPr>
+          <p:cNvPr id="26" name="Picture Placeholder 2"/>
+          <p:cNvSpPr>
+            <a:spLocks noGrp="1" noChangeAspect="1"/>
+          </p:cNvSpPr>
+          <p:nvPr>
+            <p:ph type="pic" idx="22"/>
+          </p:nvPr>
+        </p:nvSpPr>
+        <p:spPr>
+          <a:xfrm>
+            <a:off x="7768819" y="2063394"/>
+            <a:ext cx="3310128" cy="1537196"/>
+          </a:xfrm>
+          <a:prstGeom prst="roundRect">
+            <a:avLst>
+              <a:gd name="adj" fmla="val 0"/>
+            </a:avLst>
+          </a:prstGeom>
+          <a:ln w="57150" cmpd="thinThick">
+            <a:solidFill>
+              <a:schemeClr val="bg1">
+                <a:lumMod val="50000"/>
+              </a:schemeClr>
+            </a:solidFill>
+            <a:miter lim="800000"/>
+          </a:ln>
+        </p:spPr>
+        <p:txBody>
+          <a:bodyPr anchor="t">
+            <a:normAutofit/>
+          </a:bodyPr>
+          <a:lstStyle>
+            <a:lvl1pPr marL="0" indent="0" algn="ctr">
+              <a:buNone/>
+              <a:defRPr sz="1600"/>
+            </a:lvl1pPr>
+            <a:lvl2pPr marL="457200" indent="0">
+              <a:buNone/>
+              <a:defRPr sz="1600"/>
+            </a:lvl2pPr>
+            <a:lvl3pPr marL="914400" indent="0">
+              <a:buNone/>
+              <a:defRPr sz="1600"/>
+            </a:lvl3pPr>
+            <a:lvl4pPr marL="1371600" indent="0">
+              <a:buNone/>
+              <a:defRPr sz="1600"/>
+            </a:lvl4pPr>
+            <a:lvl5pPr marL="1828800" indent="0">
+              <a:buNone/>
+              <a:defRPr sz="1600"/>
+            </a:lvl5pPr>
+            <a:lvl6pPr marL="2286000" indent="0">
+              <a:buNone/>
+              <a:defRPr sz="1600"/>
+            </a:lvl6pPr>
+            <a:lvl7pPr marL="2743200" indent="0">
+              <a:buNone/>
+              <a:defRPr sz="1600"/>
+            </a:lvl7pPr>
+            <a:lvl8pPr marL="3200400" indent="0">
+              <a:buNone/>
+              <a:defRPr sz="1600"/>
+            </a:lvl8pPr>
+            <a:lvl9pPr marL="3657600" indent="0">
+              <a:buNone/>
+              <a:defRPr sz="1600"/>
+            </a:lvl9pPr>
+          </a:lstStyle>
+          <a:p>
+            <a:r>
+              <a:rPr lang="en-US"/>
+              <a:t>Click icon to add picture</a:t>
+            </a:r>
+            <a:endParaRPr lang="en-US" dirty="0"/>
+          </a:p>
+        </p:txBody>
+      </p:sp>
+      <p:sp>
+        <p:nvSpPr>
+          <p:cNvPr id="27" name="Text Placeholder 3"/>
+          <p:cNvSpPr>
+            <a:spLocks noGrp="1"/>
+          </p:cNvSpPr>
+          <p:nvPr>
+            <p:ph type="body" sz="half" idx="20"/>
+          </p:nvPr>
+        </p:nvSpPr>
+        <p:spPr>
+          <a:xfrm>
+            <a:off x="7768819" y="4389284"/>
+            <a:ext cx="3310128" cy="985302"/>
+          </a:xfrm>
+        </p:spPr>
+        <p:txBody>
+          <a:bodyPr anchor="t">
+            <a:normAutofit/>
+          </a:bodyPr>
+          <a:lstStyle>
+            <a:lvl1pPr marL="0" indent="0" algn="ctr">
+              <a:buNone/>
+              <a:defRPr sz="1400"/>
+            </a:lvl1pPr>
+            <a:lvl2pPr marL="457200" indent="0">
+              <a:buNone/>
+              <a:defRPr sz="1200"/>
+            </a:lvl2pPr>
+            <a:lvl3pPr marL="914400" indent="0">
+              <a:buNone/>
+              <a:defRPr sz="1000"/>
+            </a:lvl3pPr>
+            <a:lvl4pPr marL="1371600" indent="0">
+              <a:buNone/>
+              <a:defRPr sz="900"/>
+            </a:lvl4pPr>
+            <a:lvl5pPr marL="1828800" indent="0">
+              <a:buNone/>
+              <a:defRPr sz="900"/>
+            </a:lvl5pPr>
+            <a:lvl6pPr marL="2286000" indent="0">
+              <a:buNone/>
+              <a:defRPr sz="900"/>
+            </a:lvl6pPr>
+            <a:lvl7pPr marL="2743200" indent="0">
+              <a:buNone/>
+              <a:defRPr sz="900"/>
+            </a:lvl7pPr>
+            <a:lvl8pPr marL="3200400" indent="0">
+              <a:buNone/>
+              <a:defRPr sz="900"/>
+            </a:lvl8pPr>
+            <a:lvl9pPr marL="3657600" indent="0">
+              <a:buNone/>
+              <a:defRPr sz="900"/>
+            </a:lvl9pPr>
+          </a:lstStyle>
+          <a:p>
+            <a:pPr lvl="0"/>
+            <a:r>
+              <a:rPr lang="en-US"/>
+              <a:t>Edit Master text styles</a:t>
+            </a:r>
+          </a:p>
+        </p:txBody>
+      </p:sp>
+      <p:sp>
+        <p:nvSpPr>
+          <p:cNvPr id="3" name="Date Placeholder 2"/>
+          <p:cNvSpPr>
+            <a:spLocks noGrp="1"/>
+          </p:cNvSpPr>
+          <p:nvPr>
+            <p:ph type="dt" sz="half" idx="10"/>
+          </p:nvPr>
+        </p:nvSpPr>
+        <p:spPr/>
+        <p:txBody>
+          <a:bodyPr/>
+          <a:lstStyle/>
+          <a:p>
+            <a:fld id="{3CBC1C18-307B-4F68-A007-B5B542270E8D}" type="datetimeFigureOut">
+              <a:rPr lang="en-US" smtClean="0"/>
+              <a:t>4/30/2018</a:t>
+            </a:fld>
+            <a:endParaRPr lang="en-US" dirty="0"/>
+          </a:p>
+        </p:txBody>
+      </p:sp>
+      <p:sp>
+        <p:nvSpPr>
+          <p:cNvPr id="4" name="Footer Placeholder 3"/>
+          <p:cNvSpPr>
+            <a:spLocks noGrp="1"/>
+          </p:cNvSpPr>
+          <p:nvPr>
+            <p:ph type="ftr" sz="quarter" idx="11"/>
+          </p:nvPr>
+        </p:nvSpPr>
+        <p:spPr/>
+        <p:txBody>
+          <a:bodyPr/>
+          <a:lstStyle/>
+          <a:p>
+            <a:r>
+              <a:rPr lang="en-US"/>
+              <a:t>
+              </a:t>
+            </a:r>
+            <a:endParaRPr lang="en-US" dirty="0"/>
+          </a:p>
+        </p:txBody>
+      </p:sp>
+      <p:sp>
+        <p:nvSpPr>
+          <p:cNvPr id="5" name="Slide Number Placeholder 4"/>
+          <p:cNvSpPr>
+            <a:spLocks noGrp="1"/>
+          </p:cNvSpPr>
+          <p:nvPr>
+            <p:ph type="sldNum" sz="quarter" idx="12"/>
+          </p:nvPr>
+        </p:nvSpPr>
+        <p:spPr/>
+        <p:txBody>
+          <a:bodyPr/>
+          <a:lstStyle/>
+          <a:p>
+            <a:fld id="{6D22F896-40B5-4ADD-8801-0D06FADFA095}" type="slidenum">
+              <a:rPr lang="en-US" smtClean="0"/>
+              <a:pPr/>
+              <a:t>‹#›</a:t>
+            </a:fld>
+            <a:endParaRPr lang="en-US" dirty="0"/>
+          </a:p>
+        </p:txBody>
+      </p:sp>
+    </p:spTree>
+    <p:extLst>
+      <p:ext uri="{BB962C8B-B14F-4D97-AF65-F5344CB8AC3E}">
+        <p14:creationId xmlns:p14="http://schemas.microsoft.com/office/powerpoint/2010/main" val="3201801501"/>
+      </p:ext>
+    </p:extLst>
+  </p:cSld>
+  <p:clrMapOvr>
+    <a:masterClrMapping/>
+  </p:clrMapOvr>
+  <p:hf sldNum="0" hdr="0" ftr="0" dt="0"/>
+</p:sldLayout>
+</file>
+
+<file path=ppt/slideLayouts/slideLayout16.xml><?xml version="1.0" encoding="utf-8"?>
 <p:sldLayout xmlns:a="http://schemas.openxmlformats.org/drawingml/2006/main" xmlns:r="http://schemas.openxmlformats.org/officeDocument/2006/relationships" xmlns:p="http://schemas.openxmlformats.org/presentationml/2006/main" type="vertTx" preserve="1">
   <p:cSld name="Title and Vertical Text">
     <p:spTree>
@@ -454,211 +3464,119 @@
       </p:grpSpPr>
       <p:sp>
         <p:nvSpPr>
-          <p:cNvPr id="14" name="Rectangle 13"/>
-          <p:cNvSpPr/>
-          <p:nvPr/>
+          <p:cNvPr id="2" name="Title 1"/>
+          <p:cNvSpPr>
+            <a:spLocks noGrp="1"/>
+          </p:cNvSpPr>
+          <p:nvPr>
+            <p:ph type="title"/>
+          </p:nvPr>
+        </p:nvSpPr>
+        <p:spPr/>
+        <p:txBody>
+          <a:bodyPr/>
+          <a:lstStyle>
+            <a:lvl1pPr algn="r">
+              <a:defRPr/>
+            </a:lvl1pPr>
+          </a:lstStyle>
+          <a:p>
+            <a:r>
+              <a:rPr lang="en-US"/>
+              <a:t>Click to edit Master title style</a:t>
+            </a:r>
+            <a:endParaRPr lang="en-US" dirty="0"/>
+          </a:p>
+        </p:txBody>
+      </p:sp>
+      <p:sp>
+        <p:nvSpPr>
+          <p:cNvPr id="11" name="Vertical Text Placeholder 2"/>
+          <p:cNvSpPr>
+            <a:spLocks noGrp="1"/>
+          </p:cNvSpPr>
+          <p:nvPr>
+            <p:ph type="body" orient="vert" sz="quarter" idx="13"/>
+          </p:nvPr>
         </p:nvSpPr>
         <p:spPr>
           <a:xfrm>
-            <a:off x="1004479" y="0"/>
-            <a:ext cx="10372316" cy="6858000"/>
-          </a:xfrm>
-          <a:prstGeom prst="rect">
-            <a:avLst/>
-          </a:prstGeom>
-          <a:solidFill>
-            <a:schemeClr val="bg2">
-              <a:alpha val="92000"/>
-            </a:schemeClr>
-          </a:solidFill>
-          <a:ln>
-            <a:noFill/>
-          </a:ln>
-        </p:spPr>
-        <p:style>
-          <a:lnRef idx="2">
-            <a:schemeClr val="accent1">
-              <a:shade val="50000"/>
-            </a:schemeClr>
-          </a:lnRef>
-          <a:fillRef idx="1">
-            <a:schemeClr val="accent1"/>
-          </a:fillRef>
-          <a:effectRef idx="0">
-            <a:schemeClr val="accent1"/>
-          </a:effectRef>
-          <a:fontRef idx="minor">
-            <a:schemeClr val="lt1"/>
-          </a:fontRef>
-        </p:style>
-      </p:sp>
-      <p:sp>
-        <p:nvSpPr>
-          <p:cNvPr id="15" name="Rectangle 14"/>
-          <p:cNvSpPr/>
-          <p:nvPr/>
-        </p:nvSpPr>
-        <p:spPr>
-          <a:xfrm>
-            <a:off x="11377328" y="0"/>
-            <a:ext cx="27432" cy="6858000"/>
-          </a:xfrm>
-          <a:prstGeom prst="rect">
-            <a:avLst/>
-          </a:prstGeom>
-          <a:solidFill>
-            <a:schemeClr val="accent6"/>
-          </a:solidFill>
-          <a:ln>
-            <a:noFill/>
-          </a:ln>
-        </p:spPr>
-        <p:style>
-          <a:lnRef idx="2">
-            <a:schemeClr val="accent1">
-              <a:shade val="50000"/>
-            </a:schemeClr>
-          </a:lnRef>
-          <a:fillRef idx="1">
-            <a:schemeClr val="accent1"/>
-          </a:fillRef>
-          <a:effectRef idx="0">
-            <a:schemeClr val="accent1"/>
-          </a:effectRef>
-          <a:fontRef idx="minor">
-            <a:schemeClr val="lt1"/>
-          </a:fontRef>
-        </p:style>
-      </p:sp>
-      <p:sp>
-        <p:nvSpPr>
-          <p:cNvPr id="9" name="TextBox 8"/>
-          <p:cNvSpPr txBox="1"/>
-          <p:nvPr/>
-        </p:nvSpPr>
-        <p:spPr>
-          <a:xfrm>
-            <a:off x="2194236" y="641225"/>
-            <a:ext cx="415636" cy="369332"/>
-          </a:xfrm>
-          <a:prstGeom prst="rect">
-            <a:avLst/>
-          </a:prstGeom>
-          <a:noFill/>
-        </p:spPr>
-        <p:txBody>
-          <a:bodyPr wrap="square" rtlCol="0">
-            <a:spAutoFit/>
-          </a:bodyPr>
-          <a:lstStyle/>
-          <a:p>
-            <a:pPr algn="r"/>
-            <a:r>
-              <a:rPr lang="en-US" sz="1800" dirty="0">
-                <a:solidFill>
-                  <a:schemeClr val="accent6"/>
-                </a:solidFill>
-                <a:latin typeface="Wingdings 3" panose="05040102010807070707" pitchFamily="18" charset="2"/>
-              </a:rPr>
-              <a:t>z</a:t>
-            </a:r>
-            <a:endParaRPr lang="en-US" sz="1000" dirty="0">
-              <a:solidFill>
-                <a:schemeClr val="accent6"/>
-              </a:solidFill>
-              <a:latin typeface="MS Shell Dlg 2" panose="020B0604030504040204" pitchFamily="34" charset="0"/>
-            </a:endParaRPr>
-          </a:p>
-        </p:txBody>
-      </p:sp>
-      <p:sp>
-        <p:nvSpPr>
-          <p:cNvPr id="2" name="Title 1"/>
-          <p:cNvSpPr>
-            <a:spLocks noGrp="1"/>
-          </p:cNvSpPr>
-          <p:nvPr>
-            <p:ph type="title"/>
-          </p:nvPr>
-        </p:nvSpPr>
-        <p:spPr>
-          <a:xfrm>
-            <a:off x="2611808" y="808056"/>
-            <a:ext cx="7954091" cy="1077229"/>
+            <a:off x="685800" y="2063396"/>
+            <a:ext cx="10394707" cy="3311190"/>
           </a:xfrm>
         </p:spPr>
         <p:txBody>
+          <a:bodyPr vert="eaVert" anchor="t"/>
+          <a:lstStyle/>
+          <a:p>
+            <a:pPr lvl="0"/>
+            <a:r>
+              <a:rPr lang="en-US"/>
+              <a:t>Edit Master text styles</a:t>
+            </a:r>
+          </a:p>
+          <a:p>
+            <a:pPr lvl="1"/>
+            <a:r>
+              <a:rPr lang="en-US"/>
+              <a:t>Second level</a:t>
+            </a:r>
+          </a:p>
+          <a:p>
+            <a:pPr lvl="2"/>
+            <a:r>
+              <a:rPr lang="en-US"/>
+              <a:t>Third level</a:t>
+            </a:r>
+          </a:p>
+          <a:p>
+            <a:pPr lvl="3"/>
+            <a:r>
+              <a:rPr lang="en-US"/>
+              <a:t>Fourth level</a:t>
+            </a:r>
+          </a:p>
+          <a:p>
+            <a:pPr lvl="4"/>
+            <a:r>
+              <a:rPr lang="en-US"/>
+              <a:t>Fifth level</a:t>
+            </a:r>
+            <a:endParaRPr lang="en-US" dirty="0"/>
+          </a:p>
+        </p:txBody>
+      </p:sp>
+      <p:sp>
+        <p:nvSpPr>
+          <p:cNvPr id="4" name="Date Placeholder 3"/>
+          <p:cNvSpPr>
+            <a:spLocks noGrp="1"/>
+          </p:cNvSpPr>
+          <p:nvPr>
+            <p:ph type="dt" sz="half" idx="10"/>
+          </p:nvPr>
+        </p:nvSpPr>
+        <p:spPr/>
+        <p:txBody>
           <a:bodyPr/>
           <a:lstStyle/>
           <a:p>
-            <a:r>
-              <a:rPr lang="en-US"/>
-              <a:t>Click to edit Master title style</a:t>
-            </a:r>
+            <a:fld id="{D857E33E-8B18-4087-B112-809917729534}" type="datetimeFigureOut">
+              <a:rPr lang="en-US" smtClean="0"/>
+              <a:t>4/30/2018</a:t>
+            </a:fld>
             <a:endParaRPr lang="en-US" dirty="0"/>
           </a:p>
         </p:txBody>
       </p:sp>
       <p:sp>
         <p:nvSpPr>
-          <p:cNvPr id="3" name="Vertical Text Placeholder 2"/>
-          <p:cNvSpPr>
-            <a:spLocks noGrp="1"/>
-          </p:cNvSpPr>
-          <p:nvPr>
-            <p:ph type="body" orient="vert" idx="1"/>
-          </p:nvPr>
-        </p:nvSpPr>
-        <p:spPr/>
-        <p:txBody>
-          <a:bodyPr vert="eaVert"/>
-          <a:lstStyle/>
-          <a:p>
-            <a:pPr lvl="0"/>
-            <a:r>
-              <a:rPr lang="en-US"/>
-              <a:t>Edit Master text styles</a:t>
-            </a:r>
-          </a:p>
-          <a:p>
-            <a:pPr lvl="1"/>
-            <a:r>
-              <a:rPr lang="en-US"/>
-              <a:t>Second level</a:t>
-            </a:r>
-          </a:p>
-          <a:p>
-            <a:pPr lvl="2"/>
-            <a:r>
-              <a:rPr lang="en-US"/>
-              <a:t>Third level</a:t>
-            </a:r>
-          </a:p>
-          <a:p>
-            <a:pPr lvl="3"/>
-            <a:r>
-              <a:rPr lang="en-US"/>
-              <a:t>Fourth level</a:t>
-            </a:r>
-          </a:p>
-          <a:p>
-            <a:pPr lvl="4"/>
-            <a:r>
-              <a:rPr lang="en-US"/>
-              <a:t>Fifth level</a:t>
-            </a:r>
-            <a:endParaRPr lang="en-US" dirty="0"/>
-          </a:p>
-        </p:txBody>
-      </p:sp>
-      <p:sp>
-        <p:nvSpPr>
-          <p:cNvPr id="4" name="Date Placeholder 3"/>
-          <p:cNvSpPr>
-            <a:spLocks noGrp="1"/>
-          </p:cNvSpPr>
-          <p:nvPr>
-            <p:ph type="dt" sz="half" idx="10"/>
+          <p:cNvPr id="5" name="Footer Placeholder 4"/>
+          <p:cNvSpPr>
+            <a:spLocks noGrp="1"/>
+          </p:cNvSpPr>
+          <p:nvPr>
+            <p:ph type="ftr" sz="quarter" idx="11"/>
           </p:nvPr>
         </p:nvSpPr>
         <p:spPr/>
@@ -666,22 +3584,23 @@
           <a:bodyPr/>
           <a:lstStyle/>
           <a:p>
-            <a:fld id="{D857E33E-8B18-4087-B112-809917729534}" type="datetimeFigureOut">
-              <a:rPr lang="en-US" dirty="0"/>
-              <a:t>3/28/2018</a:t>
-            </a:fld>
+            <a:r>
+              <a:rPr lang="en-US"/>
+              <a:t>
+              </a:t>
+            </a:r>
             <a:endParaRPr lang="en-US" dirty="0"/>
           </a:p>
         </p:txBody>
       </p:sp>
       <p:sp>
         <p:nvSpPr>
-          <p:cNvPr id="5" name="Footer Placeholder 4"/>
-          <p:cNvSpPr>
-            <a:spLocks noGrp="1"/>
-          </p:cNvSpPr>
-          <p:nvPr>
-            <p:ph type="ftr" sz="quarter" idx="11"/>
+          <p:cNvPr id="6" name="Slide Number Placeholder 5"/>
+          <p:cNvSpPr>
+            <a:spLocks noGrp="1"/>
+          </p:cNvSpPr>
+          <p:nvPr>
+            <p:ph type="sldNum" sz="quarter" idx="12"/>
           </p:nvPr>
         </p:nvSpPr>
         <p:spPr/>
@@ -689,31 +3608,8 @@
           <a:bodyPr/>
           <a:lstStyle/>
           <a:p>
-            <a:r>
-              <a:rPr lang="en-US" dirty="0"/>
-              <a:t>
-              </a:t>
-            </a:r>
-          </a:p>
-        </p:txBody>
-      </p:sp>
-      <p:sp>
-        <p:nvSpPr>
-          <p:cNvPr id="6" name="Slide Number Placeholder 5"/>
-          <p:cNvSpPr>
-            <a:spLocks noGrp="1"/>
-          </p:cNvSpPr>
-          <p:nvPr>
-            <p:ph type="sldNum" sz="quarter" idx="12"/>
-          </p:nvPr>
-        </p:nvSpPr>
-        <p:spPr/>
-        <p:txBody>
-          <a:bodyPr/>
-          <a:lstStyle/>
-          <a:p>
             <a:fld id="{6D22F896-40B5-4ADD-8801-0D06FADFA095}" type="slidenum">
-              <a:rPr lang="en-US" dirty="0"/>
+              <a:rPr lang="en-US" smtClean="0"/>
               <a:t>‹#›</a:t>
             </a:fld>
             <a:endParaRPr lang="en-US" dirty="0"/>
@@ -721,6 +3617,11 @@
         </p:txBody>
       </p:sp>
     </p:spTree>
+    <p:extLst>
+      <p:ext uri="{BB962C8B-B14F-4D97-AF65-F5344CB8AC3E}">
+        <p14:creationId xmlns:p14="http://schemas.microsoft.com/office/powerpoint/2010/main" val="2931346385"/>
+      </p:ext>
+    </p:extLst>
   </p:cSld>
   <p:clrMapOvr>
     <a:masterClrMapping/>
@@ -728,7 +3629,7 @@
 </p:sldLayout>
 </file>
 
-<file path=ppt/slideLayouts/slideLayout11.xml><?xml version="1.0" encoding="utf-8"?>
+<file path=ppt/slideLayouts/slideLayout17.xml><?xml version="1.0" encoding="utf-8"?>
 <p:sldLayout xmlns:a="http://schemas.openxmlformats.org/drawingml/2006/main" xmlns:r="http://schemas.openxmlformats.org/officeDocument/2006/relationships" xmlns:p="http://schemas.openxmlformats.org/presentationml/2006/main" type="vertTitleAndTx" preserve="1">
   <p:cSld name="Vertical Title and Text">
     <p:spTree>
@@ -747,137 +3648,18 @@
       </p:grpSpPr>
       <p:sp>
         <p:nvSpPr>
-          <p:cNvPr id="15" name="Rectangle 14"/>
-          <p:cNvSpPr/>
-          <p:nvPr/>
+          <p:cNvPr id="2" name="Vertical Title 1"/>
+          <p:cNvSpPr>
+            <a:spLocks noGrp="1"/>
+          </p:cNvSpPr>
+          <p:nvPr>
+            <p:ph type="title" orient="vert"/>
+          </p:nvPr>
         </p:nvSpPr>
         <p:spPr>
           <a:xfrm>
-            <a:off x="1004479" y="0"/>
-            <a:ext cx="10372316" cy="6858000"/>
-          </a:xfrm>
-          <a:prstGeom prst="rect">
-            <a:avLst/>
-          </a:prstGeom>
-          <a:solidFill>
-            <a:schemeClr val="bg2">
-              <a:alpha val="92000"/>
-            </a:schemeClr>
-          </a:solidFill>
-          <a:ln>
-            <a:noFill/>
-          </a:ln>
-        </p:spPr>
-        <p:style>
-          <a:lnRef idx="2">
-            <a:schemeClr val="accent1">
-              <a:shade val="50000"/>
-            </a:schemeClr>
-          </a:lnRef>
-          <a:fillRef idx="1">
-            <a:schemeClr val="accent1"/>
-          </a:fillRef>
-          <a:effectRef idx="0">
-            <a:schemeClr val="accent1"/>
-          </a:effectRef>
-          <a:fontRef idx="minor">
-            <a:schemeClr val="lt1"/>
-          </a:fontRef>
-        </p:style>
-      </p:sp>
-      <p:sp>
-        <p:nvSpPr>
-          <p:cNvPr id="16" name="Rectangle 15"/>
-          <p:cNvSpPr/>
-          <p:nvPr/>
-        </p:nvSpPr>
-        <p:spPr>
-          <a:xfrm>
-            <a:off x="11377328" y="0"/>
-            <a:ext cx="27432" cy="6858000"/>
-          </a:xfrm>
-          <a:prstGeom prst="rect">
-            <a:avLst/>
-          </a:prstGeom>
-          <a:solidFill>
-            <a:schemeClr val="accent6"/>
-          </a:solidFill>
-          <a:ln>
-            <a:noFill/>
-          </a:ln>
-        </p:spPr>
-        <p:style>
-          <a:lnRef idx="2">
-            <a:schemeClr val="accent1">
-              <a:shade val="50000"/>
-            </a:schemeClr>
-          </a:lnRef>
-          <a:fillRef idx="1">
-            <a:schemeClr val="accent1"/>
-          </a:fillRef>
-          <a:effectRef idx="0">
-            <a:schemeClr val="accent1"/>
-          </a:effectRef>
-          <a:fontRef idx="minor">
-            <a:schemeClr val="lt1"/>
-          </a:fontRef>
-        </p:style>
-      </p:sp>
-      <p:sp>
-        <p:nvSpPr>
-          <p:cNvPr id="9" name="TextBox 8"/>
-          <p:cNvSpPr txBox="1"/>
-          <p:nvPr/>
-        </p:nvSpPr>
-        <p:spPr>
-          <a:xfrm rot="5400000">
-            <a:off x="10337141" y="416061"/>
-            <a:ext cx="415636" cy="369332"/>
-          </a:xfrm>
-          <a:prstGeom prst="rect">
-            <a:avLst/>
-          </a:prstGeom>
-          <a:noFill/>
-        </p:spPr>
-        <p:txBody>
-          <a:bodyPr wrap="square" rtlCol="0">
-            <a:spAutoFit/>
-          </a:bodyPr>
-          <a:lstStyle/>
-          <a:p>
-            <a:pPr algn="r"/>
-            <a:r>
-              <a:rPr lang="en-US" sz="1800" dirty="0">
-                <a:solidFill>
-                  <a:schemeClr val="accent6"/>
-                </a:solidFill>
-                <a:latin typeface="Wingdings 3" panose="05040102010807070707" pitchFamily="18" charset="2"/>
-              </a:rPr>
-              <a:t>z</a:t>
-            </a:r>
-            <a:endParaRPr lang="en-US" sz="1000" dirty="0">
-              <a:solidFill>
-                <a:schemeClr val="accent6"/>
-              </a:solidFill>
-              <a:latin typeface="MS Shell Dlg 2" panose="020B0604030504040204" pitchFamily="34" charset="0"/>
-            </a:endParaRPr>
-          </a:p>
-        </p:txBody>
-      </p:sp>
-      <p:sp>
-        <p:nvSpPr>
-          <p:cNvPr id="2" name="Vertical Title 1"/>
-          <p:cNvSpPr>
-            <a:spLocks noGrp="1"/>
-          </p:cNvSpPr>
-          <p:nvPr>
-            <p:ph type="title" orient="vert"/>
-          </p:nvPr>
-        </p:nvSpPr>
-        <p:spPr>
-          <a:xfrm>
-            <a:off x="9239380" y="805818"/>
-            <a:ext cx="1326519" cy="5244126"/>
+            <a:off x="8815862" y="685800"/>
+            <a:ext cx="2264646" cy="4688785"/>
           </a:xfrm>
         </p:spPr>
         <p:txBody>
@@ -898,22 +3680,22 @@
       </p:sp>
       <p:sp>
         <p:nvSpPr>
-          <p:cNvPr id="3" name="Vertical Text Placeholder 2"/>
-          <p:cNvSpPr>
-            <a:spLocks noGrp="1"/>
-          </p:cNvSpPr>
-          <p:nvPr>
-            <p:ph type="body" orient="vert" idx="1"/>
+          <p:cNvPr id="8" name="Vertical Text Placeholder 2"/>
+          <p:cNvSpPr>
+            <a:spLocks noGrp="1"/>
+          </p:cNvSpPr>
+          <p:nvPr>
+            <p:ph type="body" orient="vert" sz="quarter" idx="13"/>
           </p:nvPr>
         </p:nvSpPr>
         <p:spPr>
           <a:xfrm>
-            <a:off x="2608751" y="970410"/>
-            <a:ext cx="6466903" cy="5079534"/>
+            <a:off x="685800" y="685800"/>
+            <a:ext cx="7904431" cy="4688785"/>
           </a:xfrm>
         </p:spPr>
         <p:txBody>
-          <a:bodyPr vert="eaVert"/>
+          <a:bodyPr vert="eaVert" anchor="t"/>
           <a:lstStyle/>
           <a:p>
             <a:pPr lvl="0"/>
@@ -969,8 +3751,8 @@
           <a:lstStyle/>
           <a:p>
             <a:fld id="{D3FFE419-2371-464F-8239-3959401C3561}" type="datetimeFigureOut">
-              <a:rPr lang="en-US" dirty="0"/>
-              <a:t>3/28/2018</a:t>
+              <a:rPr lang="en-US" smtClean="0"/>
+              <a:t>4/30/2018</a:t>
             </a:fld>
             <a:endParaRPr lang="en-US" dirty="0"/>
           </a:p>
@@ -992,10 +3774,11 @@
           <a:lstStyle/>
           <a:p>
             <a:r>
-              <a:rPr lang="en-US" dirty="0"/>
+              <a:rPr lang="en-US"/>
               <a:t>
               </a:t>
             </a:r>
+            <a:endParaRPr lang="en-US" dirty="0"/>
           </a:p>
         </p:txBody>
       </p:sp>
@@ -1015,7 +3798,7 @@
           <a:lstStyle/>
           <a:p>
             <a:fld id="{6D22F896-40B5-4ADD-8801-0D06FADFA095}" type="slidenum">
-              <a:rPr lang="en-US" dirty="0"/>
+              <a:rPr lang="en-US" smtClean="0"/>
               <a:t>‹#›</a:t>
             </a:fld>
             <a:endParaRPr lang="en-US" dirty="0"/>
@@ -1023,6 +3806,11 @@
         </p:txBody>
       </p:sp>
     </p:spTree>
+    <p:extLst>
+      <p:ext uri="{BB962C8B-B14F-4D97-AF65-F5344CB8AC3E}">
+        <p14:creationId xmlns:p14="http://schemas.microsoft.com/office/powerpoint/2010/main" val="3591530456"/>
+      </p:ext>
+    </p:extLst>
   </p:cSld>
   <p:clrMapOvr>
     <a:masterClrMapping/>
@@ -1049,120 +3837,47 @@
       </p:grpSpPr>
       <p:sp>
         <p:nvSpPr>
-          <p:cNvPr id="29" name="Rectangle 28"/>
-          <p:cNvSpPr/>
-          <p:nvPr/>
+          <p:cNvPr id="2" name="Title 1"/>
+          <p:cNvSpPr>
+            <a:spLocks noGrp="1"/>
+          </p:cNvSpPr>
+          <p:nvPr>
+            <p:ph type="title"/>
+          </p:nvPr>
+        </p:nvSpPr>
+        <p:spPr/>
+        <p:txBody>
+          <a:bodyPr/>
+          <a:lstStyle/>
+          <a:p>
+            <a:r>
+              <a:rPr lang="en-US"/>
+              <a:t>Click to edit Master title style</a:t>
+            </a:r>
+            <a:endParaRPr lang="en-US" dirty="0"/>
+          </a:p>
+        </p:txBody>
+      </p:sp>
+      <p:sp>
+        <p:nvSpPr>
+          <p:cNvPr id="12" name="Content Placeholder 2"/>
+          <p:cNvSpPr>
+            <a:spLocks noGrp="1"/>
+          </p:cNvSpPr>
+          <p:nvPr>
+            <p:ph sz="quarter" idx="13"/>
+          </p:nvPr>
         </p:nvSpPr>
         <p:spPr>
           <a:xfrm>
-            <a:off x="1004479" y="0"/>
-            <a:ext cx="10372316" cy="6858000"/>
+            <a:off x="685800" y="2063396"/>
+            <a:ext cx="10394707" cy="3311189"/>
           </a:xfrm>
-          <a:prstGeom prst="rect">
-            <a:avLst/>
-          </a:prstGeom>
-          <a:solidFill>
-            <a:schemeClr val="bg2">
-              <a:alpha val="92000"/>
-            </a:schemeClr>
-          </a:solidFill>
-          <a:ln>
-            <a:noFill/>
-          </a:ln>
         </p:spPr>
-        <p:style>
-          <a:lnRef idx="2">
-            <a:schemeClr val="accent1">
-              <a:shade val="50000"/>
-            </a:schemeClr>
-          </a:lnRef>
-          <a:fillRef idx="1">
-            <a:schemeClr val="accent1"/>
-          </a:fillRef>
-          <a:effectRef idx="0">
-            <a:schemeClr val="accent1"/>
-          </a:effectRef>
-          <a:fontRef idx="minor">
-            <a:schemeClr val="lt1"/>
-          </a:fontRef>
-        </p:style>
-      </p:sp>
-      <p:sp>
-        <p:nvSpPr>
-          <p:cNvPr id="9" name="Rectangle 8"/>
-          <p:cNvSpPr/>
-          <p:nvPr/>
-        </p:nvSpPr>
-        <p:spPr>
-          <a:xfrm>
-            <a:off x="11377328" y="0"/>
-            <a:ext cx="27432" cy="6858000"/>
-          </a:xfrm>
-          <a:prstGeom prst="rect">
-            <a:avLst/>
-          </a:prstGeom>
-          <a:solidFill>
-            <a:schemeClr val="accent6"/>
-          </a:solidFill>
-          <a:ln>
-            <a:noFill/>
-          </a:ln>
-        </p:spPr>
-        <p:style>
-          <a:lnRef idx="2">
-            <a:schemeClr val="accent1">
-              <a:shade val="50000"/>
-            </a:schemeClr>
-          </a:lnRef>
-          <a:fillRef idx="1">
-            <a:schemeClr val="accent1"/>
-          </a:fillRef>
-          <a:effectRef idx="0">
-            <a:schemeClr val="accent1"/>
-          </a:effectRef>
-          <a:fontRef idx="minor">
-            <a:schemeClr val="lt1"/>
-          </a:fontRef>
-        </p:style>
-      </p:sp>
-      <p:sp>
-        <p:nvSpPr>
-          <p:cNvPr id="2" name="Title 1"/>
-          <p:cNvSpPr>
-            <a:spLocks noGrp="1"/>
-          </p:cNvSpPr>
-          <p:nvPr>
-            <p:ph type="title"/>
-          </p:nvPr>
-        </p:nvSpPr>
-        <p:spPr/>
         <p:txBody>
           <a:bodyPr/>
           <a:lstStyle/>
           <a:p>
-            <a:r>
-              <a:rPr lang="en-US"/>
-              <a:t>Click to edit Master title style</a:t>
-            </a:r>
-            <a:endParaRPr lang="en-US" dirty="0"/>
-          </a:p>
-        </p:txBody>
-      </p:sp>
-      <p:sp>
-        <p:nvSpPr>
-          <p:cNvPr id="3" name="Content Placeholder 2"/>
-          <p:cNvSpPr>
-            <a:spLocks noGrp="1"/>
-          </p:cNvSpPr>
-          <p:nvPr>
-            <p:ph idx="1"/>
-          </p:nvPr>
-        </p:nvSpPr>
-        <p:spPr/>
-        <p:txBody>
-          <a:bodyPr anchor="ctr"/>
-          <a:lstStyle/>
-          <a:p>
             <a:pPr lvl="0"/>
             <a:r>
               <a:rPr lang="en-US"/>
@@ -1216,8 +3931,8 @@
           <a:lstStyle/>
           <a:p>
             <a:fld id="{97D162C4-EDD9-4389-A98B-B87ECEA2A816}" type="datetimeFigureOut">
-              <a:rPr lang="en-US" dirty="0"/>
-              <a:t>3/28/2018</a:t>
+              <a:rPr lang="en-US" smtClean="0"/>
+              <a:t>4/30/2018</a:t>
             </a:fld>
             <a:endParaRPr lang="en-US" dirty="0"/>
           </a:p>
@@ -1239,10 +3954,11 @@
           <a:lstStyle/>
           <a:p>
             <a:r>
-              <a:rPr lang="en-US" dirty="0"/>
+              <a:rPr lang="en-US"/>
               <a:t>
               </a:t>
             </a:r>
+            <a:endParaRPr lang="en-US" dirty="0"/>
           </a:p>
         </p:txBody>
       </p:sp>
@@ -1262,55 +3978,19 @@
           <a:lstStyle/>
           <a:p>
             <a:fld id="{6D22F896-40B5-4ADD-8801-0D06FADFA095}" type="slidenum">
-              <a:rPr lang="en-US" dirty="0"/>
+              <a:rPr lang="en-US" smtClean="0"/>
               <a:t>‹#›</a:t>
             </a:fld>
             <a:endParaRPr lang="en-US" dirty="0"/>
           </a:p>
         </p:txBody>
       </p:sp>
-      <p:sp>
-        <p:nvSpPr>
-          <p:cNvPr id="7" name="TextBox 6"/>
-          <p:cNvSpPr txBox="1"/>
-          <p:nvPr/>
-        </p:nvSpPr>
-        <p:spPr>
-          <a:xfrm>
-            <a:off x="2194943" y="641225"/>
-            <a:ext cx="415636" cy="369332"/>
-          </a:xfrm>
-          <a:prstGeom prst="rect">
-            <a:avLst/>
-          </a:prstGeom>
-          <a:noFill/>
-        </p:spPr>
-        <p:txBody>
-          <a:bodyPr wrap="square" rtlCol="0">
-            <a:spAutoFit/>
-          </a:bodyPr>
-          <a:lstStyle/>
-          <a:p>
-            <a:pPr algn="r"/>
-            <a:r>
-              <a:rPr lang="en-US" sz="1800" dirty="0">
-                <a:solidFill>
-                  <a:schemeClr val="accent6"/>
-                </a:solidFill>
-                <a:latin typeface="Wingdings 3" panose="05040102010807070707" pitchFamily="18" charset="2"/>
-              </a:rPr>
-              <a:t>z</a:t>
-            </a:r>
-            <a:endParaRPr lang="en-US" sz="1000" dirty="0">
-              <a:solidFill>
-                <a:schemeClr val="accent6"/>
-              </a:solidFill>
-              <a:latin typeface="MS Shell Dlg 2" panose="020B0604030504040204" pitchFamily="34" charset="0"/>
-            </a:endParaRPr>
-          </a:p>
-        </p:txBody>
-      </p:sp>
     </p:spTree>
+    <p:extLst>
+      <p:ext uri="{BB962C8B-B14F-4D97-AF65-F5344CB8AC3E}">
+        <p14:creationId xmlns:p14="http://schemas.microsoft.com/office/powerpoint/2010/main" val="3030989597"/>
+      </p:ext>
+    </p:extLst>
   </p:cSld>
   <p:clrMapOvr>
     <a:masterClrMapping/>
@@ -1337,137 +4017,52 @@
       </p:grpSpPr>
       <p:sp>
         <p:nvSpPr>
-          <p:cNvPr id="24" name="Rectangle 23"/>
-          <p:cNvSpPr/>
-          <p:nvPr/>
+          <p:cNvPr id="2" name="Title 1"/>
+          <p:cNvSpPr>
+            <a:spLocks noGrp="1"/>
+          </p:cNvSpPr>
+          <p:nvPr>
+            <p:ph type="title"/>
+          </p:nvPr>
         </p:nvSpPr>
         <p:spPr>
           <a:xfrm>
-            <a:off x="1004479" y="0"/>
-            <a:ext cx="10372316" cy="6858000"/>
+            <a:off x="685801" y="685800"/>
+            <a:ext cx="10394707" cy="3193487"/>
           </a:xfrm>
-          <a:prstGeom prst="rect">
-            <a:avLst/>
-          </a:prstGeom>
-          <a:solidFill>
-            <a:schemeClr val="bg2">
-              <a:alpha val="92000"/>
-            </a:schemeClr>
-          </a:solidFill>
-          <a:ln>
-            <a:noFill/>
-          </a:ln>
         </p:spPr>
-        <p:style>
-          <a:lnRef idx="2">
-            <a:schemeClr val="accent1">
-              <a:shade val="50000"/>
-            </a:schemeClr>
-          </a:lnRef>
-          <a:fillRef idx="1">
-            <a:schemeClr val="accent1"/>
-          </a:fillRef>
-          <a:effectRef idx="0">
-            <a:schemeClr val="accent1"/>
-          </a:effectRef>
-          <a:fontRef idx="minor">
-            <a:schemeClr val="lt1"/>
-          </a:fontRef>
-        </p:style>
-      </p:sp>
-      <p:sp>
-        <p:nvSpPr>
-          <p:cNvPr id="25" name="Rectangle 24"/>
-          <p:cNvSpPr/>
-          <p:nvPr/>
+        <p:txBody>
+          <a:bodyPr anchor="b">
+            <a:normAutofit/>
+          </a:bodyPr>
+          <a:lstStyle>
+            <a:lvl1pPr algn="l">
+              <a:defRPr sz="5400"/>
+            </a:lvl1pPr>
+          </a:lstStyle>
+          <a:p>
+            <a:r>
+              <a:rPr lang="en-US"/>
+              <a:t>Click to edit Master title style</a:t>
+            </a:r>
+            <a:endParaRPr lang="en-US" dirty="0"/>
+          </a:p>
+        </p:txBody>
+      </p:sp>
+      <p:sp>
+        <p:nvSpPr>
+          <p:cNvPr id="3" name="Text Placeholder 2"/>
+          <p:cNvSpPr>
+            <a:spLocks noGrp="1"/>
+          </p:cNvSpPr>
+          <p:nvPr>
+            <p:ph type="body" idx="1"/>
+          </p:nvPr>
         </p:nvSpPr>
         <p:spPr>
           <a:xfrm>
-            <a:off x="11377328" y="0"/>
-            <a:ext cx="27432" cy="6858000"/>
-          </a:xfrm>
-          <a:prstGeom prst="rect">
-            <a:avLst/>
-          </a:prstGeom>
-          <a:solidFill>
-            <a:schemeClr val="accent6"/>
-          </a:solidFill>
-          <a:ln>
-            <a:noFill/>
-          </a:ln>
-        </p:spPr>
-        <p:style>
-          <a:lnRef idx="2">
-            <a:schemeClr val="accent1">
-              <a:shade val="50000"/>
-            </a:schemeClr>
-          </a:lnRef>
-          <a:fillRef idx="1">
-            <a:schemeClr val="accent1"/>
-          </a:fillRef>
-          <a:effectRef idx="0">
-            <a:schemeClr val="accent1"/>
-          </a:effectRef>
-          <a:fontRef idx="minor">
-            <a:schemeClr val="lt1"/>
-          </a:fontRef>
-        </p:style>
-      </p:sp>
-      <p:sp>
-        <p:nvSpPr>
-          <p:cNvPr id="11" name="TextBox 10"/>
-          <p:cNvSpPr txBox="1"/>
-          <p:nvPr/>
-        </p:nvSpPr>
-        <p:spPr>
-          <a:xfrm>
-            <a:off x="2191843" y="2962586"/>
-            <a:ext cx="415636" cy="369332"/>
-          </a:xfrm>
-          <a:prstGeom prst="rect">
-            <a:avLst/>
-          </a:prstGeom>
-          <a:noFill/>
-        </p:spPr>
-        <p:txBody>
-          <a:bodyPr wrap="square" rtlCol="0">
-            <a:spAutoFit/>
-          </a:bodyPr>
-          <a:lstStyle/>
-          <a:p>
-            <a:pPr algn="r"/>
-            <a:r>
-              <a:rPr lang="en-US" sz="1800" dirty="0">
-                <a:solidFill>
-                  <a:schemeClr val="accent6"/>
-                </a:solidFill>
-                <a:latin typeface="Wingdings 3" panose="05040102010807070707" pitchFamily="18" charset="2"/>
-              </a:rPr>
-              <a:t>z</a:t>
-            </a:r>
-            <a:endParaRPr lang="en-US" sz="1000" dirty="0">
-              <a:solidFill>
-                <a:schemeClr val="accent6"/>
-              </a:solidFill>
-              <a:latin typeface="MS Shell Dlg 2" panose="020B0604030504040204" pitchFamily="34" charset="0"/>
-            </a:endParaRPr>
-          </a:p>
-        </p:txBody>
-      </p:sp>
-      <p:sp>
-        <p:nvSpPr>
-          <p:cNvPr id="2" name="Title 1"/>
-          <p:cNvSpPr>
-            <a:spLocks noGrp="1"/>
-          </p:cNvSpPr>
-          <p:nvPr>
-            <p:ph type="title"/>
-          </p:nvPr>
-        </p:nvSpPr>
-        <p:spPr>
-          <a:xfrm>
-            <a:off x="2609873" y="3147254"/>
-            <a:ext cx="7956560" cy="1424746"/>
+            <a:off x="685801" y="3742267"/>
+            <a:ext cx="10394707" cy="1639614"/>
           </a:xfrm>
         </p:spPr>
         <p:txBody>
@@ -1475,51 +4070,19 @@
             <a:normAutofit/>
           </a:bodyPr>
           <a:lstStyle>
-            <a:lvl1pPr algn="r">
-              <a:defRPr sz="3200"/>
-            </a:lvl1pPr>
-          </a:lstStyle>
-          <a:p>
-            <a:r>
-              <a:rPr lang="en-US"/>
-              <a:t>Click to edit Master title style</a:t>
-            </a:r>
-            <a:endParaRPr lang="en-US" dirty="0"/>
-          </a:p>
-        </p:txBody>
-      </p:sp>
-      <p:sp>
-        <p:nvSpPr>
-          <p:cNvPr id="3" name="Text Placeholder 2"/>
-          <p:cNvSpPr>
-            <a:spLocks noGrp="1"/>
-          </p:cNvSpPr>
-          <p:nvPr>
-            <p:ph type="body" idx="1"/>
-          </p:nvPr>
-        </p:nvSpPr>
-        <p:spPr>
-          <a:xfrm>
-            <a:off x="2773968" y="2268786"/>
-            <a:ext cx="7791931" cy="878468"/>
-          </a:xfrm>
-        </p:spPr>
-        <p:txBody>
-          <a:bodyPr tIns="0" anchor="b">
-            <a:normAutofit/>
-          </a:bodyPr>
-          <a:lstStyle>
-            <a:lvl1pPr marL="0" indent="0" algn="r">
-              <a:buNone/>
-              <a:defRPr sz="1800">
+            <a:lvl1pPr marL="0" indent="0" algn="l">
+              <a:buNone/>
+              <a:defRPr sz="2000">
                 <a:solidFill>
-                  <a:schemeClr val="tx1"/>
+                  <a:schemeClr val="bg1">
+                    <a:lumMod val="50000"/>
+                  </a:schemeClr>
                 </a:solidFill>
               </a:defRPr>
             </a:lvl1pPr>
             <a:lvl2pPr marL="457200" indent="0">
               <a:buNone/>
-              <a:defRPr sz="1800">
+              <a:defRPr sz="2000">
                 <a:solidFill>
                   <a:schemeClr val="tx1">
                     <a:tint val="75000"/>
@@ -1623,8 +4186,8 @@
           <a:lstStyle/>
           <a:p>
             <a:fld id="{3E5059C3-6A89-4494-99FF-5A4D6FFD50EB}" type="datetimeFigureOut">
-              <a:rPr lang="en-US" dirty="0"/>
-              <a:t>3/28/2018</a:t>
+              <a:rPr lang="en-US" smtClean="0"/>
+              <a:t>4/30/2018</a:t>
             </a:fld>
             <a:endParaRPr lang="en-US" dirty="0"/>
           </a:p>
@@ -1646,10 +4209,11 @@
           <a:lstStyle/>
           <a:p>
             <a:r>
-              <a:rPr lang="en-US" dirty="0"/>
+              <a:rPr lang="en-US"/>
               <a:t>
               </a:t>
             </a:r>
+            <a:endParaRPr lang="en-US" dirty="0"/>
           </a:p>
         </p:txBody>
       </p:sp>
@@ -1669,7 +4233,7 @@
           <a:lstStyle/>
           <a:p>
             <a:fld id="{6D22F896-40B5-4ADD-8801-0D06FADFA095}" type="slidenum">
-              <a:rPr lang="en-US" dirty="0"/>
+              <a:rPr lang="en-US" smtClean="0"/>
               <a:t>‹#›</a:t>
             </a:fld>
             <a:endParaRPr lang="en-US" dirty="0"/>
@@ -1677,6 +4241,11 @@
         </p:txBody>
       </p:sp>
     </p:spTree>
+    <p:extLst>
+      <p:ext uri="{BB962C8B-B14F-4D97-AF65-F5344CB8AC3E}">
+        <p14:creationId xmlns:p14="http://schemas.microsoft.com/office/powerpoint/2010/main" val="1430719283"/>
+      </p:ext>
+    </p:extLst>
   </p:cSld>
   <p:clrMapOvr>
     <a:masterClrMapping/>
@@ -1703,162 +4272,188 @@
       </p:grpSpPr>
       <p:sp>
         <p:nvSpPr>
-          <p:cNvPr id="26" name="Rectangle 25"/>
-          <p:cNvSpPr/>
-          <p:nvPr/>
+          <p:cNvPr id="14" name="Title 1"/>
+          <p:cNvSpPr>
+            <a:spLocks noGrp="1"/>
+          </p:cNvSpPr>
+          <p:nvPr>
+            <p:ph type="title"/>
+          </p:nvPr>
         </p:nvSpPr>
         <p:spPr>
           <a:xfrm>
-            <a:off x="1004479" y="0"/>
-            <a:ext cx="10372316" cy="6858000"/>
+            <a:off x="685801" y="685800"/>
+            <a:ext cx="10396882" cy="1158140"/>
           </a:xfrm>
-          <a:prstGeom prst="rect">
-            <a:avLst/>
-          </a:prstGeom>
-          <a:solidFill>
-            <a:schemeClr val="bg2">
-              <a:alpha val="92000"/>
-            </a:schemeClr>
-          </a:solidFill>
-          <a:ln>
-            <a:noFill/>
-          </a:ln>
         </p:spPr>
-        <p:style>
-          <a:lnRef idx="2">
-            <a:schemeClr val="accent1">
-              <a:shade val="50000"/>
-            </a:schemeClr>
-          </a:lnRef>
-          <a:fillRef idx="1">
-            <a:schemeClr val="accent1"/>
-          </a:fillRef>
-          <a:effectRef idx="0">
-            <a:schemeClr val="accent1"/>
-          </a:effectRef>
-          <a:fontRef idx="minor">
-            <a:schemeClr val="lt1"/>
-          </a:fontRef>
-        </p:style>
-      </p:sp>
-      <p:sp>
-        <p:nvSpPr>
-          <p:cNvPr id="27" name="Rectangle 26"/>
-          <p:cNvSpPr/>
-          <p:nvPr/>
+        <p:txBody>
+          <a:bodyPr/>
+          <a:lstStyle/>
+          <a:p>
+            <a:r>
+              <a:rPr lang="en-US"/>
+              <a:t>Click to edit Master title style</a:t>
+            </a:r>
+            <a:endParaRPr lang="en-US" dirty="0"/>
+          </a:p>
+        </p:txBody>
+      </p:sp>
+      <p:sp>
+        <p:nvSpPr>
+          <p:cNvPr id="12" name="Content Placeholder 2"/>
+          <p:cNvSpPr>
+            <a:spLocks noGrp="1"/>
+          </p:cNvSpPr>
+          <p:nvPr>
+            <p:ph sz="quarter" idx="13"/>
+          </p:nvPr>
         </p:nvSpPr>
         <p:spPr>
           <a:xfrm>
-            <a:off x="11377328" y="0"/>
-            <a:ext cx="27432" cy="6858000"/>
+            <a:off x="685800" y="2063396"/>
+            <a:ext cx="5088714" cy="3311189"/>
           </a:xfrm>
-          <a:prstGeom prst="rect">
-            <a:avLst/>
-          </a:prstGeom>
-          <a:solidFill>
-            <a:schemeClr val="accent6"/>
-          </a:solidFill>
-          <a:ln>
-            <a:noFill/>
-          </a:ln>
         </p:spPr>
-        <p:style>
-          <a:lnRef idx="2">
-            <a:schemeClr val="accent1">
-              <a:shade val="50000"/>
-            </a:schemeClr>
-          </a:lnRef>
-          <a:fillRef idx="1">
-            <a:schemeClr val="accent1"/>
-          </a:fillRef>
-          <a:effectRef idx="0">
-            <a:schemeClr val="accent1"/>
-          </a:effectRef>
-          <a:fontRef idx="minor">
-            <a:schemeClr val="lt1"/>
-          </a:fontRef>
-        </p:style>
-      </p:sp>
-      <p:sp>
-        <p:nvSpPr>
-          <p:cNvPr id="2" name="Title 1"/>
-          <p:cNvSpPr>
-            <a:spLocks noGrp="1"/>
-          </p:cNvSpPr>
-          <p:nvPr>
-            <p:ph type="title"/>
+        <p:txBody>
+          <a:bodyPr anchor="t"/>
+          <a:lstStyle/>
+          <a:p>
+            <a:pPr lvl="0"/>
+            <a:r>
+              <a:rPr lang="en-US"/>
+              <a:t>Edit Master text styles</a:t>
+            </a:r>
+          </a:p>
+          <a:p>
+            <a:pPr lvl="1"/>
+            <a:r>
+              <a:rPr lang="en-US"/>
+              <a:t>Second level</a:t>
+            </a:r>
+          </a:p>
+          <a:p>
+            <a:pPr lvl="2"/>
+            <a:r>
+              <a:rPr lang="en-US"/>
+              <a:t>Third level</a:t>
+            </a:r>
+          </a:p>
+          <a:p>
+            <a:pPr lvl="3"/>
+            <a:r>
+              <a:rPr lang="en-US"/>
+              <a:t>Fourth level</a:t>
+            </a:r>
+          </a:p>
+          <a:p>
+            <a:pPr lvl="4"/>
+            <a:r>
+              <a:rPr lang="en-US"/>
+              <a:t>Fifth level</a:t>
+            </a:r>
+            <a:endParaRPr lang="en-US" dirty="0"/>
+          </a:p>
+        </p:txBody>
+      </p:sp>
+      <p:sp>
+        <p:nvSpPr>
+          <p:cNvPr id="13" name="Content Placeholder 3"/>
+          <p:cNvSpPr>
+            <a:spLocks noGrp="1"/>
+          </p:cNvSpPr>
+          <p:nvPr>
+            <p:ph sz="quarter" idx="14"/>
           </p:nvPr>
         </p:nvSpPr>
         <p:spPr>
           <a:xfrm>
-            <a:off x="2609873" y="805817"/>
-            <a:ext cx="7950984" cy="1081705"/>
+            <a:off x="5993971" y="2063396"/>
+            <a:ext cx="5086538" cy="3311189"/>
           </a:xfrm>
         </p:spPr>
         <p:txBody>
+          <a:bodyPr anchor="t"/>
+          <a:lstStyle/>
+          <a:p>
+            <a:pPr lvl="0"/>
+            <a:r>
+              <a:rPr lang="en-US"/>
+              <a:t>Edit Master text styles</a:t>
+            </a:r>
+          </a:p>
+          <a:p>
+            <a:pPr lvl="1"/>
+            <a:r>
+              <a:rPr lang="en-US"/>
+              <a:t>Second level</a:t>
+            </a:r>
+          </a:p>
+          <a:p>
+            <a:pPr lvl="2"/>
+            <a:r>
+              <a:rPr lang="en-US"/>
+              <a:t>Third level</a:t>
+            </a:r>
+          </a:p>
+          <a:p>
+            <a:pPr lvl="3"/>
+            <a:r>
+              <a:rPr lang="en-US"/>
+              <a:t>Fourth level</a:t>
+            </a:r>
+          </a:p>
+          <a:p>
+            <a:pPr lvl="4"/>
+            <a:r>
+              <a:rPr lang="en-US"/>
+              <a:t>Fifth level</a:t>
+            </a:r>
+            <a:endParaRPr lang="en-US" dirty="0"/>
+          </a:p>
+        </p:txBody>
+      </p:sp>
+      <p:sp>
+        <p:nvSpPr>
+          <p:cNvPr id="5" name="Date Placeholder 4"/>
+          <p:cNvSpPr>
+            <a:spLocks noGrp="1"/>
+          </p:cNvSpPr>
+          <p:nvPr>
+            <p:ph type="dt" sz="half" idx="10"/>
+          </p:nvPr>
+        </p:nvSpPr>
+        <p:spPr/>
+        <p:txBody>
           <a:bodyPr/>
           <a:lstStyle/>
           <a:p>
-            <a:r>
-              <a:rPr lang="en-US"/>
-              <a:t>Click to edit Master title style</a:t>
-            </a:r>
+            <a:fld id="{CA954B2F-12DE-47F5-8894-472B206D2E1E}" type="datetimeFigureOut">
+              <a:rPr lang="en-US" smtClean="0"/>
+              <a:t>4/30/2018</a:t>
+            </a:fld>
             <a:endParaRPr lang="en-US" dirty="0"/>
           </a:p>
         </p:txBody>
       </p:sp>
       <p:sp>
         <p:nvSpPr>
-          <p:cNvPr id="3" name="Content Placeholder 2"/>
-          <p:cNvSpPr>
-            <a:spLocks noGrp="1"/>
-          </p:cNvSpPr>
-          <p:nvPr>
-            <p:ph sz="half" idx="1"/>
-          </p:nvPr>
-        </p:nvSpPr>
-        <p:spPr>
-          <a:xfrm>
-            <a:off x="2605374" y="2052116"/>
-            <a:ext cx="3891960" cy="3997828"/>
-          </a:xfrm>
-        </p:spPr>
+          <p:cNvPr id="6" name="Footer Placeholder 5"/>
+          <p:cNvSpPr>
+            <a:spLocks noGrp="1"/>
+          </p:cNvSpPr>
+          <p:nvPr>
+            <p:ph type="ftr" sz="quarter" idx="11"/>
+          </p:nvPr>
+        </p:nvSpPr>
+        <p:spPr/>
         <p:txBody>
           <a:bodyPr/>
           <a:lstStyle/>
           <a:p>
-            <a:pPr lvl="0"/>
-            <a:r>
-              <a:rPr lang="en-US"/>
-              <a:t>Edit Master text styles</a:t>
-            </a:r>
-          </a:p>
-          <a:p>
-            <a:pPr lvl="1"/>
-            <a:r>
-              <a:rPr lang="en-US"/>
-              <a:t>Second level</a:t>
-            </a:r>
-          </a:p>
-          <a:p>
-            <a:pPr lvl="2"/>
-            <a:r>
-              <a:rPr lang="en-US"/>
-              <a:t>Third level</a:t>
-            </a:r>
-          </a:p>
-          <a:p>
-            <a:pPr lvl="3"/>
-            <a:r>
-              <a:rPr lang="en-US"/>
-              <a:t>Fourth level</a:t>
-            </a:r>
-          </a:p>
-          <a:p>
-            <a:pPr lvl="4"/>
-            <a:r>
-              <a:rPr lang="en-US"/>
-              <a:t>Fifth level</a:t>
+            <a:r>
+              <a:rPr lang="en-US"/>
+              <a:t>
+              </a:t>
             </a:r>
             <a:endParaRPr lang="en-US" dirty="0"/>
           </a:p>
@@ -1866,172 +4461,33 @@
       </p:sp>
       <p:sp>
         <p:nvSpPr>
-          <p:cNvPr id="4" name="Content Placeholder 3"/>
-          <p:cNvSpPr>
-            <a:spLocks noGrp="1"/>
-          </p:cNvSpPr>
-          <p:nvPr>
-            <p:ph sz="half" idx="2"/>
-          </p:nvPr>
-        </p:nvSpPr>
-        <p:spPr>
-          <a:xfrm>
-            <a:off x="6666636" y="2052114"/>
-            <a:ext cx="3894222" cy="3997829"/>
-          </a:xfrm>
-        </p:spPr>
+          <p:cNvPr id="7" name="Slide Number Placeholder 6"/>
+          <p:cNvSpPr>
+            <a:spLocks noGrp="1"/>
+          </p:cNvSpPr>
+          <p:nvPr>
+            <p:ph type="sldNum" sz="quarter" idx="12"/>
+          </p:nvPr>
+        </p:nvSpPr>
+        <p:spPr/>
         <p:txBody>
           <a:bodyPr/>
           <a:lstStyle/>
           <a:p>
-            <a:pPr lvl="0"/>
-            <a:r>
-              <a:rPr lang="en-US"/>
-              <a:t>Edit Master text styles</a:t>
-            </a:r>
-          </a:p>
-          <a:p>
-            <a:pPr lvl="1"/>
-            <a:r>
-              <a:rPr lang="en-US"/>
-              <a:t>Second level</a:t>
-            </a:r>
-          </a:p>
-          <a:p>
-            <a:pPr lvl="2"/>
-            <a:r>
-              <a:rPr lang="en-US"/>
-              <a:t>Third level</a:t>
-            </a:r>
-          </a:p>
-          <a:p>
-            <a:pPr lvl="3"/>
-            <a:r>
-              <a:rPr lang="en-US"/>
-              <a:t>Fourth level</a:t>
-            </a:r>
-          </a:p>
-          <a:p>
-            <a:pPr lvl="4"/>
-            <a:r>
-              <a:rPr lang="en-US"/>
-              <a:t>Fifth level</a:t>
-            </a:r>
-            <a:endParaRPr lang="en-US" dirty="0"/>
-          </a:p>
-        </p:txBody>
-      </p:sp>
-      <p:sp>
-        <p:nvSpPr>
-          <p:cNvPr id="5" name="Date Placeholder 4"/>
-          <p:cNvSpPr>
-            <a:spLocks noGrp="1"/>
-          </p:cNvSpPr>
-          <p:nvPr>
-            <p:ph type="dt" sz="half" idx="10"/>
-          </p:nvPr>
-        </p:nvSpPr>
-        <p:spPr/>
-        <p:txBody>
-          <a:bodyPr/>
-          <a:lstStyle/>
-          <a:p>
-            <a:fld id="{CA954B2F-12DE-47F5-8894-472B206D2E1E}" type="datetimeFigureOut">
-              <a:rPr lang="en-US" dirty="0"/>
-              <a:t>3/28/2018</a:t>
-            </a:fld>
-            <a:endParaRPr lang="en-US" dirty="0"/>
-          </a:p>
-        </p:txBody>
-      </p:sp>
-      <p:sp>
-        <p:nvSpPr>
-          <p:cNvPr id="6" name="Footer Placeholder 5"/>
-          <p:cNvSpPr>
-            <a:spLocks noGrp="1"/>
-          </p:cNvSpPr>
-          <p:nvPr>
-            <p:ph type="ftr" sz="quarter" idx="11"/>
-          </p:nvPr>
-        </p:nvSpPr>
-        <p:spPr/>
-        <p:txBody>
-          <a:bodyPr/>
-          <a:lstStyle/>
-          <a:p>
-            <a:r>
-              <a:rPr lang="en-US" dirty="0"/>
-              <a:t>
-              </a:t>
-            </a:r>
-          </a:p>
-        </p:txBody>
-      </p:sp>
-      <p:sp>
-        <p:nvSpPr>
-          <p:cNvPr id="7" name="Slide Number Placeholder 6"/>
-          <p:cNvSpPr>
-            <a:spLocks noGrp="1"/>
-          </p:cNvSpPr>
-          <p:nvPr>
-            <p:ph type="sldNum" sz="quarter" idx="12"/>
-          </p:nvPr>
-        </p:nvSpPr>
-        <p:spPr/>
-        <p:txBody>
-          <a:bodyPr/>
-          <a:lstStyle/>
-          <a:p>
             <a:fld id="{6D22F896-40B5-4ADD-8801-0D06FADFA095}" type="slidenum">
-              <a:rPr lang="en-US" dirty="0"/>
+              <a:rPr lang="en-US" smtClean="0"/>
               <a:t>‹#›</a:t>
             </a:fld>
             <a:endParaRPr lang="en-US" dirty="0"/>
           </a:p>
         </p:txBody>
       </p:sp>
-      <p:sp>
-        <p:nvSpPr>
-          <p:cNvPr id="10" name="TextBox 9"/>
-          <p:cNvSpPr txBox="1"/>
-          <p:nvPr/>
-        </p:nvSpPr>
-        <p:spPr>
-          <a:xfrm>
-            <a:off x="2196172" y="641223"/>
-            <a:ext cx="415636" cy="369332"/>
-          </a:xfrm>
-          <a:prstGeom prst="rect">
-            <a:avLst/>
-          </a:prstGeom>
-          <a:noFill/>
-        </p:spPr>
-        <p:txBody>
-          <a:bodyPr wrap="square" rtlCol="0">
-            <a:spAutoFit/>
-          </a:bodyPr>
-          <a:lstStyle/>
-          <a:p>
-            <a:pPr algn="r"/>
-            <a:r>
-              <a:rPr lang="en-US" sz="1800" dirty="0">
-                <a:solidFill>
-                  <a:schemeClr val="accent6"/>
-                </a:solidFill>
-                <a:latin typeface="Wingdings 3" panose="05040102010807070707" pitchFamily="18" charset="2"/>
-              </a:rPr>
-              <a:t>z</a:t>
-            </a:r>
-            <a:endParaRPr lang="en-US" sz="1000" dirty="0">
-              <a:solidFill>
-                <a:schemeClr val="accent6"/>
-              </a:solidFill>
-              <a:latin typeface="MS Shell Dlg 2" panose="020B0604030504040204" pitchFamily="34" charset="0"/>
-            </a:endParaRPr>
-          </a:p>
-        </p:txBody>
-      </p:sp>
     </p:spTree>
+    <p:extLst>
+      <p:ext uri="{BB962C8B-B14F-4D97-AF65-F5344CB8AC3E}">
+        <p14:creationId xmlns:p14="http://schemas.microsoft.com/office/powerpoint/2010/main" val="3521762396"/>
+      </p:ext>
+    </p:extLst>
   </p:cSld>
   <p:clrMapOvr>
     <a:masterClrMapping/>
@@ -2058,165 +4514,46 @@
       </p:grpSpPr>
       <p:sp>
         <p:nvSpPr>
-          <p:cNvPr id="20" name="Rectangle 19"/>
-          <p:cNvSpPr/>
-          <p:nvPr/>
+          <p:cNvPr id="14" name="Title 1"/>
+          <p:cNvSpPr>
+            <a:spLocks noGrp="1"/>
+          </p:cNvSpPr>
+          <p:nvPr>
+            <p:ph type="title"/>
+          </p:nvPr>
         </p:nvSpPr>
         <p:spPr>
           <a:xfrm>
-            <a:off x="1004479" y="0"/>
-            <a:ext cx="10372316" cy="6858000"/>
+            <a:off x="685801" y="685800"/>
+            <a:ext cx="10394707" cy="1158140"/>
           </a:xfrm>
-          <a:prstGeom prst="rect">
-            <a:avLst/>
-          </a:prstGeom>
-          <a:solidFill>
-            <a:schemeClr val="bg2">
-              <a:alpha val="92000"/>
-            </a:schemeClr>
-          </a:solidFill>
-          <a:ln>
-            <a:noFill/>
-          </a:ln>
         </p:spPr>
-        <p:style>
-          <a:lnRef idx="2">
-            <a:schemeClr val="accent1">
-              <a:shade val="50000"/>
-            </a:schemeClr>
-          </a:lnRef>
-          <a:fillRef idx="1">
-            <a:schemeClr val="accent1"/>
-          </a:fillRef>
-          <a:effectRef idx="0">
-            <a:schemeClr val="accent1"/>
-          </a:effectRef>
-          <a:fontRef idx="minor">
-            <a:schemeClr val="lt1"/>
-          </a:fontRef>
-        </p:style>
-      </p:sp>
-      <p:sp>
-        <p:nvSpPr>
-          <p:cNvPr id="21" name="Rectangle 20"/>
-          <p:cNvSpPr/>
-          <p:nvPr/>
+        <p:txBody>
+          <a:bodyPr/>
+          <a:lstStyle/>
+          <a:p>
+            <a:r>
+              <a:rPr lang="en-US"/>
+              <a:t>Click to edit Master title style</a:t>
+            </a:r>
+            <a:endParaRPr lang="en-US" dirty="0"/>
+          </a:p>
+        </p:txBody>
+      </p:sp>
+      <p:sp>
+        <p:nvSpPr>
+          <p:cNvPr id="3" name="Text Placeholder 2"/>
+          <p:cNvSpPr>
+            <a:spLocks noGrp="1"/>
+          </p:cNvSpPr>
+          <p:nvPr>
+            <p:ph type="body" idx="1"/>
+          </p:nvPr>
         </p:nvSpPr>
         <p:spPr>
           <a:xfrm>
-            <a:off x="11377328" y="0"/>
-            <a:ext cx="27432" cy="6858000"/>
-          </a:xfrm>
-          <a:prstGeom prst="rect">
-            <a:avLst/>
-          </a:prstGeom>
-          <a:solidFill>
-            <a:schemeClr val="accent6"/>
-          </a:solidFill>
-          <a:ln>
-            <a:noFill/>
-          </a:ln>
-        </p:spPr>
-        <p:style>
-          <a:lnRef idx="2">
-            <a:schemeClr val="accent1">
-              <a:shade val="50000"/>
-            </a:schemeClr>
-          </a:lnRef>
-          <a:fillRef idx="1">
-            <a:schemeClr val="accent1"/>
-          </a:fillRef>
-          <a:effectRef idx="0">
-            <a:schemeClr val="accent1"/>
-          </a:effectRef>
-          <a:fontRef idx="minor">
-            <a:schemeClr val="lt1"/>
-          </a:fontRef>
-        </p:style>
-      </p:sp>
-      <p:sp>
-        <p:nvSpPr>
-          <p:cNvPr id="12" name="TextBox 11"/>
-          <p:cNvSpPr txBox="1"/>
-          <p:nvPr/>
-        </p:nvSpPr>
-        <p:spPr>
-          <a:xfrm>
-            <a:off x="2193650" y="636424"/>
-            <a:ext cx="415636" cy="369332"/>
-          </a:xfrm>
-          <a:prstGeom prst="rect">
-            <a:avLst/>
-          </a:prstGeom>
-          <a:noFill/>
-        </p:spPr>
-        <p:txBody>
-          <a:bodyPr wrap="square" rtlCol="0">
-            <a:spAutoFit/>
-          </a:bodyPr>
-          <a:lstStyle/>
-          <a:p>
-            <a:pPr algn="r"/>
-            <a:r>
-              <a:rPr lang="en-US" sz="1800" dirty="0">
-                <a:solidFill>
-                  <a:schemeClr val="accent6"/>
-                </a:solidFill>
-                <a:latin typeface="Wingdings 3" panose="05040102010807070707" pitchFamily="18" charset="2"/>
-              </a:rPr>
-              <a:t>z</a:t>
-            </a:r>
-            <a:endParaRPr lang="en-US" sz="1000" dirty="0">
-              <a:solidFill>
-                <a:schemeClr val="accent6"/>
-              </a:solidFill>
-              <a:latin typeface="MS Shell Dlg 2" panose="020B0604030504040204" pitchFamily="34" charset="0"/>
-            </a:endParaRPr>
-          </a:p>
-        </p:txBody>
-      </p:sp>
-      <p:sp>
-        <p:nvSpPr>
-          <p:cNvPr id="2" name="Title 1"/>
-          <p:cNvSpPr>
-            <a:spLocks noGrp="1"/>
-          </p:cNvSpPr>
-          <p:nvPr>
-            <p:ph type="title"/>
-          </p:nvPr>
-        </p:nvSpPr>
-        <p:spPr>
-          <a:xfrm>
-            <a:off x="2609873" y="805818"/>
-            <a:ext cx="7956560" cy="1078348"/>
-          </a:xfrm>
-        </p:spPr>
-        <p:txBody>
-          <a:bodyPr/>
-          <a:lstStyle/>
-          <a:p>
-            <a:r>
-              <a:rPr lang="en-US"/>
-              <a:t>Click to edit Master title style</a:t>
-            </a:r>
-            <a:endParaRPr lang="en-US" dirty="0"/>
-          </a:p>
-        </p:txBody>
-      </p:sp>
-      <p:sp>
-        <p:nvSpPr>
-          <p:cNvPr id="3" name="Text Placeholder 2"/>
-          <p:cNvSpPr>
-            <a:spLocks noGrp="1"/>
-          </p:cNvSpPr>
-          <p:nvPr>
-            <p:ph type="body" idx="1"/>
-          </p:nvPr>
-        </p:nvSpPr>
-        <p:spPr>
-          <a:xfrm>
-            <a:off x="2609285" y="2052115"/>
-            <a:ext cx="3896467" cy="713818"/>
+            <a:off x="918356" y="2063396"/>
+            <a:ext cx="4856158" cy="679994"/>
           </a:xfrm>
         </p:spPr>
         <p:txBody>
@@ -2224,14 +4561,14 @@
             <a:noAutofit/>
           </a:bodyPr>
           <a:lstStyle>
-            <a:lvl1pPr marL="0" indent="0" algn="l">
+            <a:lvl1pPr marL="0" indent="0">
               <a:lnSpc>
-                <a:spcPct val="100000"/>
+                <a:spcPct val="90000"/>
               </a:lnSpc>
               <a:buNone/>
-              <a:defRPr sz="2200" b="0" cap="none" baseline="0">
+              <a:defRPr sz="2600" b="0">
                 <a:solidFill>
-                  <a:schemeClr val="accent6"/>
+                  <a:schemeClr val="accent1"/>
                 </a:solidFill>
               </a:defRPr>
             </a:lvl1pPr>
@@ -2279,22 +4616,22 @@
       </p:sp>
       <p:sp>
         <p:nvSpPr>
-          <p:cNvPr id="4" name="Content Placeholder 3"/>
-          <p:cNvSpPr>
-            <a:spLocks noGrp="1"/>
-          </p:cNvSpPr>
-          <p:nvPr>
-            <p:ph sz="half" idx="2"/>
+          <p:cNvPr id="12" name="Content Placeholder 3"/>
+          <p:cNvSpPr>
+            <a:spLocks noGrp="1"/>
+          </p:cNvSpPr>
+          <p:nvPr>
+            <p:ph sz="quarter" idx="13"/>
           </p:nvPr>
         </p:nvSpPr>
         <p:spPr>
           <a:xfrm>
-            <a:off x="2609285" y="2851331"/>
-            <a:ext cx="3893623" cy="3071434"/>
+            <a:off x="685802" y="2861733"/>
+            <a:ext cx="5088712" cy="2512852"/>
           </a:xfrm>
         </p:spPr>
         <p:txBody>
-          <a:bodyPr/>
+          <a:bodyPr anchor="t"/>
           <a:lstStyle/>
           <a:p>
             <a:pPr lvl="0"/>
@@ -2346,8 +4683,8 @@
         </p:nvSpPr>
         <p:spPr>
           <a:xfrm>
-            <a:off x="6666634" y="2052115"/>
-            <a:ext cx="3899798" cy="713818"/>
+            <a:off x="6218191" y="2063396"/>
+            <a:ext cx="4864491" cy="679994"/>
           </a:xfrm>
         </p:spPr>
         <p:txBody>
@@ -2355,14 +4692,14 @@
             <a:noAutofit/>
           </a:bodyPr>
           <a:lstStyle>
-            <a:lvl1pPr marL="0" indent="0" algn="l">
+            <a:lvl1pPr marL="0" indent="0">
               <a:lnSpc>
-                <a:spcPct val="100000"/>
+                <a:spcPct val="90000"/>
               </a:lnSpc>
               <a:buNone/>
-              <a:defRPr sz="2200" b="0" cap="none" baseline="0">
+              <a:defRPr sz="2600" b="0">
                 <a:solidFill>
-                  <a:schemeClr val="accent6"/>
+                  <a:schemeClr val="accent1"/>
                 </a:solidFill>
               </a:defRPr>
             </a:lvl1pPr>
@@ -2410,69 +4747,92 @@
       </p:sp>
       <p:sp>
         <p:nvSpPr>
-          <p:cNvPr id="6" name="Content Placeholder 5"/>
-          <p:cNvSpPr>
-            <a:spLocks noGrp="1"/>
-          </p:cNvSpPr>
-          <p:nvPr>
-            <p:ph sz="quarter" idx="4"/>
+          <p:cNvPr id="13" name="Content Placeholder 5"/>
+          <p:cNvSpPr>
+            <a:spLocks noGrp="1"/>
+          </p:cNvSpPr>
+          <p:nvPr>
+            <p:ph sz="quarter" idx="14"/>
           </p:nvPr>
         </p:nvSpPr>
         <p:spPr>
           <a:xfrm>
-            <a:off x="6666635" y="2851331"/>
-            <a:ext cx="3899798" cy="3071434"/>
+            <a:off x="5993969" y="2861733"/>
+            <a:ext cx="5088713" cy="2512852"/>
           </a:xfrm>
         </p:spPr>
         <p:txBody>
+          <a:bodyPr anchor="t"/>
+          <a:lstStyle/>
+          <a:p>
+            <a:pPr lvl="0"/>
+            <a:r>
+              <a:rPr lang="en-US"/>
+              <a:t>Edit Master text styles</a:t>
+            </a:r>
+          </a:p>
+          <a:p>
+            <a:pPr lvl="1"/>
+            <a:r>
+              <a:rPr lang="en-US"/>
+              <a:t>Second level</a:t>
+            </a:r>
+          </a:p>
+          <a:p>
+            <a:pPr lvl="2"/>
+            <a:r>
+              <a:rPr lang="en-US"/>
+              <a:t>Third level</a:t>
+            </a:r>
+          </a:p>
+          <a:p>
+            <a:pPr lvl="3"/>
+            <a:r>
+              <a:rPr lang="en-US"/>
+              <a:t>Fourth level</a:t>
+            </a:r>
+          </a:p>
+          <a:p>
+            <a:pPr lvl="4"/>
+            <a:r>
+              <a:rPr lang="en-US"/>
+              <a:t>Fifth level</a:t>
+            </a:r>
+            <a:endParaRPr lang="en-US" dirty="0"/>
+          </a:p>
+        </p:txBody>
+      </p:sp>
+      <p:sp>
+        <p:nvSpPr>
+          <p:cNvPr id="7" name="Date Placeholder 6"/>
+          <p:cNvSpPr>
+            <a:spLocks noGrp="1"/>
+          </p:cNvSpPr>
+          <p:nvPr>
+            <p:ph type="dt" sz="half" idx="10"/>
+          </p:nvPr>
+        </p:nvSpPr>
+        <p:spPr/>
+        <p:txBody>
           <a:bodyPr/>
           <a:lstStyle/>
           <a:p>
-            <a:pPr lvl="0"/>
-            <a:r>
-              <a:rPr lang="en-US"/>
-              <a:t>Edit Master text styles</a:t>
-            </a:r>
-          </a:p>
-          <a:p>
-            <a:pPr lvl="1"/>
-            <a:r>
-              <a:rPr lang="en-US"/>
-              <a:t>Second level</a:t>
-            </a:r>
-          </a:p>
-          <a:p>
-            <a:pPr lvl="2"/>
-            <a:r>
-              <a:rPr lang="en-US"/>
-              <a:t>Third level</a:t>
-            </a:r>
-          </a:p>
-          <a:p>
-            <a:pPr lvl="3"/>
-            <a:r>
-              <a:rPr lang="en-US"/>
-              <a:t>Fourth level</a:t>
-            </a:r>
-          </a:p>
-          <a:p>
-            <a:pPr lvl="4"/>
-            <a:r>
-              <a:rPr lang="en-US"/>
-              <a:t>Fifth level</a:t>
-            </a:r>
+            <a:fld id="{3F30E46F-7819-4ACF-B48B-48222C2ACC88}" type="datetimeFigureOut">
+              <a:rPr lang="en-US" smtClean="0"/>
+              <a:t>4/30/2018</a:t>
+            </a:fld>
             <a:endParaRPr lang="en-US" dirty="0"/>
           </a:p>
         </p:txBody>
       </p:sp>
       <p:sp>
         <p:nvSpPr>
-          <p:cNvPr id="7" name="Date Placeholder 6"/>
-          <p:cNvSpPr>
-            <a:spLocks noGrp="1"/>
-          </p:cNvSpPr>
-          <p:nvPr>
-            <p:ph type="dt" sz="half" idx="10"/>
+          <p:cNvPr id="8" name="Footer Placeholder 7"/>
+          <p:cNvSpPr>
+            <a:spLocks noGrp="1"/>
+          </p:cNvSpPr>
+          <p:nvPr>
+            <p:ph type="ftr" sz="quarter" idx="11"/>
           </p:nvPr>
         </p:nvSpPr>
         <p:spPr/>
@@ -2480,22 +4840,23 @@
           <a:bodyPr/>
           <a:lstStyle/>
           <a:p>
-            <a:fld id="{3F30E46F-7819-4ACF-B48B-48222C2ACC88}" type="datetimeFigureOut">
-              <a:rPr lang="en-US" dirty="0"/>
-              <a:t>3/28/2018</a:t>
-            </a:fld>
+            <a:r>
+              <a:rPr lang="en-US"/>
+              <a:t>
+              </a:t>
+            </a:r>
             <a:endParaRPr lang="en-US" dirty="0"/>
           </a:p>
         </p:txBody>
       </p:sp>
       <p:sp>
         <p:nvSpPr>
-          <p:cNvPr id="8" name="Footer Placeholder 7"/>
-          <p:cNvSpPr>
-            <a:spLocks noGrp="1"/>
-          </p:cNvSpPr>
-          <p:nvPr>
-            <p:ph type="ftr" sz="quarter" idx="11"/>
+          <p:cNvPr id="9" name="Slide Number Placeholder 8"/>
+          <p:cNvSpPr>
+            <a:spLocks noGrp="1"/>
+          </p:cNvSpPr>
+          <p:nvPr>
+            <p:ph type="sldNum" sz="quarter" idx="12"/>
           </p:nvPr>
         </p:nvSpPr>
         <p:spPr/>
@@ -2503,31 +4864,8 @@
           <a:bodyPr/>
           <a:lstStyle/>
           <a:p>
-            <a:r>
-              <a:rPr lang="en-US" dirty="0"/>
-              <a:t>
-              </a:t>
-            </a:r>
-          </a:p>
-        </p:txBody>
-      </p:sp>
-      <p:sp>
-        <p:nvSpPr>
-          <p:cNvPr id="9" name="Slide Number Placeholder 8"/>
-          <p:cNvSpPr>
-            <a:spLocks noGrp="1"/>
-          </p:cNvSpPr>
-          <p:nvPr>
-            <p:ph type="sldNum" sz="quarter" idx="12"/>
-          </p:nvPr>
-        </p:nvSpPr>
-        <p:spPr/>
-        <p:txBody>
-          <a:bodyPr/>
-          <a:lstStyle/>
-          <a:p>
             <a:fld id="{6D22F896-40B5-4ADD-8801-0D06FADFA095}" type="slidenum">
-              <a:rPr lang="en-US" dirty="0"/>
+              <a:rPr lang="en-US" smtClean="0"/>
               <a:t>‹#›</a:t>
             </a:fld>
             <a:endParaRPr lang="en-US" dirty="0"/>
@@ -2535,6 +4873,11 @@
         </p:txBody>
       </p:sp>
     </p:spTree>
+    <p:extLst>
+      <p:ext uri="{BB962C8B-B14F-4D97-AF65-F5344CB8AC3E}">
+        <p14:creationId xmlns:p14="http://schemas.microsoft.com/office/powerpoint/2010/main" val="2207799260"/>
+      </p:ext>
+    </p:extLst>
   </p:cSld>
   <p:clrMapOvr>
     <a:masterClrMapping/>
@@ -2561,84 +4904,6 @@
       </p:grpSpPr>
       <p:sp>
         <p:nvSpPr>
-          <p:cNvPr id="13" name="Rectangle 12"/>
-          <p:cNvSpPr/>
-          <p:nvPr/>
-        </p:nvSpPr>
-        <p:spPr>
-          <a:xfrm>
-            <a:off x="1004479" y="0"/>
-            <a:ext cx="10372316" cy="6858000"/>
-          </a:xfrm>
-          <a:prstGeom prst="rect">
-            <a:avLst/>
-          </a:prstGeom>
-          <a:solidFill>
-            <a:schemeClr val="bg2">
-              <a:alpha val="92000"/>
-            </a:schemeClr>
-          </a:solidFill>
-          <a:ln>
-            <a:noFill/>
-          </a:ln>
-        </p:spPr>
-        <p:style>
-          <a:lnRef idx="2">
-            <a:schemeClr val="accent1">
-              <a:shade val="50000"/>
-            </a:schemeClr>
-          </a:lnRef>
-          <a:fillRef idx="1">
-            <a:schemeClr val="accent1"/>
-          </a:fillRef>
-          <a:effectRef idx="0">
-            <a:schemeClr val="accent1"/>
-          </a:effectRef>
-          <a:fontRef idx="minor">
-            <a:schemeClr val="lt1"/>
-          </a:fontRef>
-        </p:style>
-      </p:sp>
-      <p:sp>
-        <p:nvSpPr>
-          <p:cNvPr id="14" name="Rectangle 13"/>
-          <p:cNvSpPr/>
-          <p:nvPr/>
-        </p:nvSpPr>
-        <p:spPr>
-          <a:xfrm>
-            <a:off x="11377328" y="0"/>
-            <a:ext cx="27432" cy="6858000"/>
-          </a:xfrm>
-          <a:prstGeom prst="rect">
-            <a:avLst/>
-          </a:prstGeom>
-          <a:solidFill>
-            <a:schemeClr val="accent6"/>
-          </a:solidFill>
-          <a:ln>
-            <a:noFill/>
-          </a:ln>
-        </p:spPr>
-        <p:style>
-          <a:lnRef idx="2">
-            <a:schemeClr val="accent1">
-              <a:shade val="50000"/>
-            </a:schemeClr>
-          </a:lnRef>
-          <a:fillRef idx="1">
-            <a:schemeClr val="accent1"/>
-          </a:fillRef>
-          <a:effectRef idx="0">
-            <a:schemeClr val="accent1"/>
-          </a:effectRef>
-          <a:fontRef idx="minor">
-            <a:schemeClr val="lt1"/>
-          </a:fontRef>
-        </p:style>
-      </p:sp>
-      <p:sp>
-        <p:nvSpPr>
           <p:cNvPr id="2" name="Title 1"/>
           <p:cNvSpPr>
             <a:spLocks noGrp="1"/>
@@ -2676,8 +4941,8 @@
           <a:lstStyle/>
           <a:p>
             <a:fld id="{1FAF3416-4057-4DAA-829D-4CA07428D088}" type="datetimeFigureOut">
-              <a:rPr lang="en-US" dirty="0"/>
-              <a:t>3/28/2018</a:t>
+              <a:rPr lang="en-US" smtClean="0"/>
+              <a:t>4/30/2018</a:t>
             </a:fld>
             <a:endParaRPr lang="en-US" dirty="0"/>
           </a:p>
@@ -2699,10 +4964,11 @@
           <a:lstStyle/>
           <a:p>
             <a:r>
-              <a:rPr lang="en-US" dirty="0"/>
+              <a:rPr lang="en-US"/>
               <a:t>
               </a:t>
             </a:r>
+            <a:endParaRPr lang="en-US" dirty="0"/>
           </a:p>
         </p:txBody>
       </p:sp>
@@ -2722,55 +4988,19 @@
           <a:lstStyle/>
           <a:p>
             <a:fld id="{6D22F896-40B5-4ADD-8801-0D06FADFA095}" type="slidenum">
-              <a:rPr lang="en-US" dirty="0"/>
+              <a:rPr lang="en-US" smtClean="0"/>
               <a:t>‹#›</a:t>
             </a:fld>
             <a:endParaRPr lang="en-US" dirty="0"/>
           </a:p>
         </p:txBody>
       </p:sp>
-      <p:sp>
-        <p:nvSpPr>
-          <p:cNvPr id="8" name="TextBox 7"/>
-          <p:cNvSpPr txBox="1"/>
-          <p:nvPr/>
-        </p:nvSpPr>
-        <p:spPr>
-          <a:xfrm>
-            <a:off x="2196172" y="641226"/>
-            <a:ext cx="415636" cy="369332"/>
-          </a:xfrm>
-          <a:prstGeom prst="rect">
-            <a:avLst/>
-          </a:prstGeom>
-          <a:noFill/>
-        </p:spPr>
-        <p:txBody>
-          <a:bodyPr wrap="square" rtlCol="0">
-            <a:spAutoFit/>
-          </a:bodyPr>
-          <a:lstStyle/>
-          <a:p>
-            <a:pPr algn="r"/>
-            <a:r>
-              <a:rPr lang="en-US" sz="1800" dirty="0">
-                <a:solidFill>
-                  <a:schemeClr val="accent6"/>
-                </a:solidFill>
-                <a:latin typeface="Wingdings 3" panose="05040102010807070707" pitchFamily="18" charset="2"/>
-              </a:rPr>
-              <a:t>z</a:t>
-            </a:r>
-            <a:endParaRPr lang="en-US" sz="1000" dirty="0">
-              <a:solidFill>
-                <a:schemeClr val="accent6"/>
-              </a:solidFill>
-              <a:latin typeface="MS Shell Dlg 2" panose="020B0604030504040204" pitchFamily="34" charset="0"/>
-            </a:endParaRPr>
-          </a:p>
-        </p:txBody>
-      </p:sp>
     </p:spTree>
+    <p:extLst>
+      <p:ext uri="{BB962C8B-B14F-4D97-AF65-F5344CB8AC3E}">
+        <p14:creationId xmlns:p14="http://schemas.microsoft.com/office/powerpoint/2010/main" val="1435664739"/>
+      </p:ext>
+    </p:extLst>
   </p:cSld>
   <p:clrMapOvr>
     <a:masterClrMapping/>
@@ -2797,84 +5027,6 @@
       </p:grpSpPr>
       <p:sp>
         <p:nvSpPr>
-          <p:cNvPr id="12" name="Rectangle 11"/>
-          <p:cNvSpPr/>
-          <p:nvPr/>
-        </p:nvSpPr>
-        <p:spPr>
-          <a:xfrm>
-            <a:off x="1004479" y="0"/>
-            <a:ext cx="10372316" cy="6858000"/>
-          </a:xfrm>
-          <a:prstGeom prst="rect">
-            <a:avLst/>
-          </a:prstGeom>
-          <a:solidFill>
-            <a:schemeClr val="bg2">
-              <a:alpha val="92000"/>
-            </a:schemeClr>
-          </a:solidFill>
-          <a:ln>
-            <a:noFill/>
-          </a:ln>
-        </p:spPr>
-        <p:style>
-          <a:lnRef idx="2">
-            <a:schemeClr val="accent1">
-              <a:shade val="50000"/>
-            </a:schemeClr>
-          </a:lnRef>
-          <a:fillRef idx="1">
-            <a:schemeClr val="accent1"/>
-          </a:fillRef>
-          <a:effectRef idx="0">
-            <a:schemeClr val="accent1"/>
-          </a:effectRef>
-          <a:fontRef idx="minor">
-            <a:schemeClr val="lt1"/>
-          </a:fontRef>
-        </p:style>
-      </p:sp>
-      <p:sp>
-        <p:nvSpPr>
-          <p:cNvPr id="13" name="Rectangle 12"/>
-          <p:cNvSpPr/>
-          <p:nvPr/>
-        </p:nvSpPr>
-        <p:spPr>
-          <a:xfrm>
-            <a:off x="11377328" y="0"/>
-            <a:ext cx="27432" cy="6858000"/>
-          </a:xfrm>
-          <a:prstGeom prst="rect">
-            <a:avLst/>
-          </a:prstGeom>
-          <a:solidFill>
-            <a:schemeClr val="accent6"/>
-          </a:solidFill>
-          <a:ln>
-            <a:noFill/>
-          </a:ln>
-        </p:spPr>
-        <p:style>
-          <a:lnRef idx="2">
-            <a:schemeClr val="accent1">
-              <a:shade val="50000"/>
-            </a:schemeClr>
-          </a:lnRef>
-          <a:fillRef idx="1">
-            <a:schemeClr val="accent1"/>
-          </a:fillRef>
-          <a:effectRef idx="0">
-            <a:schemeClr val="accent1"/>
-          </a:effectRef>
-          <a:fontRef idx="minor">
-            <a:schemeClr val="lt1"/>
-          </a:fontRef>
-        </p:style>
-      </p:sp>
-      <p:sp>
-        <p:nvSpPr>
           <p:cNvPr id="2" name="Date Placeholder 1"/>
           <p:cNvSpPr>
             <a:spLocks noGrp="1"/>
@@ -2889,8 +5041,8 @@
           <a:lstStyle/>
           <a:p>
             <a:fld id="{921D9284-D300-4297-87F7-E791DCC15DB1}" type="datetimeFigureOut">
-              <a:rPr lang="en-US" dirty="0"/>
-              <a:t>3/28/2018</a:t>
+              <a:rPr lang="en-US" smtClean="0"/>
+              <a:t>4/30/2018</a:t>
             </a:fld>
             <a:endParaRPr lang="en-US" dirty="0"/>
           </a:p>
@@ -2912,10 +5064,11 @@
           <a:lstStyle/>
           <a:p>
             <a:r>
-              <a:rPr lang="en-US" dirty="0"/>
+              <a:rPr lang="en-US"/>
               <a:t>
               </a:t>
             </a:r>
+            <a:endParaRPr lang="en-US" dirty="0"/>
           </a:p>
         </p:txBody>
       </p:sp>
@@ -2935,7 +5088,7 @@
           <a:lstStyle/>
           <a:p>
             <a:fld id="{6D22F896-40B5-4ADD-8801-0D06FADFA095}" type="slidenum">
-              <a:rPr lang="en-US" dirty="0"/>
+              <a:rPr lang="en-US" smtClean="0"/>
               <a:t>‹#›</a:t>
             </a:fld>
             <a:endParaRPr lang="en-US" dirty="0"/>
@@ -2943,6 +5096,11 @@
         </p:txBody>
       </p:sp>
     </p:spTree>
+    <p:extLst>
+      <p:ext uri="{BB962C8B-B14F-4D97-AF65-F5344CB8AC3E}">
+        <p14:creationId xmlns:p14="http://schemas.microsoft.com/office/powerpoint/2010/main" val="2946502363"/>
+      </p:ext>
+    </p:extLst>
   </p:cSld>
   <p:clrMapOvr>
     <a:masterClrMapping/>
@@ -2969,137 +5127,18 @@
       </p:grpSpPr>
       <p:sp>
         <p:nvSpPr>
-          <p:cNvPr id="25" name="Rectangle 24"/>
-          <p:cNvSpPr/>
-          <p:nvPr/>
+          <p:cNvPr id="2" name="Title 1"/>
+          <p:cNvSpPr>
+            <a:spLocks noGrp="1"/>
+          </p:cNvSpPr>
+          <p:nvPr>
+            <p:ph type="title"/>
+          </p:nvPr>
         </p:nvSpPr>
         <p:spPr>
           <a:xfrm>
-            <a:off x="1004479" y="0"/>
-            <a:ext cx="10372316" cy="6858000"/>
-          </a:xfrm>
-          <a:prstGeom prst="rect">
-            <a:avLst/>
-          </a:prstGeom>
-          <a:solidFill>
-            <a:schemeClr val="bg2">
-              <a:alpha val="92000"/>
-            </a:schemeClr>
-          </a:solidFill>
-          <a:ln>
-            <a:noFill/>
-          </a:ln>
-        </p:spPr>
-        <p:style>
-          <a:lnRef idx="2">
-            <a:schemeClr val="accent1">
-              <a:shade val="50000"/>
-            </a:schemeClr>
-          </a:lnRef>
-          <a:fillRef idx="1">
-            <a:schemeClr val="accent1"/>
-          </a:fillRef>
-          <a:effectRef idx="0">
-            <a:schemeClr val="accent1"/>
-          </a:effectRef>
-          <a:fontRef idx="minor">
-            <a:schemeClr val="lt1"/>
-          </a:fontRef>
-        </p:style>
-      </p:sp>
-      <p:sp>
-        <p:nvSpPr>
-          <p:cNvPr id="26" name="Rectangle 25"/>
-          <p:cNvSpPr/>
-          <p:nvPr/>
-        </p:nvSpPr>
-        <p:spPr>
-          <a:xfrm>
-            <a:off x="11377328" y="0"/>
-            <a:ext cx="27432" cy="6858000"/>
-          </a:xfrm>
-          <a:prstGeom prst="rect">
-            <a:avLst/>
-          </a:prstGeom>
-          <a:solidFill>
-            <a:schemeClr val="accent6"/>
-          </a:solidFill>
-          <a:ln>
-            <a:noFill/>
-          </a:ln>
-        </p:spPr>
-        <p:style>
-          <a:lnRef idx="2">
-            <a:schemeClr val="accent1">
-              <a:shade val="50000"/>
-            </a:schemeClr>
-          </a:lnRef>
-          <a:fillRef idx="1">
-            <a:schemeClr val="accent1"/>
-          </a:fillRef>
-          <a:effectRef idx="0">
-            <a:schemeClr val="accent1"/>
-          </a:effectRef>
-          <a:fontRef idx="minor">
-            <a:schemeClr val="lt1"/>
-          </a:fontRef>
-        </p:style>
-      </p:sp>
-      <p:sp>
-        <p:nvSpPr>
-          <p:cNvPr id="10" name="TextBox 9"/>
-          <p:cNvSpPr txBox="1"/>
-          <p:nvPr/>
-        </p:nvSpPr>
-        <p:spPr>
-          <a:xfrm>
-            <a:off x="1554154" y="1127550"/>
-            <a:ext cx="415636" cy="369332"/>
-          </a:xfrm>
-          <a:prstGeom prst="rect">
-            <a:avLst/>
-          </a:prstGeom>
-          <a:noFill/>
-        </p:spPr>
-        <p:txBody>
-          <a:bodyPr wrap="square" rtlCol="0">
-            <a:spAutoFit/>
-          </a:bodyPr>
-          <a:lstStyle/>
-          <a:p>
-            <a:pPr algn="r"/>
-            <a:r>
-              <a:rPr lang="en-US" sz="1800" dirty="0">
-                <a:solidFill>
-                  <a:schemeClr val="accent6"/>
-                </a:solidFill>
-                <a:latin typeface="Wingdings 3" panose="05040102010807070707" pitchFamily="18" charset="2"/>
-              </a:rPr>
-              <a:t>z</a:t>
-            </a:r>
-            <a:endParaRPr lang="en-US" sz="1000" dirty="0">
-              <a:solidFill>
-                <a:schemeClr val="accent6"/>
-              </a:solidFill>
-              <a:latin typeface="MS Shell Dlg 2" panose="020B0604030504040204" pitchFamily="34" charset="0"/>
-            </a:endParaRPr>
-          </a:p>
-        </p:txBody>
-      </p:sp>
-      <p:sp>
-        <p:nvSpPr>
-          <p:cNvPr id="2" name="Title 1"/>
-          <p:cNvSpPr>
-            <a:spLocks noGrp="1"/>
-          </p:cNvSpPr>
-          <p:nvPr>
-            <p:ph type="title"/>
-          </p:nvPr>
-        </p:nvSpPr>
-        <p:spPr>
-          <a:xfrm>
-            <a:off x="1970323" y="1282451"/>
-            <a:ext cx="2664361" cy="1903241"/>
+            <a:off x="693643" y="685800"/>
+            <a:ext cx="4126860" cy="2023252"/>
           </a:xfrm>
         </p:spPr>
         <p:txBody>
@@ -3107,8 +5146,8 @@
             <a:normAutofit/>
           </a:bodyPr>
           <a:lstStyle>
-            <a:lvl1pPr algn="l">
-              <a:defRPr sz="2400"/>
+            <a:lvl1pPr algn="ctr">
+              <a:defRPr sz="3600"/>
             </a:lvl1pPr>
           </a:lstStyle>
           <a:p>
@@ -3122,22 +5161,22 @@
       </p:sp>
       <p:sp>
         <p:nvSpPr>
-          <p:cNvPr id="3" name="Content Placeholder 2"/>
-          <p:cNvSpPr>
-            <a:spLocks noGrp="1"/>
-          </p:cNvSpPr>
-          <p:nvPr>
-            <p:ph idx="1"/>
+          <p:cNvPr id="10" name="Content Placeholder 2"/>
+          <p:cNvSpPr>
+            <a:spLocks noGrp="1"/>
+          </p:cNvSpPr>
+          <p:nvPr>
+            <p:ph sz="quarter" idx="13"/>
           </p:nvPr>
         </p:nvSpPr>
         <p:spPr>
           <a:xfrm>
-            <a:off x="5120154" y="805818"/>
-            <a:ext cx="5446278" cy="5244126"/>
+            <a:off x="5046132" y="685800"/>
+            <a:ext cx="6034375" cy="4688785"/>
           </a:xfrm>
         </p:spPr>
         <p:txBody>
-          <a:bodyPr anchor="ctr"/>
+          <a:bodyPr/>
           <a:lstStyle/>
           <a:p>
             <a:pPr lvl="0"/>
@@ -3189,16 +5228,18 @@
         </p:nvSpPr>
         <p:spPr>
           <a:xfrm>
-            <a:off x="1970322" y="3186154"/>
-            <a:ext cx="2664361" cy="2386397"/>
+            <a:off x="693642" y="2709052"/>
+            <a:ext cx="4126861" cy="2665533"/>
           </a:xfrm>
         </p:spPr>
         <p:txBody>
-          <a:bodyPr/>
+          <a:bodyPr anchor="t">
+            <a:normAutofit/>
+          </a:bodyPr>
           <a:lstStyle>
-            <a:lvl1pPr marL="0" indent="0" algn="l">
-              <a:buNone/>
-              <a:defRPr sz="1600"/>
+            <a:lvl1pPr marL="0" indent="0" algn="ctr">
+              <a:buNone/>
+              <a:defRPr sz="1800"/>
             </a:lvl1pPr>
             <a:lvl2pPr marL="457200" indent="0">
               <a:buNone/>
@@ -3258,8 +5299,8 @@
           <a:lstStyle/>
           <a:p>
             <a:fld id="{37D525BB-DA17-4BA0-B3C8-3AC3ABC827E6}" type="datetimeFigureOut">
-              <a:rPr lang="en-US" dirty="0"/>
-              <a:t>3/28/2018</a:t>
+              <a:rPr lang="en-US" smtClean="0"/>
+              <a:t>4/30/2018</a:t>
             </a:fld>
             <a:endParaRPr lang="en-US" dirty="0"/>
           </a:p>
@@ -3281,10 +5322,11 @@
           <a:lstStyle/>
           <a:p>
             <a:r>
-              <a:rPr lang="en-US" dirty="0"/>
+              <a:rPr lang="en-US"/>
               <a:t>
               </a:t>
             </a:r>
+            <a:endParaRPr lang="en-US" dirty="0"/>
           </a:p>
         </p:txBody>
       </p:sp>
@@ -3304,7 +5346,7 @@
           <a:lstStyle/>
           <a:p>
             <a:fld id="{6D22F896-40B5-4ADD-8801-0D06FADFA095}" type="slidenum">
-              <a:rPr lang="en-US" dirty="0"/>
+              <a:rPr lang="en-US" smtClean="0"/>
               <a:t>‹#›</a:t>
             </a:fld>
             <a:endParaRPr lang="en-US" dirty="0"/>
@@ -3312,6 +5354,11 @@
         </p:txBody>
       </p:sp>
     </p:spTree>
+    <p:extLst>
+      <p:ext uri="{BB962C8B-B14F-4D97-AF65-F5344CB8AC3E}">
+        <p14:creationId xmlns:p14="http://schemas.microsoft.com/office/powerpoint/2010/main" val="3624401419"/>
+      </p:ext>
+    </p:extLst>
   </p:cSld>
   <p:clrMapOvr>
     <a:masterClrMapping/>
@@ -3338,119 +5385,126 @@
       </p:grpSpPr>
       <p:sp>
         <p:nvSpPr>
-          <p:cNvPr id="19" name="Rectangle 18"/>
-          <p:cNvSpPr/>
-          <p:nvPr/>
+          <p:cNvPr id="2" name="Title 1"/>
+          <p:cNvSpPr>
+            <a:spLocks noGrp="1"/>
+          </p:cNvSpPr>
+          <p:nvPr>
+            <p:ph type="title"/>
+          </p:nvPr>
         </p:nvSpPr>
         <p:spPr>
           <a:xfrm>
-            <a:off x="1004479" y="0"/>
-            <a:ext cx="10372316" cy="6858000"/>
+            <a:off x="685800" y="685800"/>
+            <a:ext cx="6345302" cy="2023252"/>
           </a:xfrm>
-          <a:prstGeom prst="rect">
-            <a:avLst/>
-          </a:prstGeom>
-          <a:solidFill>
-            <a:schemeClr val="bg2">
-              <a:alpha val="92000"/>
-            </a:schemeClr>
-          </a:solidFill>
-          <a:ln>
-            <a:noFill/>
+        </p:spPr>
+        <p:txBody>
+          <a:bodyPr anchor="b">
+            <a:normAutofit/>
+          </a:bodyPr>
+          <a:lstStyle>
+            <a:lvl1pPr algn="ctr">
+              <a:defRPr sz="3600"/>
+            </a:lvl1pPr>
+          </a:lstStyle>
+          <a:p>
+            <a:r>
+              <a:rPr lang="en-US"/>
+              <a:t>Click to edit Master title style</a:t>
+            </a:r>
+            <a:endParaRPr lang="en-US" dirty="0"/>
+          </a:p>
+        </p:txBody>
+      </p:sp>
+      <p:sp>
+        <p:nvSpPr>
+          <p:cNvPr id="3" name="Picture Placeholder 2"/>
+          <p:cNvSpPr>
+            <a:spLocks noGrp="1" noChangeAspect="1"/>
+          </p:cNvSpPr>
+          <p:nvPr>
+            <p:ph type="pic" idx="1"/>
+          </p:nvPr>
+        </p:nvSpPr>
+        <p:spPr>
+          <a:xfrm>
+            <a:off x="7482362" y="0"/>
+            <a:ext cx="3598146" cy="5071533"/>
+          </a:xfrm>
+          <a:ln w="57150" cmpd="thinThick">
+            <a:solidFill>
+              <a:schemeClr val="bg1">
+                <a:lumMod val="50000"/>
+              </a:schemeClr>
+            </a:solidFill>
+            <a:miter lim="800000"/>
           </a:ln>
         </p:spPr>
-        <p:style>
-          <a:lnRef idx="2">
-            <a:schemeClr val="accent1">
-              <a:shade val="50000"/>
-            </a:schemeClr>
-          </a:lnRef>
-          <a:fillRef idx="1">
-            <a:schemeClr val="accent1"/>
-          </a:fillRef>
-          <a:effectRef idx="0">
-            <a:schemeClr val="accent1"/>
-          </a:effectRef>
-          <a:fontRef idx="minor">
-            <a:schemeClr val="lt1"/>
-          </a:fontRef>
-        </p:style>
-      </p:sp>
-      <p:sp>
-        <p:nvSpPr>
-          <p:cNvPr id="20" name="Rectangle 19"/>
-          <p:cNvSpPr/>
-          <p:nvPr/>
+        <p:txBody>
+          <a:bodyPr anchor="t"/>
+          <a:lstStyle>
+            <a:lvl1pPr marL="0" indent="0" algn="ctr">
+              <a:buNone/>
+              <a:defRPr sz="3200"/>
+            </a:lvl1pPr>
+            <a:lvl2pPr marL="457200" indent="0">
+              <a:buNone/>
+              <a:defRPr sz="2800"/>
+            </a:lvl2pPr>
+            <a:lvl3pPr marL="914400" indent="0">
+              <a:buNone/>
+              <a:defRPr sz="2400"/>
+            </a:lvl3pPr>
+            <a:lvl4pPr marL="1371600" indent="0">
+              <a:buNone/>
+              <a:defRPr sz="2000"/>
+            </a:lvl4pPr>
+            <a:lvl5pPr marL="1828800" indent="0">
+              <a:buNone/>
+              <a:defRPr sz="2000"/>
+            </a:lvl5pPr>
+            <a:lvl6pPr marL="2286000" indent="0">
+              <a:buNone/>
+              <a:defRPr sz="2000"/>
+            </a:lvl6pPr>
+            <a:lvl7pPr marL="2743200" indent="0">
+              <a:buNone/>
+              <a:defRPr sz="2000"/>
+            </a:lvl7pPr>
+            <a:lvl8pPr marL="3200400" indent="0">
+              <a:buNone/>
+              <a:defRPr sz="2000"/>
+            </a:lvl8pPr>
+            <a:lvl9pPr marL="3657600" indent="0">
+              <a:buNone/>
+              <a:defRPr sz="2000"/>
+            </a:lvl9pPr>
+          </a:lstStyle>
+          <a:p>
+            <a:r>
+              <a:rPr lang="en-US"/>
+              <a:t>Click icon to add picture</a:t>
+            </a:r>
+            <a:endParaRPr lang="en-US" dirty="0"/>
+          </a:p>
+        </p:txBody>
+      </p:sp>
+      <p:sp>
+        <p:nvSpPr>
+          <p:cNvPr id="4" name="Text Placeholder 3"/>
+          <p:cNvSpPr>
+            <a:spLocks noGrp="1"/>
+          </p:cNvSpPr>
+          <p:nvPr>
+            <p:ph type="body" sz="half" idx="2"/>
+          </p:nvPr>
         </p:nvSpPr>
         <p:spPr>
           <a:xfrm>
-            <a:off x="11377328" y="0"/>
-            <a:ext cx="27432" cy="6858000"/>
+            <a:off x="685801" y="2709052"/>
+            <a:ext cx="6345301" cy="2362481"/>
           </a:xfrm>
-          <a:prstGeom prst="rect">
-            <a:avLst/>
-          </a:prstGeom>
-          <a:solidFill>
-            <a:schemeClr val="accent6"/>
-          </a:solidFill>
-          <a:ln>
-            <a:noFill/>
-          </a:ln>
-        </p:spPr>
-        <p:style>
-          <a:lnRef idx="2">
-            <a:schemeClr val="accent1">
-              <a:shade val="50000"/>
-            </a:schemeClr>
-          </a:lnRef>
-          <a:fillRef idx="1">
-            <a:schemeClr val="accent1"/>
-          </a:fillRef>
-          <a:effectRef idx="0">
-            <a:schemeClr val="accent1"/>
-          </a:effectRef>
-          <a:fontRef idx="minor">
-            <a:schemeClr val="lt1"/>
-          </a:fontRef>
-        </p:style>
-      </p:sp>
-      <p:sp>
-        <p:nvSpPr>
-          <p:cNvPr id="3" name="Picture Placeholder 2"/>
-          <p:cNvSpPr>
-            <a:spLocks noGrp="1" noChangeAspect="1"/>
-          </p:cNvSpPr>
-          <p:nvPr>
-            <p:ph type="pic" idx="1"/>
-          </p:nvPr>
-        </p:nvSpPr>
-        <p:spPr>
-          <a:xfrm>
-            <a:off x="6747062" y="3229"/>
-            <a:ext cx="4629734" cy="6858000"/>
-          </a:xfrm>
-          <a:solidFill>
-            <a:schemeClr val="tx1">
-              <a:alpha val="10000"/>
-            </a:schemeClr>
-          </a:solidFill>
-          <a:ln w="9525" cap="sq">
-            <a:noFill/>
-            <a:miter lim="800000"/>
-          </a:ln>
-          <a:effectLst/>
-          <a:scene3d>
-            <a:camera prst="orthographicFront"/>
-            <a:lightRig rig="twoPt" dir="t">
-              <a:rot lat="0" lon="0" rev="7200000"/>
-            </a:lightRig>
-          </a:scene3d>
-          <a:sp3d>
-            <a:bevelT w="25400" h="19050"/>
-            <a:contourClr>
-              <a:srgbClr val="FFFFFF"/>
-            </a:contourClr>
-          </a:sp3d>
         </p:spPr>
         <p:txBody>
           <a:bodyPr anchor="t">
@@ -3459,149 +5513,7 @@
           <a:lstStyle>
             <a:lvl1pPr marL="0" indent="0" algn="ctr">
               <a:buNone/>
-              <a:defRPr sz="2800"/>
-            </a:lvl1pPr>
-            <a:lvl2pPr marL="457200" indent="0">
-              <a:buNone/>
-              <a:defRPr sz="2800"/>
-            </a:lvl2pPr>
-            <a:lvl3pPr marL="914400" indent="0">
-              <a:buNone/>
-              <a:defRPr sz="2400"/>
-            </a:lvl3pPr>
-            <a:lvl4pPr marL="1371600" indent="0">
-              <a:buNone/>
-              <a:defRPr sz="2000"/>
-            </a:lvl4pPr>
-            <a:lvl5pPr marL="1828800" indent="0">
-              <a:buNone/>
-              <a:defRPr sz="2000"/>
-            </a:lvl5pPr>
-            <a:lvl6pPr marL="2286000" indent="0">
-              <a:buNone/>
-              <a:defRPr sz="2000"/>
-            </a:lvl6pPr>
-            <a:lvl7pPr marL="2743200" indent="0">
-              <a:buNone/>
-              <a:defRPr sz="2000"/>
-            </a:lvl7pPr>
-            <a:lvl8pPr marL="3200400" indent="0">
-              <a:buNone/>
-              <a:defRPr sz="2000"/>
-            </a:lvl8pPr>
-            <a:lvl9pPr marL="3657600" indent="0">
-              <a:buNone/>
-              <a:defRPr sz="2000"/>
-            </a:lvl9pPr>
-          </a:lstStyle>
-          <a:p>
-            <a:r>
-              <a:rPr lang="en-US"/>
-              <a:t>Click icon to add picture</a:t>
-            </a:r>
-            <a:endParaRPr lang="en-US" dirty="0"/>
-          </a:p>
-        </p:txBody>
-      </p:sp>
-      <p:sp>
-        <p:nvSpPr>
-          <p:cNvPr id="10" name="TextBox 9"/>
-          <p:cNvSpPr txBox="1"/>
-          <p:nvPr/>
-        </p:nvSpPr>
-        <p:spPr>
-          <a:xfrm>
-            <a:off x="1554686" y="1127550"/>
-            <a:ext cx="415636" cy="369332"/>
-          </a:xfrm>
-          <a:prstGeom prst="rect">
-            <a:avLst/>
-          </a:prstGeom>
-          <a:noFill/>
-        </p:spPr>
-        <p:txBody>
-          <a:bodyPr wrap="square" rtlCol="0">
-            <a:spAutoFit/>
-          </a:bodyPr>
-          <a:lstStyle/>
-          <a:p>
-            <a:pPr algn="r"/>
-            <a:r>
-              <a:rPr lang="en-US" sz="1800" dirty="0">
-                <a:solidFill>
-                  <a:schemeClr val="accent6"/>
-                </a:solidFill>
-                <a:latin typeface="Wingdings 3" panose="05040102010807070707" pitchFamily="18" charset="2"/>
-              </a:rPr>
-              <a:t>z</a:t>
-            </a:r>
-            <a:endParaRPr lang="en-US" sz="1000" dirty="0">
-              <a:solidFill>
-                <a:schemeClr val="accent6"/>
-              </a:solidFill>
-              <a:latin typeface="MS Shell Dlg 2" panose="020B0604030504040204" pitchFamily="34" charset="0"/>
-            </a:endParaRPr>
-          </a:p>
-        </p:txBody>
-      </p:sp>
-      <p:sp>
-        <p:nvSpPr>
-          <p:cNvPr id="2" name="Title 1"/>
-          <p:cNvSpPr>
-            <a:spLocks noGrp="1"/>
-          </p:cNvSpPr>
-          <p:nvPr>
-            <p:ph type="title"/>
-          </p:nvPr>
-        </p:nvSpPr>
-        <p:spPr>
-          <a:xfrm>
-            <a:off x="1971241" y="1282452"/>
-            <a:ext cx="3970986" cy="1900473"/>
-          </a:xfrm>
-        </p:spPr>
-        <p:txBody>
-          <a:bodyPr anchor="b">
-            <a:normAutofit/>
-          </a:bodyPr>
-          <a:lstStyle>
-            <a:lvl1pPr algn="l">
-              <a:defRPr sz="3200"/>
-            </a:lvl1pPr>
-          </a:lstStyle>
-          <a:p>
-            <a:r>
-              <a:rPr lang="en-US"/>
-              <a:t>Click to edit Master title style</a:t>
-            </a:r>
-            <a:endParaRPr lang="en-US" dirty="0"/>
-          </a:p>
-        </p:txBody>
-      </p:sp>
-      <p:sp>
-        <p:nvSpPr>
-          <p:cNvPr id="4" name="Text Placeholder 3"/>
-          <p:cNvSpPr>
-            <a:spLocks noGrp="1"/>
-          </p:cNvSpPr>
-          <p:nvPr>
-            <p:ph type="body" sz="half" idx="2"/>
-          </p:nvPr>
-        </p:nvSpPr>
-        <p:spPr>
-          <a:xfrm>
-            <a:off x="1970322" y="3182928"/>
-            <a:ext cx="3971874" cy="2386394"/>
-          </a:xfrm>
-        </p:spPr>
-        <p:txBody>
-          <a:bodyPr>
-            <a:normAutofit/>
-          </a:bodyPr>
-          <a:lstStyle>
-            <a:lvl1pPr marL="0" indent="0" algn="l">
-              <a:buNone/>
-              <a:defRPr sz="2000"/>
+              <a:defRPr sz="1800"/>
             </a:lvl1pPr>
             <a:lvl2pPr marL="457200" indent="0">
               <a:buNone/>
@@ -3661,8 +5573,8 @@
           <a:lstStyle/>
           <a:p>
             <a:fld id="{B16C4C9A-3960-41CF-A4E9-2A8FB932454B}" type="datetimeFigureOut">
-              <a:rPr lang="en-US" dirty="0"/>
-              <a:t>3/28/2018</a:t>
+              <a:rPr lang="en-US" smtClean="0"/>
+              <a:t>4/30/2018</a:t>
             </a:fld>
             <a:endParaRPr lang="en-US" dirty="0"/>
           </a:p>
@@ -3684,10 +5596,11 @@
           <a:lstStyle/>
           <a:p>
             <a:r>
-              <a:rPr lang="en-US" dirty="0"/>
+              <a:rPr lang="en-US"/>
               <a:t>
               </a:t>
             </a:r>
+            <a:endParaRPr lang="en-US" dirty="0"/>
           </a:p>
         </p:txBody>
       </p:sp>
@@ -3707,7 +5620,7 @@
           <a:lstStyle/>
           <a:p>
             <a:fld id="{6D22F896-40B5-4ADD-8801-0D06FADFA095}" type="slidenum">
-              <a:rPr lang="en-US" dirty="0"/>
+              <a:rPr lang="en-US" smtClean="0"/>
               <a:t>‹#›</a:t>
             </a:fld>
             <a:endParaRPr lang="en-US" dirty="0"/>
@@ -3715,6 +5628,11 @@
         </p:txBody>
       </p:sp>
     </p:spTree>
+    <p:extLst>
+      <p:ext uri="{BB962C8B-B14F-4D97-AF65-F5344CB8AC3E}">
+        <p14:creationId xmlns:p14="http://schemas.microsoft.com/office/powerpoint/2010/main" val="2209625770"/>
+      </p:ext>
+    </p:extLst>
   </p:cSld>
   <p:clrMapOvr>
     <a:masterClrMapping/>
@@ -3746,44 +5664,14 @@
       </p:grpSpPr>
       <p:pic>
         <p:nvPicPr>
-          <p:cNvPr id="18" name="Picture 17"/>
+          <p:cNvPr id="7" name="Picture 6" descr="Brickwork-HD-R1a.jpg"/>
           <p:cNvPicPr>
             <a:picLocks noChangeAspect="1"/>
           </p:cNvPicPr>
           <p:nvPr/>
         </p:nvPicPr>
         <p:blipFill>
-          <a:blip r:embed="rId13">
-            <a:extLst>
-              <a:ext uri="{28A0092B-C50C-407E-A947-70E740481C1C}">
-                <a14:useLocalDpi xmlns:a14="http://schemas.microsoft.com/office/drawing/2010/main" val="0"/>
-              </a:ext>
-            </a:extLst>
-          </a:blip>
-          <a:stretch>
-            <a:fillRect/>
-          </a:stretch>
-        </p:blipFill>
-        <p:spPr>
-          <a:xfrm>
-            <a:off x="2831794" y="2105202"/>
-            <a:ext cx="9360205" cy="4752798"/>
-          </a:xfrm>
-          <a:prstGeom prst="rect">
-            <a:avLst/>
-          </a:prstGeom>
-        </p:spPr>
-      </p:pic>
-      <p:pic>
-        <p:nvPicPr>
-          <p:cNvPr id="15" name="Picture 14"/>
-          <p:cNvPicPr>
-            <a:picLocks noChangeAspect="1"/>
-          </p:cNvPicPr>
-          <p:nvPr/>
-        </p:nvPicPr>
-        <p:blipFill>
-          <a:blip r:embed="rId14">
+          <a:blip r:embed="rId19">
             <a:extLst>
               <a:ext uri="{28A0092B-C50C-407E-A947-70E740481C1C}">
                 <a14:useLocalDpi xmlns:a14="http://schemas.microsoft.com/office/drawing/2010/main" val="0"/>
@@ -3797,72 +5685,194 @@
         <p:spPr>
           <a:xfrm>
             <a:off x="0" y="0"/>
-            <a:ext cx="12189867" cy="6858000"/>
+            <a:ext cx="12192000" cy="6858000"/>
           </a:xfrm>
           <a:prstGeom prst="rect">
             <a:avLst/>
           </a:prstGeom>
         </p:spPr>
       </p:pic>
-      <p:sp>
-        <p:nvSpPr>
-          <p:cNvPr id="8" name="Rectangle 7"/>
-          <p:cNvSpPr/>
+      <p:grpSp>
+        <p:nvGrpSpPr>
+          <p:cNvPr id="10" name="Group 9"/>
+          <p:cNvGrpSpPr/>
           <p:nvPr/>
+        </p:nvGrpSpPr>
+        <p:grpSpPr>
+          <a:xfrm>
+            <a:off x="-25397" y="0"/>
+            <a:ext cx="12005350" cy="6644081"/>
+            <a:chOff x="-25397" y="0"/>
+            <a:chExt cx="12005350" cy="6644081"/>
+          </a:xfrm>
+        </p:grpSpPr>
+        <p:sp useBgFill="1">
+          <p:nvSpPr>
+            <p:cNvPr id="11" name="Rectangle 10"/>
+            <p:cNvSpPr/>
+            <p:nvPr/>
+          </p:nvSpPr>
+          <p:spPr>
+            <a:xfrm>
+              <a:off x="1" y="0"/>
+              <a:ext cx="11979952" cy="6644081"/>
+            </a:xfrm>
+            <a:prstGeom prst="rect">
+              <a:avLst/>
+            </a:prstGeom>
+            <a:ln>
+              <a:noFill/>
+            </a:ln>
+            <a:effectLst>
+              <a:outerShdw blurRad="98425" dist="76200" dir="4380000" algn="tl" rotWithShape="0">
+                <a:srgbClr val="000000">
+                  <a:alpha val="68000"/>
+                </a:srgbClr>
+              </a:outerShdw>
+            </a:effectLst>
+          </p:spPr>
+          <p:style>
+            <a:lnRef idx="1">
+              <a:schemeClr val="accent1"/>
+            </a:lnRef>
+            <a:fillRef idx="3">
+              <a:schemeClr val="accent1"/>
+            </a:fillRef>
+            <a:effectRef idx="2">
+              <a:schemeClr val="accent1"/>
+            </a:effectRef>
+            <a:fontRef idx="minor">
+              <a:schemeClr val="lt1"/>
+            </a:fontRef>
+          </p:style>
+        </p:sp>
+        <p:sp>
+          <p:nvSpPr>
+            <p:cNvPr id="12" name="Freeform 11"/>
+            <p:cNvSpPr/>
+            <p:nvPr/>
+          </p:nvSpPr>
+          <p:spPr>
+            <a:xfrm>
+              <a:off x="-25397" y="0"/>
+              <a:ext cx="11773291" cy="6419514"/>
+            </a:xfrm>
+            <a:custGeom>
+              <a:avLst/>
+              <a:gdLst/>
+              <a:ahLst/>
+              <a:cxnLst/>
+              <a:rect l="l" t="t" r="r" b="b"/>
+              <a:pathLst>
+                <a:path w="11773291" h="6419514">
+                  <a:moveTo>
+                    <a:pt x="11750059" y="0"/>
+                  </a:moveTo>
+                  <a:lnTo>
+                    <a:pt x="11773291" y="6419514"/>
+                  </a:lnTo>
+                  <a:lnTo>
+                    <a:pt x="0" y="6411047"/>
+                  </a:lnTo>
+                </a:path>
+              </a:pathLst>
+            </a:custGeom>
+            <a:ln w="82550">
+              <a:solidFill>
+                <a:schemeClr val="tx1">
+                  <a:lumMod val="50000"/>
+                  <a:lumOff val="50000"/>
+                </a:schemeClr>
+              </a:solidFill>
+              <a:miter lim="800000"/>
+            </a:ln>
+          </p:spPr>
+          <p:style>
+            <a:lnRef idx="2">
+              <a:schemeClr val="accent1"/>
+            </a:lnRef>
+            <a:fillRef idx="0">
+              <a:schemeClr val="accent1"/>
+            </a:fillRef>
+            <a:effectRef idx="1">
+              <a:schemeClr val="accent1"/>
+            </a:effectRef>
+            <a:fontRef idx="minor">
+              <a:schemeClr val="tx1"/>
+            </a:fontRef>
+          </p:style>
+        </p:sp>
+        <p:sp>
+          <p:nvSpPr>
+            <p:cNvPr id="13" name="Rectangle 12"/>
+            <p:cNvSpPr/>
+            <p:nvPr/>
+          </p:nvSpPr>
+          <p:spPr>
+            <a:xfrm>
+              <a:off x="1" y="5600215"/>
+              <a:ext cx="11706512" cy="780581"/>
+            </a:xfrm>
+            <a:prstGeom prst="rect">
+              <a:avLst/>
+            </a:prstGeom>
+            <a:gradFill flip="none" rotWithShape="1">
+              <a:gsLst>
+                <a:gs pos="34000">
+                  <a:schemeClr val="accent1"/>
+                </a:gs>
+                <a:gs pos="100000">
+                  <a:schemeClr val="accent1">
+                    <a:lumMod val="50000"/>
+                  </a:schemeClr>
+                </a:gs>
+              </a:gsLst>
+              <a:path path="circle">
+                <a:fillToRect l="50000" t="50000" r="50000" b="50000"/>
+              </a:path>
+              <a:tileRect/>
+            </a:gradFill>
+            <a:ln>
+              <a:noFill/>
+            </a:ln>
+          </p:spPr>
+          <p:style>
+            <a:lnRef idx="1">
+              <a:schemeClr val="accent1"/>
+            </a:lnRef>
+            <a:fillRef idx="3">
+              <a:schemeClr val="accent1"/>
+            </a:fillRef>
+            <a:effectRef idx="2">
+              <a:schemeClr val="accent1"/>
+            </a:effectRef>
+            <a:fontRef idx="minor">
+              <a:schemeClr val="lt1"/>
+            </a:fontRef>
+          </p:style>
+        </p:sp>
+      </p:grpSp>
+      <p:sp>
+        <p:nvSpPr>
+          <p:cNvPr id="2" name="Title Placeholder 1"/>
+          <p:cNvSpPr>
+            <a:spLocks noGrp="1"/>
+          </p:cNvSpPr>
+          <p:nvPr>
+            <p:ph type="title"/>
+          </p:nvPr>
         </p:nvSpPr>
         <p:spPr>
           <a:xfrm>
-            <a:off x="0" y="0"/>
-            <a:ext cx="964174" cy="6858000"/>
-          </a:xfrm>
-          <a:prstGeom prst="rect">
-            <a:avLst/>
-          </a:prstGeom>
-          <a:solidFill>
-            <a:schemeClr val="bg2"/>
-          </a:solidFill>
-          <a:ln>
-            <a:noFill/>
-          </a:ln>
-        </p:spPr>
-        <p:style>
-          <a:lnRef idx="2">
-            <a:schemeClr val="accent1">
-              <a:shade val="50000"/>
-            </a:schemeClr>
-          </a:lnRef>
-          <a:fillRef idx="1">
-            <a:schemeClr val="accent1"/>
-          </a:fillRef>
-          <a:effectRef idx="0">
-            <a:schemeClr val="accent1"/>
-          </a:effectRef>
-          <a:fontRef idx="minor">
-            <a:schemeClr val="lt1"/>
-          </a:fontRef>
-        </p:style>
-      </p:sp>
-      <p:sp>
-        <p:nvSpPr>
-          <p:cNvPr id="2" name="Title Placeholder 1"/>
-          <p:cNvSpPr>
-            <a:spLocks noGrp="1"/>
-          </p:cNvSpPr>
-          <p:nvPr>
-            <p:ph type="title"/>
-          </p:nvPr>
-        </p:nvSpPr>
-        <p:spPr>
-          <a:xfrm>
-            <a:off x="2611808" y="808056"/>
-            <a:ext cx="7958331" cy="1077229"/>
+            <a:off x="685801" y="685800"/>
+            <a:ext cx="10396882" cy="1151965"/>
           </a:xfrm>
           <a:prstGeom prst="rect">
             <a:avLst/>
           </a:prstGeom>
         </p:spPr>
         <p:txBody>
-          <a:bodyPr vert="horz" lIns="91440" tIns="45720" rIns="91440" bIns="45720" rtlCol="0" anchor="t">
+          <a:bodyPr vert="horz" lIns="91440" tIns="45720" rIns="91440" bIns="45720" rtlCol="0" anchor="ctr">
             <a:normAutofit/>
           </a:bodyPr>
           <a:lstStyle/>
@@ -3887,80 +5897,53 @@
         </p:nvSpPr>
         <p:spPr>
           <a:xfrm>
-            <a:off x="2773599" y="2052116"/>
-            <a:ext cx="7796540" cy="3997828"/>
+            <a:off x="685800" y="2063396"/>
+            <a:ext cx="10396883" cy="3311189"/>
           </a:xfrm>
           <a:prstGeom prst="rect">
             <a:avLst/>
           </a:prstGeom>
         </p:spPr>
         <p:txBody>
-          <a:bodyPr vert="horz" lIns="91440" tIns="45720" rIns="91440" bIns="45720" rtlCol="0">
+          <a:bodyPr vert="horz" lIns="91440" tIns="45720" rIns="91440" bIns="45720" rtlCol="0" anchor="ctr">
             <a:normAutofit/>
           </a:bodyPr>
           <a:lstStyle/>
           <a:p>
             <a:pPr lvl="0"/>
             <a:r>
-              <a:rPr lang="en-US" dirty="0"/>
+              <a:rPr lang="en-US"/>
               <a:t>Edit Master text styles</a:t>
             </a:r>
           </a:p>
           <a:p>
             <a:pPr lvl="1"/>
             <a:r>
-              <a:rPr lang="en-US" dirty="0"/>
+              <a:rPr lang="en-US"/>
               <a:t>Second level</a:t>
             </a:r>
           </a:p>
           <a:p>
             <a:pPr lvl="2"/>
             <a:r>
-              <a:rPr lang="en-US" dirty="0"/>
+              <a:rPr lang="en-US"/>
               <a:t>Third level</a:t>
             </a:r>
           </a:p>
           <a:p>
             <a:pPr lvl="3"/>
             <a:r>
-              <a:rPr lang="en-US" dirty="0"/>
+              <a:rPr lang="en-US"/>
               <a:t>Fourth level</a:t>
             </a:r>
           </a:p>
           <a:p>
             <a:pPr lvl="4"/>
             <a:r>
-              <a:rPr lang="en-US" dirty="0"/>
+              <a:rPr lang="en-US"/>
               <a:t>Fifth level</a:t>
             </a:r>
-          </a:p>
-          <a:p>
-            <a:pPr lvl="5"/>
-            <a:r>
-              <a:rPr lang="en-US" dirty="0"/>
-              <a:t>Sixth level</a:t>
-            </a:r>
-          </a:p>
-          <a:p>
-            <a:pPr lvl="6"/>
-            <a:r>
-              <a:rPr lang="en-US" dirty="0"/>
-              <a:t>Seventh level</a:t>
-            </a:r>
-          </a:p>
-          <a:p>
-            <a:pPr lvl="7"/>
-            <a:r>
-              <a:rPr lang="en-US" dirty="0"/>
-              <a:t>Eigth level</a:t>
-            </a:r>
-          </a:p>
-          <a:p>
-            <a:pPr lvl="8"/>
-            <a:r>
-              <a:rPr lang="en-US" dirty="0"/>
-              <a:t>Ninth level</a:t>
-            </a:r>
+            <a:endParaRPr lang="en-US" dirty="0"/>
           </a:p>
         </p:txBody>
       </p:sp>
@@ -3975,32 +5958,31 @@
           </p:nvPr>
         </p:nvSpPr>
         <p:spPr>
-          <a:xfrm rot="5400000">
-            <a:off x="-810065" y="5270604"/>
-            <a:ext cx="2662729" cy="182880"/>
+          <a:xfrm>
+            <a:off x="7298083" y="5757334"/>
+            <a:ext cx="3784600" cy="498470"/>
           </a:xfrm>
           <a:prstGeom prst="rect">
             <a:avLst/>
           </a:prstGeom>
         </p:spPr>
         <p:txBody>
-          <a:bodyPr vert="horz" lIns="91440" tIns="18288" rIns="91440" bIns="45720" rtlCol="0" anchor="t"/>
+          <a:bodyPr vert="horz" lIns="91440" tIns="45720" rIns="91440" bIns="45720" rtlCol="0" anchor="ctr"/>
           <a:lstStyle>
             <a:lvl1pPr algn="r">
-              <a:defRPr sz="800">
+              <a:defRPr sz="3200" cap="all" baseline="0">
                 <a:solidFill>
-                  <a:schemeClr val="tx1">
-                    <a:tint val="75000"/>
+                  <a:schemeClr val="accent1">
+                    <a:lumMod val="50000"/>
                   </a:schemeClr>
                 </a:solidFill>
-                <a:latin typeface="+mn-lt"/>
               </a:defRPr>
             </a:lvl1pPr>
           </a:lstStyle>
           <a:p>
             <a:fld id="{3CBC1C18-307B-4F68-A007-B5B542270E8D}" type="datetimeFigureOut">
-              <a:rPr lang="en-US" dirty="0"/>
-              <a:t>3/28/2018</a:t>
+              <a:rPr lang="en-US" smtClean="0"/>
+              <a:t>4/30/2018</a:t>
             </a:fld>
             <a:endParaRPr lang="en-US" dirty="0"/>
           </a:p>
@@ -4017,22 +5999,22 @@
           </p:nvPr>
         </p:nvSpPr>
         <p:spPr>
-          <a:xfrm rot="5400000">
-            <a:off x="-2237130" y="3661144"/>
-            <a:ext cx="5885352" cy="179176"/>
+          <a:xfrm>
+            <a:off x="685801" y="5757334"/>
+            <a:ext cx="5499719" cy="498470"/>
           </a:xfrm>
           <a:prstGeom prst="rect">
             <a:avLst/>
           </a:prstGeom>
         </p:spPr>
         <p:txBody>
-          <a:bodyPr vert="horz" lIns="91440" tIns="45720" rIns="91440" bIns="18288" rtlCol="0" anchor="b"/>
+          <a:bodyPr vert="horz" lIns="91440" tIns="45720" rIns="91440" bIns="45720" rtlCol="0" anchor="ctr"/>
           <a:lstStyle>
-            <a:lvl1pPr algn="r">
-              <a:defRPr sz="800">
+            <a:lvl1pPr algn="l">
+              <a:defRPr sz="3200" cap="all" baseline="0">
                 <a:solidFill>
-                  <a:schemeClr val="tx1">
-                    <a:tint val="75000"/>
+                  <a:schemeClr val="accent1">
+                    <a:lumMod val="50000"/>
                   </a:schemeClr>
                 </a:solidFill>
               </a:defRPr>
@@ -4040,10 +6022,11 @@
           </a:lstStyle>
           <a:p>
             <a:r>
-              <a:rPr lang="en-US" dirty="0"/>
+              <a:rPr lang="en-US"/>
               <a:t>
               </a:t>
             </a:r>
+            <a:endParaRPr lang="en-US" dirty="0"/>
           </a:p>
         </p:txBody>
       </p:sp>
@@ -4059,21 +6042,21 @@
         </p:nvSpPr>
         <p:spPr>
           <a:xfrm>
-            <a:off x="158407" y="164592"/>
-            <a:ext cx="636727" cy="322851"/>
+            <a:off x="6287121" y="5757334"/>
+            <a:ext cx="907186" cy="498470"/>
           </a:xfrm>
           <a:prstGeom prst="rect">
             <a:avLst/>
           </a:prstGeom>
         </p:spPr>
         <p:txBody>
-          <a:bodyPr vert="horz" lIns="91440" tIns="45720" rIns="45720" bIns="45720" rtlCol="0" anchor="ctr"/>
+          <a:bodyPr vert="horz" lIns="91440" tIns="45720" rIns="91440" bIns="45720" rtlCol="0" anchor="ctr"/>
           <a:lstStyle>
-            <a:lvl1pPr algn="r">
-              <a:defRPr sz="1800">
+            <a:lvl1pPr algn="ctr">
+              <a:defRPr sz="3200" cap="all" baseline="0">
                 <a:solidFill>
-                  <a:schemeClr val="tx1">
-                    <a:tint val="75000"/>
+                  <a:schemeClr val="accent1">
+                    <a:lumMod val="50000"/>
                   </a:schemeClr>
                 </a:solidFill>
               </a:defRPr>
@@ -4081,7 +6064,7 @@
           </a:lstStyle>
           <a:p>
             <a:fld id="{6D22F896-40B5-4ADD-8801-0D06FADFA095}" type="slidenum">
-              <a:rPr lang="en-US" dirty="0"/>
+              <a:rPr lang="en-US" smtClean="0"/>
               <a:pPr/>
               <a:t>‹#›</a:t>
             </a:fld>
@@ -4089,64 +6072,37 @@
           </a:p>
         </p:txBody>
       </p:sp>
-      <p:sp>
-        <p:nvSpPr>
-          <p:cNvPr id="57" name="Rectangle 56"/>
-          <p:cNvSpPr/>
-          <p:nvPr/>
-        </p:nvSpPr>
-        <p:spPr>
-          <a:xfrm>
-            <a:off x="962042" y="0"/>
-            <a:ext cx="45719" cy="6858000"/>
-          </a:xfrm>
-          <a:prstGeom prst="rect">
-            <a:avLst/>
-          </a:prstGeom>
-          <a:solidFill>
-            <a:schemeClr val="accent6"/>
-          </a:solidFill>
-          <a:ln>
-            <a:noFill/>
-          </a:ln>
-        </p:spPr>
-        <p:style>
-          <a:lnRef idx="2">
-            <a:schemeClr val="accent1">
-              <a:shade val="50000"/>
-            </a:schemeClr>
-          </a:lnRef>
-          <a:fillRef idx="1">
-            <a:schemeClr val="accent1"/>
-          </a:fillRef>
-          <a:effectRef idx="0">
-            <a:schemeClr val="accent1"/>
-          </a:effectRef>
-          <a:fontRef idx="minor">
-            <a:schemeClr val="lt1"/>
-          </a:fontRef>
-        </p:style>
-      </p:sp>
     </p:spTree>
+    <p:extLst>
+      <p:ext uri="{BB962C8B-B14F-4D97-AF65-F5344CB8AC3E}">
+        <p14:creationId xmlns:p14="http://schemas.microsoft.com/office/powerpoint/2010/main" val="87913576"/>
+      </p:ext>
+    </p:extLst>
   </p:cSld>
-  <p:clrMap bg1="dk1" tx1="lt1" bg2="dk2" tx2="lt2" accent1="accent1" accent2="accent2" accent3="accent3" accent4="accent4" accent5="accent5" accent6="accent6" hlink="hlink" folHlink="folHlink"/>
+  <p:clrMap bg1="lt1" tx1="dk1" bg2="lt2" tx2="dk2" accent1="accent1" accent2="accent2" accent3="accent3" accent4="accent4" accent5="accent5" accent6="accent6" hlink="hlink" folHlink="folHlink"/>
   <p:sldLayoutIdLst>
-    <p:sldLayoutId id="2147483649" r:id="rId1"/>
-    <p:sldLayoutId id="2147483650" r:id="rId2"/>
-    <p:sldLayoutId id="2147483651" r:id="rId3"/>
-    <p:sldLayoutId id="2147483652" r:id="rId4"/>
-    <p:sldLayoutId id="2147483653" r:id="rId5"/>
-    <p:sldLayoutId id="2147483654" r:id="rId6"/>
-    <p:sldLayoutId id="2147483655" r:id="rId7"/>
-    <p:sldLayoutId id="2147483656" r:id="rId8"/>
-    <p:sldLayoutId id="2147483657" r:id="rId9"/>
-    <p:sldLayoutId id="2147483658" r:id="rId10"/>
-    <p:sldLayoutId id="2147483659" r:id="rId11"/>
+    <p:sldLayoutId id="2147483661" r:id="rId1"/>
+    <p:sldLayoutId id="2147483662" r:id="rId2"/>
+    <p:sldLayoutId id="2147483663" r:id="rId3"/>
+    <p:sldLayoutId id="2147483664" r:id="rId4"/>
+    <p:sldLayoutId id="2147483665" r:id="rId5"/>
+    <p:sldLayoutId id="2147483666" r:id="rId6"/>
+    <p:sldLayoutId id="2147483667" r:id="rId7"/>
+    <p:sldLayoutId id="2147483668" r:id="rId8"/>
+    <p:sldLayoutId id="2147483669" r:id="rId9"/>
+    <p:sldLayoutId id="2147483670" r:id="rId10"/>
+    <p:sldLayoutId id="2147483671" r:id="rId11"/>
+    <p:sldLayoutId id="2147483672" r:id="rId12"/>
+    <p:sldLayoutId id="2147483673" r:id="rId13"/>
+    <p:sldLayoutId id="2147483674" r:id="rId14"/>
+    <p:sldLayoutId id="2147483675" r:id="rId15"/>
+    <p:sldLayoutId id="2147483676" r:id="rId16"/>
+    <p:sldLayoutId id="2147483677" r:id="rId17"/>
   </p:sldLayoutIdLst>
   <p:hf sldNum="0" hdr="0" ftr="0" dt="0"/>
   <p:txStyles>
     <p:titleStyle>
-      <a:lvl1pPr algn="r" defTabSz="914400" rtl="0" eaLnBrk="1" latinLnBrk="0" hangingPunct="1">
+      <a:lvl1pPr algn="l" defTabSz="914400" rtl="0" eaLnBrk="1" latinLnBrk="0" hangingPunct="1">
         <a:lnSpc>
           <a:spcPct val="90000"/>
         </a:lnSpc>
@@ -4154,9 +6110,9 @@
           <a:spcPct val="0"/>
         </a:spcBef>
         <a:buNone/>
-        <a:defRPr sz="3400" b="0" i="0" kern="1200" cap="none">
+        <a:defRPr sz="5400" kern="1200" cap="all" baseline="0">
           <a:solidFill>
-            <a:schemeClr val="tx1"/>
+            <a:schemeClr val="accent1"/>
           </a:solidFill>
           <a:effectLst/>
           <a:latin typeface="+mj-lt"/>
@@ -4166,23 +6122,20 @@
       </a:lvl1pPr>
     </p:titleStyle>
     <p:bodyStyle>
-      <a:lvl1pPr marL="344488" indent="-344488" algn="l" defTabSz="914400" rtl="0" eaLnBrk="1" latinLnBrk="0" hangingPunct="1">
+      <a:lvl1pPr marL="228600" indent="-228600" algn="l" defTabSz="914400" rtl="0" eaLnBrk="1" latinLnBrk="0" hangingPunct="1">
         <a:lnSpc>
           <a:spcPct val="120000"/>
         </a:lnSpc>
         <a:spcBef>
           <a:spcPts val="1000"/>
         </a:spcBef>
-        <a:spcAft>
-          <a:spcPts val="600"/>
-        </a:spcAft>
         <a:buClr>
-          <a:schemeClr val="accent6"/>
+          <a:schemeClr val="accent1"/>
         </a:buClr>
-        <a:buSzPct val="90000"/>
-        <a:buFont typeface="Wingdings" panose="05000000000000000000" pitchFamily="2" charset="2"/>
-        <a:buChar char="§"/>
-        <a:defRPr sz="2000" kern="1200">
+        <a:buSzPct val="160000"/>
+        <a:buFont typeface="Arial" panose="020B0604020202020204" pitchFamily="34" charset="0"/>
+        <a:buChar char="•"/>
+        <a:defRPr sz="2000" kern="1200" cap="all" baseline="0">
           <a:solidFill>
             <a:schemeClr val="tx1"/>
           </a:solidFill>
@@ -4192,23 +6145,20 @@
           <a:cs typeface="+mn-cs"/>
         </a:defRPr>
       </a:lvl1pPr>
-      <a:lvl2pPr marL="795338" indent="-338138" algn="l" defTabSz="914400" rtl="0" eaLnBrk="1" latinLnBrk="0" hangingPunct="1">
+      <a:lvl2pPr marL="685800" indent="-228600" algn="l" defTabSz="914400" rtl="0" eaLnBrk="1" latinLnBrk="0" hangingPunct="1">
         <a:lnSpc>
           <a:spcPct val="120000"/>
         </a:lnSpc>
         <a:spcBef>
           <a:spcPts val="500"/>
         </a:spcBef>
-        <a:spcAft>
-          <a:spcPts val="600"/>
-        </a:spcAft>
         <a:buClr>
-          <a:schemeClr val="accent6"/>
+          <a:schemeClr val="accent1"/>
         </a:buClr>
-        <a:buSzPct val="90000"/>
-        <a:buFont typeface="Wingdings" panose="05000000000000000000" pitchFamily="2" charset="2"/>
-        <a:buChar char="§"/>
-        <a:defRPr sz="1800" kern="1200">
+        <a:buSzPct val="160000"/>
+        <a:buFont typeface="Arial" panose="020B0604020202020204" pitchFamily="34" charset="0"/>
+        <a:buChar char="•"/>
+        <a:defRPr sz="1800" kern="1200" cap="all" baseline="0">
           <a:solidFill>
             <a:schemeClr val="tx1"/>
           </a:solidFill>
@@ -4218,23 +6168,20 @@
           <a:cs typeface="+mn-cs"/>
         </a:defRPr>
       </a:lvl2pPr>
-      <a:lvl3pPr marL="1258888" indent="-344488" algn="l" defTabSz="914400" rtl="0" eaLnBrk="1" latinLnBrk="0" hangingPunct="1">
+      <a:lvl3pPr marL="1143000" indent="-228600" algn="l" defTabSz="914400" rtl="0" eaLnBrk="1" latinLnBrk="0" hangingPunct="1">
         <a:lnSpc>
           <a:spcPct val="120000"/>
         </a:lnSpc>
         <a:spcBef>
           <a:spcPts val="500"/>
         </a:spcBef>
-        <a:spcAft>
-          <a:spcPts val="600"/>
-        </a:spcAft>
         <a:buClr>
-          <a:schemeClr val="accent6"/>
+          <a:schemeClr val="accent1"/>
         </a:buClr>
-        <a:buSzPct val="90000"/>
-        <a:buFont typeface="Wingdings" panose="05000000000000000000" pitchFamily="2" charset="2"/>
-        <a:buChar char="§"/>
-        <a:defRPr sz="1600" kern="1200">
+        <a:buSzPct val="160000"/>
+        <a:buFont typeface="Arial" panose="020B0604020202020204" pitchFamily="34" charset="0"/>
+        <a:buChar char="•"/>
+        <a:defRPr sz="1600" kern="1200" cap="all" baseline="0">
           <a:solidFill>
             <a:schemeClr val="tx1"/>
           </a:solidFill>
@@ -4244,23 +6191,20 @@
           <a:cs typeface="+mn-cs"/>
         </a:defRPr>
       </a:lvl3pPr>
-      <a:lvl4pPr marL="1709738" indent="-338138" algn="l" defTabSz="914400" rtl="0" eaLnBrk="1" latinLnBrk="0" hangingPunct="1">
+      <a:lvl4pPr marL="1600200" indent="-228600" algn="l" defTabSz="914400" rtl="0" eaLnBrk="1" latinLnBrk="0" hangingPunct="1">
         <a:lnSpc>
           <a:spcPct val="120000"/>
         </a:lnSpc>
         <a:spcBef>
           <a:spcPts val="500"/>
         </a:spcBef>
-        <a:spcAft>
-          <a:spcPts val="600"/>
-        </a:spcAft>
         <a:buClr>
-          <a:schemeClr val="accent6"/>
+          <a:schemeClr val="accent1"/>
         </a:buClr>
-        <a:buSzPct val="90000"/>
-        <a:buFont typeface="Wingdings" panose="05000000000000000000" pitchFamily="2" charset="2"/>
-        <a:buChar char="§"/>
-        <a:defRPr sz="1400" kern="1200">
+        <a:buSzPct val="160000"/>
+        <a:buFont typeface="Arial" panose="020B0604020202020204" pitchFamily="34" charset="0"/>
+        <a:buChar char="•"/>
+        <a:defRPr sz="1400" kern="1200" cap="all" baseline="0">
           <a:solidFill>
             <a:schemeClr val="tx1"/>
           </a:solidFill>
@@ -4270,23 +6214,20 @@
           <a:cs typeface="+mn-cs"/>
         </a:defRPr>
       </a:lvl4pPr>
-      <a:lvl5pPr marL="2173288" indent="-344488" algn="l" defTabSz="914400" rtl="0" eaLnBrk="1" latinLnBrk="0" hangingPunct="1">
+      <a:lvl5pPr marL="2057400" indent="-228600" algn="l" defTabSz="914400" rtl="0" eaLnBrk="1" latinLnBrk="0" hangingPunct="1">
         <a:lnSpc>
           <a:spcPct val="120000"/>
         </a:lnSpc>
         <a:spcBef>
           <a:spcPts val="500"/>
         </a:spcBef>
-        <a:spcAft>
-          <a:spcPts val="600"/>
-        </a:spcAft>
         <a:buClr>
-          <a:schemeClr val="accent6"/>
+          <a:schemeClr val="accent1"/>
         </a:buClr>
-        <a:buSzPct val="90000"/>
-        <a:buFont typeface="Wingdings" panose="05000000000000000000" pitchFamily="2" charset="2"/>
-        <a:buChar char="§"/>
-        <a:defRPr sz="1200" kern="1200">
+        <a:buSzPct val="160000"/>
+        <a:buFont typeface="Arial" panose="020B0604020202020204" pitchFamily="34" charset="0"/>
+        <a:buChar char="•"/>
+        <a:defRPr sz="1400" kern="1200" cap="all" baseline="0">
           <a:solidFill>
             <a:schemeClr val="tx1"/>
           </a:solidFill>
@@ -4296,23 +6237,20 @@
           <a:cs typeface="+mn-cs"/>
         </a:defRPr>
       </a:lvl5pPr>
-      <a:lvl6pPr marL="2642616" indent="-338328" algn="l" defTabSz="914400" rtl="0" eaLnBrk="1" latinLnBrk="0" hangingPunct="1">
+      <a:lvl6pPr marL="2514600" indent="-228600" algn="l" defTabSz="914400" rtl="0" eaLnBrk="1" latinLnBrk="0" hangingPunct="1">
         <a:lnSpc>
           <a:spcPct val="120000"/>
         </a:lnSpc>
         <a:spcBef>
           <a:spcPts val="500"/>
         </a:spcBef>
-        <a:spcAft>
-          <a:spcPts val="600"/>
-        </a:spcAft>
         <a:buClr>
-          <a:schemeClr val="accent6"/>
+          <a:schemeClr val="accent1"/>
         </a:buClr>
-        <a:buSzPct val="90000"/>
-        <a:buFont typeface="Wingdings" panose="05000000000000000000" pitchFamily="2" charset="2"/>
-        <a:buChar char="§"/>
-        <a:defRPr sz="1200" kern="1200" baseline="0">
+        <a:buSzPct val="160000"/>
+        <a:buFont typeface="Arial" panose="020B0604020202020204" pitchFamily="34" charset="0"/>
+        <a:buChar char="•"/>
+        <a:defRPr sz="1400" kern="1200" cap="all" baseline="0">
           <a:solidFill>
             <a:schemeClr val="tx1"/>
           </a:solidFill>
@@ -4322,23 +6260,20 @@
           <a:cs typeface="+mn-cs"/>
         </a:defRPr>
       </a:lvl6pPr>
-      <a:lvl7pPr marL="3108960" indent="-338328" algn="l" defTabSz="914400" rtl="0" eaLnBrk="1" latinLnBrk="0" hangingPunct="1">
+      <a:lvl7pPr marL="2971800" indent="-228600" algn="l" defTabSz="914400" rtl="0" eaLnBrk="1" latinLnBrk="0" hangingPunct="1">
         <a:lnSpc>
           <a:spcPct val="120000"/>
         </a:lnSpc>
         <a:spcBef>
           <a:spcPts val="500"/>
         </a:spcBef>
-        <a:spcAft>
-          <a:spcPts val="600"/>
-        </a:spcAft>
         <a:buClr>
-          <a:schemeClr val="accent6"/>
+          <a:schemeClr val="accent1"/>
         </a:buClr>
-        <a:buSzPct val="90000"/>
-        <a:buFont typeface="Wingdings" panose="05000000000000000000" pitchFamily="2" charset="2"/>
-        <a:buChar char="§"/>
-        <a:defRPr sz="1200" kern="1200" baseline="0">
+        <a:buSzPct val="160000"/>
+        <a:buFont typeface="Arial" panose="020B0604020202020204" pitchFamily="34" charset="0"/>
+        <a:buChar char="•"/>
+        <a:defRPr sz="1400" kern="1200" cap="all" baseline="0">
           <a:solidFill>
             <a:schemeClr val="tx1"/>
           </a:solidFill>
@@ -4348,23 +6283,20 @@
           <a:cs typeface="+mn-cs"/>
         </a:defRPr>
       </a:lvl7pPr>
-      <a:lvl8pPr marL="3575304" indent="-338328" algn="l" defTabSz="914400" rtl="0" eaLnBrk="1" latinLnBrk="0" hangingPunct="1">
+      <a:lvl8pPr marL="3429000" indent="-228600" algn="l" defTabSz="914400" rtl="0" eaLnBrk="1" latinLnBrk="0" hangingPunct="1">
         <a:lnSpc>
           <a:spcPct val="120000"/>
         </a:lnSpc>
         <a:spcBef>
           <a:spcPts val="500"/>
         </a:spcBef>
-        <a:spcAft>
-          <a:spcPts val="600"/>
-        </a:spcAft>
         <a:buClr>
-          <a:schemeClr val="accent6"/>
+          <a:schemeClr val="accent1"/>
         </a:buClr>
-        <a:buSzPct val="90000"/>
-        <a:buFont typeface="Wingdings" panose="05000000000000000000" pitchFamily="2" charset="2"/>
-        <a:buChar char="§"/>
-        <a:defRPr sz="1200" kern="1200" baseline="0">
+        <a:buSzPct val="160000"/>
+        <a:buFont typeface="Arial" panose="020B0604020202020204" pitchFamily="34" charset="0"/>
+        <a:buChar char="•"/>
+        <a:defRPr sz="1400" kern="1200" cap="all" baseline="0">
           <a:solidFill>
             <a:schemeClr val="tx1"/>
           </a:solidFill>
@@ -4374,23 +6306,20 @@
           <a:cs typeface="+mn-cs"/>
         </a:defRPr>
       </a:lvl8pPr>
-      <a:lvl9pPr marL="4041648" indent="-338328" algn="l" defTabSz="914400" rtl="0" eaLnBrk="1" latinLnBrk="0" hangingPunct="1">
+      <a:lvl9pPr marL="3886200" indent="-228600" algn="l" defTabSz="914400" rtl="0" eaLnBrk="1" latinLnBrk="0" hangingPunct="1">
         <a:lnSpc>
           <a:spcPct val="120000"/>
         </a:lnSpc>
         <a:spcBef>
           <a:spcPts val="500"/>
         </a:spcBef>
-        <a:spcAft>
-          <a:spcPts val="600"/>
-        </a:spcAft>
         <a:buClr>
-          <a:schemeClr val="accent6"/>
+          <a:schemeClr val="accent1"/>
         </a:buClr>
-        <a:buSzPct val="90000"/>
-        <a:buFont typeface="Wingdings" panose="05000000000000000000" pitchFamily="2" charset="2"/>
-        <a:buChar char="§"/>
-        <a:defRPr sz="1200" kern="1200" baseline="0">
+        <a:buSzPct val="160000"/>
+        <a:buFont typeface="Arial" panose="020B0604020202020204" pitchFamily="34" charset="0"/>
+        <a:buChar char="•"/>
+        <a:defRPr sz="1400" kern="1200" cap="all" baseline="0">
           <a:solidFill>
             <a:schemeClr val="tx1"/>
           </a:solidFill>
@@ -4571,7 +6500,7 @@
         </p:nvSpPr>
         <p:spPr>
           <a:xfrm>
-            <a:off x="2302717" y="3393252"/>
+            <a:off x="2302718" y="3639065"/>
             <a:ext cx="6630345" cy="647407"/>
           </a:xfrm>
         </p:spPr>
@@ -4582,10 +6511,18 @@
           <a:lstStyle/>
           <a:p>
             <a:r>
-              <a:rPr lang="en-US" sz="1600" i="1" dirty="0"/>
+              <a:rPr lang="en-US" sz="1600" i="1" dirty="0">
+                <a:solidFill>
+                  <a:schemeClr val="tx1"/>
+                </a:solidFill>
+              </a:rPr>
               <a:t>“The use of data analytics to identify circumstances in which elderly or disabled residents may require aid through changes in electricity usage patterns.”</a:t>
             </a:r>
-            <a:endParaRPr lang="en-GB" sz="1600" dirty="0"/>
+            <a:endParaRPr lang="en-GB" sz="1600" dirty="0">
+              <a:solidFill>
+                <a:schemeClr val="tx1"/>
+              </a:solidFill>
+            </a:endParaRPr>
           </a:p>
         </p:txBody>
       </p:sp>
@@ -4635,7 +6572,12 @@
             <p:ph type="title"/>
           </p:nvPr>
         </p:nvSpPr>
-        <p:spPr/>
+        <p:spPr>
+          <a:xfrm>
+            <a:off x="616964" y="394697"/>
+            <a:ext cx="10394707" cy="1158140"/>
+          </a:xfrm>
+        </p:spPr>
         <p:txBody>
           <a:bodyPr/>
           <a:lstStyle/>
@@ -4660,7 +6602,7 @@
             <a:spLocks noGrp="1"/>
           </p:cNvSpPr>
           <p:nvPr>
-            <p:ph type="body" sz="quarter" idx="3"/>
+            <p:ph type="body" idx="1"/>
           </p:nvPr>
         </p:nvSpPr>
         <p:spPr>
@@ -4781,7 +6723,7 @@
             <a:spLocks noGrp="1"/>
           </p:cNvSpPr>
           <p:nvPr>
-            <p:ph type="body" sz="quarter" idx="3"/>
+            <p:ph type="body" idx="1"/>
           </p:nvPr>
         </p:nvSpPr>
         <p:spPr>
@@ -4884,7 +6826,9 @@
           </a:xfrm>
         </p:spPr>
         <p:txBody>
-          <a:bodyPr/>
+          <a:bodyPr>
+            <a:normAutofit fontScale="90000"/>
+          </a:bodyPr>
           <a:lstStyle/>
           <a:p>
             <a:r>
@@ -4907,7 +6851,7 @@
             <a:spLocks noGrp="1"/>
           </p:cNvSpPr>
           <p:nvPr>
-            <p:ph idx="1"/>
+            <p:ph sz="quarter" idx="13"/>
           </p:nvPr>
         </p:nvSpPr>
         <p:spPr>
@@ -5394,7 +7338,7 @@
             <a:spLocks noGrp="1"/>
           </p:cNvSpPr>
           <p:nvPr>
-            <p:ph idx="1"/>
+            <p:ph sz="quarter" idx="13"/>
           </p:nvPr>
         </p:nvSpPr>
         <p:spPr/>
@@ -5507,7 +7451,7 @@
             <a:spLocks noGrp="1"/>
           </p:cNvSpPr>
           <p:nvPr>
-            <p:ph idx="1"/>
+            <p:ph sz="quarter" idx="13"/>
           </p:nvPr>
         </p:nvSpPr>
         <p:spPr/>
@@ -5650,13 +7594,13 @@
             <a:spLocks noGrp="1"/>
           </p:cNvSpPr>
           <p:nvPr>
-            <p:ph sz="half" idx="2"/>
+            <p:ph sz="quarter" idx="13"/>
           </p:nvPr>
         </p:nvSpPr>
         <p:spPr/>
         <p:txBody>
           <a:bodyPr>
-            <a:normAutofit lnSpcReduction="10000"/>
+            <a:normAutofit/>
           </a:bodyPr>
           <a:lstStyle/>
           <a:p>
@@ -5726,7 +7670,7 @@
             <a:spLocks noGrp="1"/>
           </p:cNvSpPr>
           <p:nvPr>
-            <p:ph sz="quarter" idx="4"/>
+            <p:ph sz="quarter" idx="14"/>
           </p:nvPr>
         </p:nvSpPr>
         <p:spPr/>
@@ -5833,7 +7777,7 @@
             <a:spLocks noGrp="1"/>
           </p:cNvSpPr>
           <p:nvPr>
-            <p:ph sz="half" idx="1"/>
+            <p:ph sz="quarter" idx="13"/>
           </p:nvPr>
         </p:nvSpPr>
         <p:spPr/>
@@ -5881,7 +7825,7 @@
             <a:spLocks noGrp="1"/>
           </p:cNvSpPr>
           <p:nvPr>
-            <p:ph sz="half" idx="2"/>
+            <p:ph sz="quarter" idx="14"/>
           </p:nvPr>
         </p:nvSpPr>
         <p:spPr/>
@@ -5964,7 +7908,7 @@
             <a:graphicFrameLocks noGrp="1"/>
           </p:cNvGraphicFramePr>
           <p:nvPr>
-            <p:ph sz="half" idx="2"/>
+            <p:ph sz="quarter" idx="13"/>
             <p:extLst>
               <p:ext uri="{D42A27DB-BD31-4B8C-83A1-F6EECF244321}">
                 <p14:modId xmlns:p14="http://schemas.microsoft.com/office/powerpoint/2010/main" val="840121311"/>
@@ -6667,7 +8611,7 @@
             <a:spLocks noGrp="1"/>
           </p:cNvSpPr>
           <p:nvPr>
-            <p:ph sz="half" idx="2"/>
+            <p:ph sz="quarter" idx="13"/>
           </p:nvPr>
         </p:nvSpPr>
         <p:spPr>
@@ -6767,7 +8711,7 @@
             <a:spLocks noGrp="1"/>
           </p:cNvSpPr>
           <p:nvPr>
-            <p:ph sz="quarter" idx="4"/>
+            <p:ph sz="quarter" idx="14"/>
           </p:nvPr>
         </p:nvSpPr>
         <p:spPr>
@@ -6819,9 +8763,9 @@
 </file>
 
 <file path=ppt/theme/theme1.xml><?xml version="1.0" encoding="utf-8"?>
-<a:theme xmlns:a="http://schemas.openxmlformats.org/drawingml/2006/main" name="Madison">
+<a:theme xmlns:a="http://schemas.openxmlformats.org/drawingml/2006/main" name="Main Event">
   <a:themeElements>
-    <a:clrScheme name="Madison">
+    <a:clrScheme name="Main Event">
       <a:dk1>
         <a:sysClr val="windowText" lastClr="000000"/>
       </a:dk1>
@@ -6829,39 +8773,39 @@
         <a:sysClr val="window" lastClr="FFFFFF"/>
       </a:lt1>
       <a:dk2>
-        <a:srgbClr val="1F2D29"/>
+        <a:srgbClr val="424242"/>
       </a:dk2>
       <a:lt2>
-        <a:srgbClr val="C5FAEB"/>
+        <a:srgbClr val="C8C8C8"/>
       </a:lt2>
       <a:accent1>
-        <a:srgbClr val="A1D68B"/>
+        <a:srgbClr val="B80E0F"/>
       </a:accent1>
       <a:accent2>
-        <a:srgbClr val="5EC795"/>
+        <a:srgbClr val="A6987D"/>
       </a:accent2>
       <a:accent3>
-        <a:srgbClr val="4DADCF"/>
+        <a:srgbClr val="7F9A71"/>
       </a:accent3>
       <a:accent4>
-        <a:srgbClr val="CDB756"/>
+        <a:srgbClr val="64969F"/>
       </a:accent4>
       <a:accent5>
-        <a:srgbClr val="E29C36"/>
+        <a:srgbClr val="9B75B2"/>
       </a:accent5>
       <a:accent6>
-        <a:srgbClr val="8EC0C1"/>
+        <a:srgbClr val="80737A"/>
       </a:accent6>
       <a:hlink>
-        <a:srgbClr val="6D9D9B"/>
+        <a:srgbClr val="F21213"/>
       </a:hlink>
       <a:folHlink>
-        <a:srgbClr val="6D8583"/>
+        <a:srgbClr val="B6A394"/>
       </a:folHlink>
     </a:clrScheme>
-    <a:fontScheme name="Madison">
+    <a:fontScheme name="Main Event">
       <a:majorFont>
-        <a:latin typeface="Arial" panose="020B0604020202020204"/>
+        <a:latin typeface="Impact" panose="020B0806030902050204"/>
         <a:ea typeface=""/>
         <a:cs typeface=""/>
         <a:font script="Jpan" typeface="ＭＳ Ｐゴシック"/>
@@ -6896,7 +8840,7 @@
         <a:font script="Geor" typeface="Sylfaen"/>
       </a:majorFont>
       <a:minorFont>
-        <a:latin typeface="Arial" panose="020B0604020202020204"/>
+        <a:latin typeface="Impact" panose="020B0806030902050204"/>
         <a:ea typeface=""/>
         <a:cs typeface=""/>
         <a:font script="Jpan" typeface="ＭＳ Ｐゴシック"/>
@@ -6931,73 +8875,47 @@
         <a:font script="Geor" typeface="Sylfaen"/>
       </a:minorFont>
     </a:fontScheme>
-    <a:fmtScheme name="Madison">
+    <a:fmtScheme name="Main Event">
       <a:fillStyleLst>
         <a:solidFill>
           <a:schemeClr val="phClr"/>
         </a:solidFill>
-        <a:gradFill rotWithShape="1">
-          <a:gsLst>
-            <a:gs pos="0">
+        <a:solidFill>
+          <a:schemeClr val="phClr">
+            <a:tint val="69000"/>
+            <a:satMod val="105000"/>
+            <a:lumMod val="110000"/>
+          </a:schemeClr>
+        </a:solidFill>
+        <a:blipFill>
+          <a:blip xmlns:r="http://schemas.openxmlformats.org/officeDocument/2006/relationships" r:embed="rId1">
+            <a:duotone>
               <a:schemeClr val="phClr">
-                <a:tint val="48000"/>
-                <a:alpha val="88000"/>
-                <a:satMod val="105000"/>
-                <a:lumMod val="110000"/>
-              </a:schemeClr>
-            </a:gs>
-            <a:gs pos="100000">
-              <a:schemeClr val="phClr">
-                <a:tint val="78000"/>
-                <a:alpha val="92000"/>
-                <a:satMod val="109000"/>
-                <a:lumMod val="100000"/>
-              </a:schemeClr>
-            </a:gs>
-          </a:gsLst>
-          <a:lin ang="5400000" scaled="0"/>
-        </a:gradFill>
-        <a:gradFill rotWithShape="1">
-          <a:gsLst>
-            <a:gs pos="0">
-              <a:schemeClr val="phClr">
-                <a:tint val="98000"/>
-                <a:satMod val="110000"/>
-                <a:lumMod val="104000"/>
-              </a:schemeClr>
-            </a:gs>
-            <a:gs pos="69000">
-              <a:schemeClr val="phClr">
-                <a:shade val="84000"/>
-                <a:satMod val="130000"/>
-                <a:lumMod val="92000"/>
-              </a:schemeClr>
-            </a:gs>
-            <a:gs pos="100000">
-              <a:schemeClr val="phClr">
-                <a:shade val="76000"/>
-                <a:satMod val="130000"/>
+                <a:shade val="88000"/>
                 <a:lumMod val="88000"/>
               </a:schemeClr>
-            </a:gs>
-          </a:gsLst>
-          <a:lin ang="5400000" scaled="0"/>
-        </a:gradFill>
+              <a:schemeClr val="phClr"/>
+            </a:duotone>
+          </a:blip>
+          <a:tile tx="0" ty="0" sx="100000" sy="100000" flip="none" algn="tl"/>
+        </a:blipFill>
       </a:fillStyleLst>
       <a:lnStyleLst>
         <a:ln w="9525" cap="flat" cmpd="sng" algn="ctr">
+          <a:solidFill>
+            <a:schemeClr val="phClr">
+              <a:shade val="60000"/>
+            </a:schemeClr>
+          </a:solidFill>
+          <a:prstDash val="solid"/>
+        </a:ln>
+        <a:ln w="19050" cap="flat" cmpd="sng" algn="ctr">
           <a:solidFill>
             <a:schemeClr val="phClr"/>
           </a:solidFill>
           <a:prstDash val="solid"/>
         </a:ln>
-        <a:ln w="15875" cap="flat" cmpd="sng" algn="ctr">
-          <a:solidFill>
-            <a:schemeClr val="phClr"/>
-          </a:solidFill>
-          <a:prstDash val="solid"/>
-        </a:ln>
-        <a:ln w="22225" cap="flat" cmpd="sng" algn="ctr">
+        <a:ln w="25400" cap="flat" cmpd="sng" algn="ctr">
           <a:solidFill>
             <a:schemeClr val="phClr"/>
           </a:solidFill>
@@ -7012,18 +8930,50 @@
           <a:effectLst/>
         </a:effectStyle>
         <a:effectStyle>
-          <a:effectLst/>
+          <a:effectLst>
+            <a:outerShdw blurRad="25400" dist="12700" dir="5400000" rotWithShape="0">
+              <a:srgbClr val="000000">
+                <a:alpha val="60000"/>
+              </a:srgbClr>
+            </a:outerShdw>
+          </a:effectLst>
         </a:effectStyle>
       </a:effectStyleLst>
       <a:bgFillStyleLst>
         <a:solidFill>
           <a:schemeClr val="phClr"/>
         </a:solidFill>
-        <a:solidFill>
-          <a:schemeClr val="phClr"/>
-        </a:solidFill>
-        <a:blipFill rotWithShape="1">
-          <a:blip xmlns:r="http://schemas.openxmlformats.org/officeDocument/2006/relationships" r:embed="rId1"/>
+        <a:gradFill rotWithShape="1">
+          <a:gsLst>
+            <a:gs pos="0">
+              <a:schemeClr val="phClr">
+                <a:tint val="90000"/>
+                <a:lumMod val="110000"/>
+              </a:schemeClr>
+            </a:gs>
+            <a:gs pos="100000">
+              <a:schemeClr val="phClr">
+                <a:shade val="88000"/>
+                <a:lumMod val="88000"/>
+              </a:schemeClr>
+            </a:gs>
+          </a:gsLst>
+          <a:lin ang="5400000" scaled="0"/>
+        </a:gradFill>
+        <a:blipFill>
+          <a:blip xmlns:r="http://schemas.openxmlformats.org/officeDocument/2006/relationships" r:embed="rId2">
+            <a:duotone>
+              <a:schemeClr val="phClr">
+                <a:shade val="48000"/>
+                <a:satMod val="110000"/>
+                <a:lumMod val="40000"/>
+              </a:schemeClr>
+              <a:schemeClr val="phClr">
+                <a:tint val="90000"/>
+                <a:lumMod val="106000"/>
+              </a:schemeClr>
+            </a:duotone>
+          </a:blip>
           <a:stretch/>
         </a:blipFill>
       </a:bgFillStyleLst>
@@ -7033,7 +8983,302 @@
   <a:extraClrSchemeLst/>
   <a:extLst>
     <a:ext uri="{05A4C25C-085E-4340-85A3-A5531E510DB2}">
-      <thm15:themeFamily xmlns:thm15="http://schemas.microsoft.com/office/thememl/2012/main" name="Madison" id="{025CB5FB-2DD3-45EE-B6F0-CC461540EB19}" vid="{6AC10936-2DFC-4054-9ADF-B5E2C5F86190}"/>
+      <thm15:themeFamily xmlns:thm15="http://schemas.microsoft.com/office/thememl/2012/main" name="Main Event" id="{AC372BB4-D83D-411E-B849-B641926BA760}" vid="{F1EFBDE3-1A95-4E3D-81AD-1F53D65BEA01}"/>
+    </a:ext>
+  </a:extLst>
+</a:theme>
+</file>
+
+<file path=ppt/theme/theme2.xml><?xml version="1.0" encoding="utf-8"?>
+<a:theme xmlns:a="http://schemas.openxmlformats.org/drawingml/2006/main" name="Office Theme">
+  <a:themeElements>
+    <a:clrScheme name="Office">
+      <a:dk1>
+        <a:sysClr val="windowText" lastClr="000000"/>
+      </a:dk1>
+      <a:lt1>
+        <a:sysClr val="window" lastClr="FFFFFF"/>
+      </a:lt1>
+      <a:dk2>
+        <a:srgbClr val="44546A"/>
+      </a:dk2>
+      <a:lt2>
+        <a:srgbClr val="E7E6E6"/>
+      </a:lt2>
+      <a:accent1>
+        <a:srgbClr val="4472C4"/>
+      </a:accent1>
+      <a:accent2>
+        <a:srgbClr val="ED7D31"/>
+      </a:accent2>
+      <a:accent3>
+        <a:srgbClr val="A5A5A5"/>
+      </a:accent3>
+      <a:accent4>
+        <a:srgbClr val="FFC000"/>
+      </a:accent4>
+      <a:accent5>
+        <a:srgbClr val="5B9BD5"/>
+      </a:accent5>
+      <a:accent6>
+        <a:srgbClr val="70AD47"/>
+      </a:accent6>
+      <a:hlink>
+        <a:srgbClr val="0563C1"/>
+      </a:hlink>
+      <a:folHlink>
+        <a:srgbClr val="954F72"/>
+      </a:folHlink>
+    </a:clrScheme>
+    <a:fontScheme name="Office">
+      <a:majorFont>
+        <a:latin typeface="Calibri Light" panose="020F0302020204030204"/>
+        <a:ea typeface=""/>
+        <a:cs typeface=""/>
+        <a:font script="Jpan" typeface="游ゴシック Light"/>
+        <a:font script="Hang" typeface="맑은 고딕"/>
+        <a:font script="Hans" typeface="等线 Light"/>
+        <a:font script="Hant" typeface="新細明體"/>
+        <a:font script="Arab" typeface="Times New Roman"/>
+        <a:font script="Hebr" typeface="Times New Roman"/>
+        <a:font script="Thai" typeface="Angsana New"/>
+        <a:font script="Ethi" typeface="Nyala"/>
+        <a:font script="Beng" typeface="Vrinda"/>
+        <a:font script="Gujr" typeface="Shruti"/>
+        <a:font script="Khmr" typeface="MoolBoran"/>
+        <a:font script="Knda" typeface="Tunga"/>
+        <a:font script="Guru" typeface="Raavi"/>
+        <a:font script="Cans" typeface="Euphemia"/>
+        <a:font script="Cher" typeface="Plantagenet Cherokee"/>
+        <a:font script="Yiii" typeface="Microsoft Yi Baiti"/>
+        <a:font script="Tibt" typeface="Microsoft Himalaya"/>
+        <a:font script="Thaa" typeface="MV Boli"/>
+        <a:font script="Deva" typeface="Mangal"/>
+        <a:font script="Telu" typeface="Gautami"/>
+        <a:font script="Taml" typeface="Latha"/>
+        <a:font script="Syrc" typeface="Estrangelo Edessa"/>
+        <a:font script="Orya" typeface="Kalinga"/>
+        <a:font script="Mlym" typeface="Kartika"/>
+        <a:font script="Laoo" typeface="DokChampa"/>
+        <a:font script="Sinh" typeface="Iskoola Pota"/>
+        <a:font script="Mong" typeface="Mongolian Baiti"/>
+        <a:font script="Viet" typeface="Times New Roman"/>
+        <a:font script="Uigh" typeface="Microsoft Uighur"/>
+        <a:font script="Geor" typeface="Sylfaen"/>
+        <a:font script="Armn" typeface="Arial"/>
+        <a:font script="Bugi" typeface="Leelawadee UI"/>
+        <a:font script="Bopo" typeface="Microsoft JhengHei"/>
+        <a:font script="Java" typeface="Javanese Text"/>
+        <a:font script="Lisu" typeface="Segoe UI"/>
+        <a:font script="Mymr" typeface="Myanmar Text"/>
+        <a:font script="Nkoo" typeface="Ebrima"/>
+        <a:font script="Olck" typeface="Nirmala UI"/>
+        <a:font script="Osma" typeface="Ebrima"/>
+        <a:font script="Phag" typeface="Phagspa"/>
+        <a:font script="Syrn" typeface="Estrangelo Edessa"/>
+        <a:font script="Syrj" typeface="Estrangelo Edessa"/>
+        <a:font script="Syre" typeface="Estrangelo Edessa"/>
+        <a:font script="Sora" typeface="Nirmala UI"/>
+        <a:font script="Tale" typeface="Microsoft Tai Le"/>
+        <a:font script="Talu" typeface="Microsoft New Tai Lue"/>
+        <a:font script="Tfng" typeface="Ebrima"/>
+      </a:majorFont>
+      <a:minorFont>
+        <a:latin typeface="Calibri" panose="020F0502020204030204"/>
+        <a:ea typeface=""/>
+        <a:cs typeface=""/>
+        <a:font script="Jpan" typeface="游ゴシック"/>
+        <a:font script="Hang" typeface="맑은 고딕"/>
+        <a:font script="Hans" typeface="等线"/>
+        <a:font script="Hant" typeface="新細明體"/>
+        <a:font script="Arab" typeface="Arial"/>
+        <a:font script="Hebr" typeface="Arial"/>
+        <a:font script="Thai" typeface="Cordia New"/>
+        <a:font script="Ethi" typeface="Nyala"/>
+        <a:font script="Beng" typeface="Vrinda"/>
+        <a:font script="Gujr" typeface="Shruti"/>
+        <a:font script="Khmr" typeface="DaunPenh"/>
+        <a:font script="Knda" typeface="Tunga"/>
+        <a:font script="Guru" typeface="Raavi"/>
+        <a:font script="Cans" typeface="Euphemia"/>
+        <a:font script="Cher" typeface="Plantagenet Cherokee"/>
+        <a:font script="Yiii" typeface="Microsoft Yi Baiti"/>
+        <a:font script="Tibt" typeface="Microsoft Himalaya"/>
+        <a:font script="Thaa" typeface="MV Boli"/>
+        <a:font script="Deva" typeface="Mangal"/>
+        <a:font script="Telu" typeface="Gautami"/>
+        <a:font script="Taml" typeface="Latha"/>
+        <a:font script="Syrc" typeface="Estrangelo Edessa"/>
+        <a:font script="Orya" typeface="Kalinga"/>
+        <a:font script="Mlym" typeface="Kartika"/>
+        <a:font script="Laoo" typeface="DokChampa"/>
+        <a:font script="Sinh" typeface="Iskoola Pota"/>
+        <a:font script="Mong" typeface="Mongolian Baiti"/>
+        <a:font script="Viet" typeface="Arial"/>
+        <a:font script="Uigh" typeface="Microsoft Uighur"/>
+        <a:font script="Geor" typeface="Sylfaen"/>
+        <a:font script="Armn" typeface="Arial"/>
+        <a:font script="Bugi" typeface="Leelawadee UI"/>
+        <a:font script="Bopo" typeface="Microsoft JhengHei"/>
+        <a:font script="Java" typeface="Javanese Text"/>
+        <a:font script="Lisu" typeface="Segoe UI"/>
+        <a:font script="Mymr" typeface="Myanmar Text"/>
+        <a:font script="Nkoo" typeface="Ebrima"/>
+        <a:font script="Olck" typeface="Nirmala UI"/>
+        <a:font script="Osma" typeface="Ebrima"/>
+        <a:font script="Phag" typeface="Phagspa"/>
+        <a:font script="Syrn" typeface="Estrangelo Edessa"/>
+        <a:font script="Syrj" typeface="Estrangelo Edessa"/>
+        <a:font script="Syre" typeface="Estrangelo Edessa"/>
+        <a:font script="Sora" typeface="Nirmala UI"/>
+        <a:font script="Tale" typeface="Microsoft Tai Le"/>
+        <a:font script="Talu" typeface="Microsoft New Tai Lue"/>
+        <a:font script="Tfng" typeface="Ebrima"/>
+      </a:minorFont>
+    </a:fontScheme>
+    <a:fmtScheme name="Office">
+      <a:fillStyleLst>
+        <a:solidFill>
+          <a:schemeClr val="phClr"/>
+        </a:solidFill>
+        <a:gradFill rotWithShape="1">
+          <a:gsLst>
+            <a:gs pos="0">
+              <a:schemeClr val="phClr">
+                <a:lumMod val="110000"/>
+                <a:satMod val="105000"/>
+                <a:tint val="67000"/>
+              </a:schemeClr>
+            </a:gs>
+            <a:gs pos="50000">
+              <a:schemeClr val="phClr">
+                <a:lumMod val="105000"/>
+                <a:satMod val="103000"/>
+                <a:tint val="73000"/>
+              </a:schemeClr>
+            </a:gs>
+            <a:gs pos="100000">
+              <a:schemeClr val="phClr">
+                <a:lumMod val="105000"/>
+                <a:satMod val="109000"/>
+                <a:tint val="81000"/>
+              </a:schemeClr>
+            </a:gs>
+          </a:gsLst>
+          <a:lin ang="5400000" scaled="0"/>
+        </a:gradFill>
+        <a:gradFill rotWithShape="1">
+          <a:gsLst>
+            <a:gs pos="0">
+              <a:schemeClr val="phClr">
+                <a:satMod val="103000"/>
+                <a:lumMod val="102000"/>
+                <a:tint val="94000"/>
+              </a:schemeClr>
+            </a:gs>
+            <a:gs pos="50000">
+              <a:schemeClr val="phClr">
+                <a:satMod val="110000"/>
+                <a:lumMod val="100000"/>
+                <a:shade val="100000"/>
+              </a:schemeClr>
+            </a:gs>
+            <a:gs pos="100000">
+              <a:schemeClr val="phClr">
+                <a:lumMod val="99000"/>
+                <a:satMod val="120000"/>
+                <a:shade val="78000"/>
+              </a:schemeClr>
+            </a:gs>
+          </a:gsLst>
+          <a:lin ang="5400000" scaled="0"/>
+        </a:gradFill>
+      </a:fillStyleLst>
+      <a:lnStyleLst>
+        <a:ln w="6350" cap="flat" cmpd="sng" algn="ctr">
+          <a:solidFill>
+            <a:schemeClr val="phClr"/>
+          </a:solidFill>
+          <a:prstDash val="solid"/>
+          <a:miter lim="800000"/>
+        </a:ln>
+        <a:ln w="12700" cap="flat" cmpd="sng" algn="ctr">
+          <a:solidFill>
+            <a:schemeClr val="phClr"/>
+          </a:solidFill>
+          <a:prstDash val="solid"/>
+          <a:miter lim="800000"/>
+        </a:ln>
+        <a:ln w="19050" cap="flat" cmpd="sng" algn="ctr">
+          <a:solidFill>
+            <a:schemeClr val="phClr"/>
+          </a:solidFill>
+          <a:prstDash val="solid"/>
+          <a:miter lim="800000"/>
+        </a:ln>
+      </a:lnStyleLst>
+      <a:effectStyleLst>
+        <a:effectStyle>
+          <a:effectLst/>
+        </a:effectStyle>
+        <a:effectStyle>
+          <a:effectLst/>
+        </a:effectStyle>
+        <a:effectStyle>
+          <a:effectLst>
+            <a:outerShdw blurRad="57150" dist="19050" dir="5400000" algn="ctr" rotWithShape="0">
+              <a:srgbClr val="000000">
+                <a:alpha val="63000"/>
+              </a:srgbClr>
+            </a:outerShdw>
+          </a:effectLst>
+        </a:effectStyle>
+      </a:effectStyleLst>
+      <a:bgFillStyleLst>
+        <a:solidFill>
+          <a:schemeClr val="phClr"/>
+        </a:solidFill>
+        <a:solidFill>
+          <a:schemeClr val="phClr">
+            <a:tint val="95000"/>
+            <a:satMod val="170000"/>
+          </a:schemeClr>
+        </a:solidFill>
+        <a:gradFill rotWithShape="1">
+          <a:gsLst>
+            <a:gs pos="0">
+              <a:schemeClr val="phClr">
+                <a:tint val="93000"/>
+                <a:satMod val="150000"/>
+                <a:shade val="98000"/>
+                <a:lumMod val="102000"/>
+              </a:schemeClr>
+            </a:gs>
+            <a:gs pos="50000">
+              <a:schemeClr val="phClr">
+                <a:tint val="98000"/>
+                <a:satMod val="130000"/>
+                <a:shade val="90000"/>
+                <a:lumMod val="103000"/>
+              </a:schemeClr>
+            </a:gs>
+            <a:gs pos="100000">
+              <a:schemeClr val="phClr">
+                <a:shade val="63000"/>
+                <a:satMod val="120000"/>
+              </a:schemeClr>
+            </a:gs>
+          </a:gsLst>
+          <a:lin ang="5400000" scaled="0"/>
+        </a:gradFill>
+      </a:bgFillStyleLst>
+    </a:fmtScheme>
+  </a:themeElements>
+  <a:objectDefaults/>
+  <a:extraClrSchemeLst/>
+  <a:extLst>
+    <a:ext uri="{05A4C25C-085E-4340-85A3-A5531E510DB2}">
+      <thm15:themeFamily xmlns:thm15="http://schemas.microsoft.com/office/thememl/2012/main" name="Office Theme" id="{62F939B6-93AF-4DB8-9C6B-D6C7DFDC589F}" vid="{4A3C46E8-61CC-4603-A589-7422A47A8E4A}"/>
     </a:ext>
   </a:extLst>
 </a:theme>
